--- a/PPTs/ProgramacionII_Clase_19.2-2021.pptx
+++ b/PPTs/ProgramacionII_Clase_19.2-2021.pptx
@@ -9,28 +9,27 @@
     <p:sldId id="257" r:id="rId3"/>
     <p:sldId id="258" r:id="rId4"/>
     <p:sldId id="278" r:id="rId5"/>
-    <p:sldId id="279" r:id="rId6"/>
-    <p:sldId id="280" r:id="rId7"/>
-    <p:sldId id="281" r:id="rId8"/>
-    <p:sldId id="282" r:id="rId9"/>
-    <p:sldId id="283" r:id="rId10"/>
-    <p:sldId id="260" r:id="rId11"/>
-    <p:sldId id="259" r:id="rId12"/>
-    <p:sldId id="262" r:id="rId13"/>
-    <p:sldId id="263" r:id="rId14"/>
-    <p:sldId id="264" r:id="rId15"/>
-    <p:sldId id="265" r:id="rId16"/>
-    <p:sldId id="268" r:id="rId17"/>
-    <p:sldId id="266" r:id="rId18"/>
-    <p:sldId id="269" r:id="rId19"/>
-    <p:sldId id="270" r:id="rId20"/>
-    <p:sldId id="261" r:id="rId21"/>
-    <p:sldId id="267" r:id="rId22"/>
-    <p:sldId id="271" r:id="rId23"/>
-    <p:sldId id="272" r:id="rId24"/>
-    <p:sldId id="273" r:id="rId25"/>
-    <p:sldId id="276" r:id="rId26"/>
-    <p:sldId id="277" r:id="rId27"/>
+    <p:sldId id="280" r:id="rId6"/>
+    <p:sldId id="281" r:id="rId7"/>
+    <p:sldId id="282" r:id="rId8"/>
+    <p:sldId id="283" r:id="rId9"/>
+    <p:sldId id="260" r:id="rId10"/>
+    <p:sldId id="259" r:id="rId11"/>
+    <p:sldId id="262" r:id="rId12"/>
+    <p:sldId id="263" r:id="rId13"/>
+    <p:sldId id="264" r:id="rId14"/>
+    <p:sldId id="265" r:id="rId15"/>
+    <p:sldId id="268" r:id="rId16"/>
+    <p:sldId id="266" r:id="rId17"/>
+    <p:sldId id="269" r:id="rId18"/>
+    <p:sldId id="270" r:id="rId19"/>
+    <p:sldId id="261" r:id="rId20"/>
+    <p:sldId id="267" r:id="rId21"/>
+    <p:sldId id="271" r:id="rId22"/>
+    <p:sldId id="272" r:id="rId23"/>
+    <p:sldId id="273" r:id="rId24"/>
+    <p:sldId id="276" r:id="rId25"/>
+    <p:sldId id="277" r:id="rId26"/>
   </p:sldIdLst>
   <p:sldSz cx="12192000" cy="6858000"/>
   <p:notesSz cx="6858000" cy="9144000"/>
@@ -411,7 +410,7 @@
           <a:p>
             <a:fld id="{78ABE3C1-DBE1-495D-B57B-2849774B866A}" type="datetimeFigureOut">
               <a:rPr lang="en-US" dirty="0"/>
-              <a:t>10/14/2021</a:t>
+              <a:t>10/20/2021</a:t>
             </a:fld>
             <a:endParaRPr lang="en-US" dirty="0"/>
           </a:p>
@@ -820,7 +819,7 @@
           <a:p>
             <a:fld id="{446C117F-5CCF-4837-BE5F-2B92066CAFAF}" type="datetimeFigureOut">
               <a:rPr lang="en-US" dirty="0"/>
-              <a:t>10/14/2021</a:t>
+              <a:t>10/20/2021</a:t>
             </a:fld>
             <a:endParaRPr lang="en-US" dirty="0"/>
           </a:p>
@@ -1151,7 +1150,7 @@
           <a:p>
             <a:fld id="{84EB90BD-B6CE-46B7-997F-7313B992CCDC}" type="datetimeFigureOut">
               <a:rPr lang="en-US" dirty="0"/>
-              <a:t>10/14/2021</a:t>
+              <a:t>10/20/2021</a:t>
             </a:fld>
             <a:endParaRPr lang="en-US" dirty="0"/>
           </a:p>
@@ -1551,7 +1550,7 @@
           <a:p>
             <a:fld id="{CDB9D11F-B188-461D-B23F-39381795C052}" type="datetimeFigureOut">
               <a:rPr lang="en-US" dirty="0"/>
-              <a:t>10/14/2021</a:t>
+              <a:t>10/20/2021</a:t>
             </a:fld>
             <a:endParaRPr lang="en-US" dirty="0"/>
           </a:p>
@@ -2114,7 +2113,7 @@
           <a:p>
             <a:fld id="{52E6D8D9-55A2-4063-B0F3-121F44549695}" type="datetimeFigureOut">
               <a:rPr lang="en-US" dirty="0"/>
-              <a:t>10/14/2021</a:t>
+              <a:t>10/20/2021</a:t>
             </a:fld>
             <a:endParaRPr lang="en-US" dirty="0"/>
           </a:p>
@@ -2790,7 +2789,7 @@
           <a:p>
             <a:fld id="{D4B24536-994D-4021-A283-9F449C0DB509}" type="datetimeFigureOut">
               <a:rPr lang="en-US" dirty="0"/>
-              <a:t>10/14/2021</a:t>
+              <a:t>10/20/2021</a:t>
             </a:fld>
             <a:endParaRPr lang="en-US" dirty="0"/>
           </a:p>
@@ -3698,7 +3697,7 @@
           <a:p>
             <a:fld id="{3CBBBB78-C96F-47B7-AB17-D852CA960AC9}" type="datetimeFigureOut">
               <a:rPr lang="en-US" dirty="0"/>
-              <a:t>10/14/2021</a:t>
+              <a:t>10/20/2021</a:t>
             </a:fld>
             <a:endParaRPr lang="en-US" dirty="0"/>
           </a:p>
@@ -4006,7 +4005,7 @@
           <a:p>
             <a:fld id="{1FA3F48C-C7C6-4055-9F49-3777875E72AE}" type="datetimeFigureOut">
               <a:rPr lang="en-US" dirty="0"/>
-              <a:t>10/14/2021</a:t>
+              <a:t>10/20/2021</a:t>
             </a:fld>
             <a:endParaRPr lang="en-US" dirty="0"/>
           </a:p>
@@ -4265,7 +4264,7 @@
           <a:p>
             <a:fld id="{6178E61D-D431-422C-9764-11DAFE33AB63}" type="datetimeFigureOut">
               <a:rPr lang="en-US" dirty="0"/>
-              <a:t>10/14/2021</a:t>
+              <a:t>10/20/2021</a:t>
             </a:fld>
             <a:endParaRPr lang="en-US" dirty="0"/>
           </a:p>
@@ -4584,7 +4583,7 @@
           <a:p>
             <a:fld id="{12DE42F4-6EEF-4EF7-8ED4-2208F0F89A08}" type="datetimeFigureOut">
               <a:rPr lang="en-US" dirty="0"/>
-              <a:t>10/14/2021</a:t>
+              <a:t>10/20/2021</a:t>
             </a:fld>
             <a:endParaRPr lang="en-US" dirty="0"/>
           </a:p>
@@ -4968,7 +4967,7 @@
           <a:p>
             <a:fld id="{30578ACC-22D6-47C1-A373-4FD133E34F3C}" type="datetimeFigureOut">
               <a:rPr lang="en-US" dirty="0"/>
-              <a:t>10/14/2021</a:t>
+              <a:t>10/20/2021</a:t>
             </a:fld>
             <a:endParaRPr lang="en-US" dirty="0"/>
           </a:p>
@@ -5339,7 +5338,7 @@
           <a:p>
             <a:fld id="{4E5A6C69-6797-4E8A-BF37-F2C3751466E9}" type="datetimeFigureOut">
               <a:rPr lang="en-US" dirty="0"/>
-              <a:t>10/14/2021</a:t>
+              <a:t>10/20/2021</a:t>
             </a:fld>
             <a:endParaRPr lang="en-US" dirty="0"/>
           </a:p>
@@ -5840,7 +5839,7 @@
           <a:p>
             <a:fld id="{D82014A1-A632-4878-A0D3-F52BA7563730}" type="datetimeFigureOut">
               <a:rPr lang="en-US" dirty="0"/>
-              <a:t>10/14/2021</a:t>
+              <a:t>10/20/2021</a:t>
             </a:fld>
             <a:endParaRPr lang="en-US" dirty="0"/>
           </a:p>
@@ -6092,7 +6091,7 @@
           <a:p>
             <a:fld id="{CE99F462-093F-4566-844B-4C71F2739DA5}" type="datetimeFigureOut">
               <a:rPr lang="en-US" dirty="0"/>
-              <a:t>10/14/2021</a:t>
+              <a:t>10/20/2021</a:t>
             </a:fld>
             <a:endParaRPr lang="en-US" dirty="0"/>
           </a:p>
@@ -6250,7 +6249,7 @@
           <a:p>
             <a:fld id="{3D24A7AC-904D-4781-85BA-7D10C17ED021}" type="datetimeFigureOut">
               <a:rPr lang="en-US" dirty="0"/>
-              <a:t>10/14/2021</a:t>
+              <a:t>10/20/2021</a:t>
             </a:fld>
             <a:endParaRPr lang="en-US" dirty="0"/>
           </a:p>
@@ -6635,7 +6634,7 @@
           <a:p>
             <a:fld id="{E331444B-B92B-4E27-8C94-BB93EAF5CB18}" type="datetimeFigureOut">
               <a:rPr lang="en-US" dirty="0"/>
-              <a:t>10/14/2021</a:t>
+              <a:t>10/20/2021</a:t>
             </a:fld>
             <a:endParaRPr lang="en-US" dirty="0"/>
           </a:p>
@@ -7039,7 +7038,7 @@
           <a:p>
             <a:fld id="{363EFA5E-FA76-400D-B3DC-F0BA90E6D107}" type="datetimeFigureOut">
               <a:rPr lang="en-US" dirty="0"/>
-              <a:t>10/14/2021</a:t>
+              <a:t>10/20/2021</a:t>
             </a:fld>
             <a:endParaRPr lang="en-US" dirty="0"/>
           </a:p>
@@ -7278,7 +7277,7 @@
           <a:p>
             <a:fld id="{9D6E9DEC-419B-4CC5-A080-3B06BD5A8291}" type="datetimeFigureOut">
               <a:rPr lang="en-US" dirty="0"/>
-              <a:t>10/14/2021</a:t>
+              <a:t>10/20/2021</a:t>
             </a:fld>
             <a:endParaRPr lang="en-US" dirty="0"/>
           </a:p>
@@ -7779,8 +7778,8 @@
               <a:buSzPts val="2000"/>
             </a:pPr>
             <a:r>
-              <a:rPr lang="es-AR" dirty="0"/>
-              <a:t>Edición 2018</a:t>
+              <a:rPr lang="es-AR"/>
+              <a:t>Edición 2021</a:t>
             </a:r>
             <a:endParaRPr lang="es-AR" dirty="0">
               <a:solidFill>
@@ -7891,7 +7890,7 @@
             <a:spLocks noGrp="1"/>
           </p:cNvSpPr>
           <p:nvPr>
-            <p:ph type="ctrTitle"/>
+            <p:ph type="title"/>
           </p:nvPr>
         </p:nvSpPr>
         <p:spPr/>
@@ -7910,10 +7909,271 @@
           </a:p>
         </p:txBody>
       </p:sp>
+      <p:sp>
+        <p:nvSpPr>
+          <p:cNvPr id="3" name="Marcador de contenido 2"/>
+          <p:cNvSpPr>
+            <a:spLocks noGrp="1"/>
+          </p:cNvSpPr>
+          <p:nvPr>
+            <p:ph idx="1"/>
+          </p:nvPr>
+        </p:nvSpPr>
+        <p:spPr>
+          <a:xfrm>
+            <a:off x="680321" y="2336873"/>
+            <a:ext cx="9613861" cy="4141200"/>
+          </a:xfrm>
+        </p:spPr>
+        <p:txBody>
+          <a:bodyPr/>
+          <a:lstStyle/>
+          <a:p>
+            <a:pPr>
+              <a:defRPr/>
+            </a:pPr>
+            <a:r>
+              <a:rPr lang="es-ES" dirty="0">
+                <a:effectLst>
+                  <a:outerShdw blurRad="38100" dist="38100" dir="2700000" algn="tl">
+                    <a:srgbClr val="000000">
+                      <a:alpha val="43137"/>
+                    </a:srgbClr>
+                  </a:outerShdw>
+                </a:effectLst>
+                <a:latin typeface="Franklin Gothic Medium" panose="020B0603020102020204" pitchFamily="34" charset="0"/>
+              </a:rPr>
+              <a:t>La </a:t>
+            </a:r>
+            <a:r>
+              <a:rPr lang="es-ES" dirty="0" err="1">
+                <a:effectLst>
+                  <a:outerShdw blurRad="38100" dist="38100" dir="2700000" algn="tl">
+                    <a:srgbClr val="000000">
+                      <a:alpha val="43137"/>
+                    </a:srgbClr>
+                  </a:outerShdw>
+                </a:effectLst>
+                <a:latin typeface="Franklin Gothic Medium" panose="020B0603020102020204" pitchFamily="34" charset="0"/>
+              </a:rPr>
+              <a:t>serialización</a:t>
+            </a:r>
+            <a:r>
+              <a:rPr lang="es-ES" dirty="0">
+                <a:effectLst>
+                  <a:outerShdw blurRad="38100" dist="38100" dir="2700000" algn="tl">
+                    <a:srgbClr val="000000">
+                      <a:alpha val="43137"/>
+                    </a:srgbClr>
+                  </a:outerShdw>
+                </a:effectLst>
+                <a:latin typeface="Franklin Gothic Medium" panose="020B0603020102020204" pitchFamily="34" charset="0"/>
+              </a:rPr>
+              <a:t> XML sólo serializa los atributos públicos y los valores de propiedad de un objeto en una secuencia XML.</a:t>
+            </a:r>
+          </a:p>
+          <a:p>
+            <a:pPr>
+              <a:defRPr/>
+            </a:pPr>
+            <a:endParaRPr lang="es-ES" sz="2000" dirty="0">
+              <a:effectLst>
+                <a:outerShdw blurRad="38100" dist="38100" dir="2700000" algn="tl">
+                  <a:srgbClr val="000000">
+                    <a:alpha val="43137"/>
+                  </a:srgbClr>
+                </a:outerShdw>
+              </a:effectLst>
+              <a:latin typeface="Franklin Gothic Medium" panose="020B0603020102020204" pitchFamily="34" charset="0"/>
+            </a:endParaRPr>
+          </a:p>
+          <a:p>
+            <a:pPr>
+              <a:defRPr/>
+            </a:pPr>
+            <a:r>
+              <a:rPr lang="es-ES" dirty="0">
+                <a:effectLst>
+                  <a:outerShdw blurRad="38100" dist="38100" dir="2700000" algn="tl">
+                    <a:srgbClr val="000000">
+                      <a:alpha val="43137"/>
+                    </a:srgbClr>
+                  </a:outerShdw>
+                </a:effectLst>
+                <a:latin typeface="Franklin Gothic Medium" panose="020B0603020102020204" pitchFamily="34" charset="0"/>
+              </a:rPr>
+              <a:t>La </a:t>
+            </a:r>
+            <a:r>
+              <a:rPr lang="es-ES" dirty="0" err="1">
+                <a:effectLst>
+                  <a:outerShdw blurRad="38100" dist="38100" dir="2700000" algn="tl">
+                    <a:srgbClr val="000000">
+                      <a:alpha val="43137"/>
+                    </a:srgbClr>
+                  </a:outerShdw>
+                </a:effectLst>
+                <a:latin typeface="Franklin Gothic Medium" panose="020B0603020102020204" pitchFamily="34" charset="0"/>
+              </a:rPr>
+              <a:t>serialización</a:t>
+            </a:r>
+            <a:r>
+              <a:rPr lang="es-ES" dirty="0">
+                <a:effectLst>
+                  <a:outerShdw blurRad="38100" dist="38100" dir="2700000" algn="tl">
+                    <a:srgbClr val="000000">
+                      <a:alpha val="43137"/>
+                    </a:srgbClr>
+                  </a:outerShdw>
+                </a:effectLst>
+                <a:latin typeface="Franklin Gothic Medium" panose="020B0603020102020204" pitchFamily="34" charset="0"/>
+              </a:rPr>
+              <a:t> XML no convierte los métodos, indexadores, atributos privados ni propiedades de sólo lectura (salvo colecciones de sólo lectura).</a:t>
+            </a:r>
+          </a:p>
+          <a:p>
+            <a:pPr>
+              <a:defRPr/>
+            </a:pPr>
+            <a:endParaRPr lang="es-ES" sz="2000" dirty="0">
+              <a:effectLst>
+                <a:outerShdw blurRad="38100" dist="38100" dir="2700000" algn="tl">
+                  <a:srgbClr val="000000">
+                    <a:alpha val="43137"/>
+                  </a:srgbClr>
+                </a:outerShdw>
+              </a:effectLst>
+              <a:latin typeface="Franklin Gothic Medium" panose="020B0603020102020204" pitchFamily="34" charset="0"/>
+            </a:endParaRPr>
+          </a:p>
+          <a:p>
+            <a:pPr>
+              <a:defRPr/>
+            </a:pPr>
+            <a:r>
+              <a:rPr lang="es-ES" dirty="0">
+                <a:effectLst>
+                  <a:outerShdw blurRad="38100" dist="38100" dir="2700000" algn="tl">
+                    <a:srgbClr val="000000">
+                      <a:alpha val="43137"/>
+                    </a:srgbClr>
+                  </a:outerShdw>
+                </a:effectLst>
+                <a:latin typeface="Franklin Gothic Medium" panose="020B0603020102020204" pitchFamily="34" charset="0"/>
+              </a:rPr>
+              <a:t>La clase central de la </a:t>
+            </a:r>
+            <a:r>
+              <a:rPr lang="es-ES" dirty="0" err="1">
+                <a:effectLst>
+                  <a:outerShdw blurRad="38100" dist="38100" dir="2700000" algn="tl">
+                    <a:srgbClr val="000000">
+                      <a:alpha val="43137"/>
+                    </a:srgbClr>
+                  </a:outerShdw>
+                </a:effectLst>
+                <a:latin typeface="Franklin Gothic Medium" panose="020B0603020102020204" pitchFamily="34" charset="0"/>
+              </a:rPr>
+              <a:t>serialización</a:t>
+            </a:r>
+            <a:r>
+              <a:rPr lang="es-ES" dirty="0">
+                <a:effectLst>
+                  <a:outerShdw blurRad="38100" dist="38100" dir="2700000" algn="tl">
+                    <a:srgbClr val="000000">
+                      <a:alpha val="43137"/>
+                    </a:srgbClr>
+                  </a:outerShdw>
+                </a:effectLst>
+                <a:latin typeface="Franklin Gothic Medium" panose="020B0603020102020204" pitchFamily="34" charset="0"/>
+              </a:rPr>
+              <a:t> XML es </a:t>
+            </a:r>
+            <a:r>
+              <a:rPr lang="es-ES" b="1" dirty="0" err="1">
+                <a:effectLst>
+                  <a:outerShdw blurRad="38100" dist="38100" dir="2700000" algn="tl">
+                    <a:srgbClr val="000000">
+                      <a:alpha val="43137"/>
+                    </a:srgbClr>
+                  </a:outerShdw>
+                </a:effectLst>
+                <a:latin typeface="Franklin Gothic Medium" panose="020B0603020102020204" pitchFamily="34" charset="0"/>
+              </a:rPr>
+              <a:t>XmlSerializer</a:t>
+            </a:r>
+            <a:r>
+              <a:rPr lang="es-ES" dirty="0">
+                <a:effectLst>
+                  <a:outerShdw blurRad="38100" dist="38100" dir="2700000" algn="tl">
+                    <a:srgbClr val="000000">
+                      <a:alpha val="43137"/>
+                    </a:srgbClr>
+                  </a:outerShdw>
+                </a:effectLst>
+                <a:latin typeface="Franklin Gothic Medium" panose="020B0603020102020204" pitchFamily="34" charset="0"/>
+              </a:rPr>
+              <a:t> y sus métodos más importantes son </a:t>
+            </a:r>
+            <a:r>
+              <a:rPr lang="es-ES" b="1" dirty="0" err="1">
+                <a:effectLst>
+                  <a:outerShdw blurRad="38100" dist="38100" dir="2700000" algn="tl">
+                    <a:srgbClr val="000000">
+                      <a:alpha val="43137"/>
+                    </a:srgbClr>
+                  </a:outerShdw>
+                </a:effectLst>
+                <a:latin typeface="Franklin Gothic Medium" panose="020B0603020102020204" pitchFamily="34" charset="0"/>
+              </a:rPr>
+              <a:t>Serialize</a:t>
+            </a:r>
+            <a:r>
+              <a:rPr lang="es-ES" dirty="0">
+                <a:effectLst>
+                  <a:outerShdw blurRad="38100" dist="38100" dir="2700000" algn="tl">
+                    <a:srgbClr val="000000">
+                      <a:alpha val="43137"/>
+                    </a:srgbClr>
+                  </a:outerShdw>
+                </a:effectLst>
+                <a:latin typeface="Franklin Gothic Medium" panose="020B0603020102020204" pitchFamily="34" charset="0"/>
+              </a:rPr>
+              <a:t> y </a:t>
+            </a:r>
+            <a:r>
+              <a:rPr lang="es-ES" b="1" dirty="0" err="1">
+                <a:effectLst>
+                  <a:outerShdw blurRad="38100" dist="38100" dir="2700000" algn="tl">
+                    <a:srgbClr val="000000">
+                      <a:alpha val="43137"/>
+                    </a:srgbClr>
+                  </a:outerShdw>
+                </a:effectLst>
+                <a:latin typeface="Franklin Gothic Medium" panose="020B0603020102020204" pitchFamily="34" charset="0"/>
+              </a:rPr>
+              <a:t>Deserialize</a:t>
+            </a:r>
+            <a:r>
+              <a:rPr lang="es-ES" dirty="0">
+                <a:effectLst>
+                  <a:outerShdw blurRad="38100" dist="38100" dir="2700000" algn="tl">
+                    <a:srgbClr val="000000">
+                      <a:alpha val="43137"/>
+                    </a:srgbClr>
+                  </a:outerShdw>
+                </a:effectLst>
+                <a:latin typeface="Franklin Gothic Medium" panose="020B0603020102020204" pitchFamily="34" charset="0"/>
+              </a:rPr>
+              <a:t>.</a:t>
+            </a:r>
+          </a:p>
+        </p:txBody>
+      </p:sp>
     </p:spTree>
     <p:extLst>
       <p:ext uri="{BB962C8B-B14F-4D97-AF65-F5344CB8AC3E}">
-        <p14:creationId xmlns:p14="http://schemas.microsoft.com/office/powerpoint/2010/main" val="2696860309"/>
+        <p14:creationId xmlns:p14="http://schemas.microsoft.com/office/powerpoint/2010/main" val="3502373235"/>
       </p:ext>
     </p:extLst>
   </p:cSld>
@@ -7990,50 +8250,50 @@
               <a:defRPr/>
             </a:pPr>
             <a:r>
-              <a:rPr lang="es-ES" dirty="0">
-                <a:effectLst>
-                  <a:outerShdw blurRad="38100" dist="38100" dir="2700000" algn="tl">
-                    <a:srgbClr val="000000">
-                      <a:alpha val="43137"/>
-                    </a:srgbClr>
-                  </a:outerShdw>
-                </a:effectLst>
-                <a:latin typeface="Franklin Gothic Medium" panose="020B0603020102020204" pitchFamily="34" charset="0"/>
-              </a:rPr>
-              <a:t>La </a:t>
-            </a:r>
-            <a:r>
-              <a:rPr lang="es-ES" dirty="0" err="1">
-                <a:effectLst>
-                  <a:outerShdw blurRad="38100" dist="38100" dir="2700000" algn="tl">
-                    <a:srgbClr val="000000">
-                      <a:alpha val="43137"/>
-                    </a:srgbClr>
-                  </a:outerShdw>
-                </a:effectLst>
-                <a:latin typeface="Franklin Gothic Medium" panose="020B0603020102020204" pitchFamily="34" charset="0"/>
-              </a:rPr>
-              <a:t>serialización</a:t>
-            </a:r>
-            <a:r>
-              <a:rPr lang="es-ES" dirty="0">
-                <a:effectLst>
-                  <a:outerShdw blurRad="38100" dist="38100" dir="2700000" algn="tl">
-                    <a:srgbClr val="000000">
-                      <a:alpha val="43137"/>
-                    </a:srgbClr>
-                  </a:outerShdw>
-                </a:effectLst>
-                <a:latin typeface="Franklin Gothic Medium" panose="020B0603020102020204" pitchFamily="34" charset="0"/>
-              </a:rPr>
-              <a:t> XML sólo serializa los atributos públicos y los valores de propiedad de un objeto en una secuencia XML.</a:t>
+              <a:rPr lang="es-AR" dirty="0">
+                <a:effectLst>
+                  <a:outerShdw blurRad="38100" dist="38100" dir="2700000" algn="tl">
+                    <a:srgbClr val="000000">
+                      <a:alpha val="43137"/>
+                    </a:srgbClr>
+                  </a:outerShdw>
+                </a:effectLst>
+                <a:latin typeface="Franklin Gothic Medium" panose="020B0603020102020204" pitchFamily="34" charset="0"/>
+              </a:rPr>
+              <a:t>La secuencia XML que genera </a:t>
+            </a:r>
+            <a:r>
+              <a:rPr lang="es-AR" dirty="0" err="1">
+                <a:effectLst>
+                  <a:outerShdw blurRad="38100" dist="38100" dir="2700000" algn="tl">
+                    <a:srgbClr val="000000">
+                      <a:alpha val="43137"/>
+                    </a:srgbClr>
+                  </a:outerShdw>
+                </a:effectLst>
+                <a:latin typeface="Franklin Gothic Medium" panose="020B0603020102020204" pitchFamily="34" charset="0"/>
+              </a:rPr>
+              <a:t>XmlSerializer</a:t>
+            </a:r>
+            <a:r>
+              <a:rPr lang="es-AR" dirty="0">
+                <a:effectLst>
+                  <a:outerShdw blurRad="38100" dist="38100" dir="2700000" algn="tl">
+                    <a:srgbClr val="000000">
+                      <a:alpha val="43137"/>
+                    </a:srgbClr>
+                  </a:outerShdw>
+                </a:effectLst>
+                <a:latin typeface="Franklin Gothic Medium" panose="020B0603020102020204" pitchFamily="34" charset="0"/>
+              </a:rPr>
+              <a:t> cumple con la recomendación 1.0 del W3C (www.w3.org) acerca del lenguaje de definición de esquemas XML (XSD). </a:t>
             </a:r>
           </a:p>
           <a:p>
             <a:pPr>
               <a:defRPr/>
             </a:pPr>
-            <a:endParaRPr lang="es-ES" sz="2000" dirty="0">
+            <a:endParaRPr lang="es-AR" dirty="0">
               <a:effectLst>
                 <a:outerShdw blurRad="38100" dist="38100" dir="2700000" algn="tl">
                   <a:srgbClr val="000000">
@@ -8049,50 +8309,102 @@
               <a:defRPr/>
             </a:pPr>
             <a:r>
-              <a:rPr lang="es-ES" dirty="0">
-                <a:effectLst>
-                  <a:outerShdw blurRad="38100" dist="38100" dir="2700000" algn="tl">
-                    <a:srgbClr val="000000">
-                      <a:alpha val="43137"/>
-                    </a:srgbClr>
-                  </a:outerShdw>
-                </a:effectLst>
-                <a:latin typeface="Franklin Gothic Medium" panose="020B0603020102020204" pitchFamily="34" charset="0"/>
-              </a:rPr>
-              <a:t>La </a:t>
-            </a:r>
-            <a:r>
-              <a:rPr lang="es-ES" dirty="0" err="1">
-                <a:effectLst>
-                  <a:outerShdw blurRad="38100" dist="38100" dir="2700000" algn="tl">
-                    <a:srgbClr val="000000">
-                      <a:alpha val="43137"/>
-                    </a:srgbClr>
-                  </a:outerShdw>
-                </a:effectLst>
-                <a:latin typeface="Franklin Gothic Medium" panose="020B0603020102020204" pitchFamily="34" charset="0"/>
-              </a:rPr>
-              <a:t>serialización</a:t>
-            </a:r>
-            <a:r>
-              <a:rPr lang="es-ES" dirty="0">
-                <a:effectLst>
-                  <a:outerShdw blurRad="38100" dist="38100" dir="2700000" algn="tl">
-                    <a:srgbClr val="000000">
-                      <a:alpha val="43137"/>
-                    </a:srgbClr>
-                  </a:outerShdw>
-                </a:effectLst>
-                <a:latin typeface="Franklin Gothic Medium" panose="020B0603020102020204" pitchFamily="34" charset="0"/>
-              </a:rPr>
-              <a:t> XML no convierte los métodos, indexadores, atributos privados ni propiedades de sólo lectura (salvo colecciones de sólo lectura).</a:t>
+              <a:rPr lang="es-AR" dirty="0">
+                <a:effectLst>
+                  <a:outerShdw blurRad="38100" dist="38100" dir="2700000" algn="tl">
+                    <a:srgbClr val="000000">
+                      <a:alpha val="43137"/>
+                    </a:srgbClr>
+                  </a:outerShdw>
+                </a:effectLst>
+                <a:latin typeface="Franklin Gothic Medium" panose="020B0603020102020204" pitchFamily="34" charset="0"/>
+              </a:rPr>
+              <a:t>Además, los tipos de datos generados cumplen las especificaciones enumeradas en el documento titulado "XML </a:t>
+            </a:r>
+            <a:r>
+              <a:rPr lang="es-AR" dirty="0" err="1">
+                <a:effectLst>
+                  <a:outerShdw blurRad="38100" dist="38100" dir="2700000" algn="tl">
+                    <a:srgbClr val="000000">
+                      <a:alpha val="43137"/>
+                    </a:srgbClr>
+                  </a:outerShdw>
+                </a:effectLst>
+                <a:latin typeface="Franklin Gothic Medium" panose="020B0603020102020204" pitchFamily="34" charset="0"/>
+              </a:rPr>
+              <a:t>Schema</a:t>
+            </a:r>
+            <a:r>
+              <a:rPr lang="es-AR" dirty="0">
+                <a:effectLst>
+                  <a:outerShdw blurRad="38100" dist="38100" dir="2700000" algn="tl">
+                    <a:srgbClr val="000000">
+                      <a:alpha val="43137"/>
+                    </a:srgbClr>
+                  </a:outerShdw>
+                </a:effectLst>
+                <a:latin typeface="Franklin Gothic Medium" panose="020B0603020102020204" pitchFamily="34" charset="0"/>
+              </a:rPr>
+              <a:t> </a:t>
+            </a:r>
+            <a:r>
+              <a:rPr lang="es-AR" dirty="0" err="1">
+                <a:effectLst>
+                  <a:outerShdw blurRad="38100" dist="38100" dir="2700000" algn="tl">
+                    <a:srgbClr val="000000">
+                      <a:alpha val="43137"/>
+                    </a:srgbClr>
+                  </a:outerShdw>
+                </a:effectLst>
+                <a:latin typeface="Franklin Gothic Medium" panose="020B0603020102020204" pitchFamily="34" charset="0"/>
+              </a:rPr>
+              <a:t>Part</a:t>
+            </a:r>
+            <a:r>
+              <a:rPr lang="es-AR" dirty="0">
+                <a:effectLst>
+                  <a:outerShdw blurRad="38100" dist="38100" dir="2700000" algn="tl">
+                    <a:srgbClr val="000000">
+                      <a:alpha val="43137"/>
+                    </a:srgbClr>
+                  </a:outerShdw>
+                </a:effectLst>
+                <a:latin typeface="Franklin Gothic Medium" panose="020B0603020102020204" pitchFamily="34" charset="0"/>
+              </a:rPr>
+              <a:t> 2: </a:t>
+            </a:r>
+            <a:r>
+              <a:rPr lang="es-AR" dirty="0" err="1">
+                <a:effectLst>
+                  <a:outerShdw blurRad="38100" dist="38100" dir="2700000" algn="tl">
+                    <a:srgbClr val="000000">
+                      <a:alpha val="43137"/>
+                    </a:srgbClr>
+                  </a:outerShdw>
+                </a:effectLst>
+                <a:latin typeface="Franklin Gothic Medium" panose="020B0603020102020204" pitchFamily="34" charset="0"/>
+              </a:rPr>
+              <a:t>Datatypes</a:t>
+            </a:r>
+            <a:r>
+              <a:rPr lang="es-AR" dirty="0">
+                <a:effectLst>
+                  <a:outerShdw blurRad="38100" dist="38100" dir="2700000" algn="tl">
+                    <a:srgbClr val="000000">
+                      <a:alpha val="43137"/>
+                    </a:srgbClr>
+                  </a:outerShdw>
+                </a:effectLst>
+                <a:latin typeface="Franklin Gothic Medium" panose="020B0603020102020204" pitchFamily="34" charset="0"/>
+              </a:rPr>
+              <a:t>". </a:t>
             </a:r>
           </a:p>
           <a:p>
             <a:pPr>
               <a:defRPr/>
             </a:pPr>
-            <a:endParaRPr lang="es-ES" sz="2000" dirty="0">
+            <a:endParaRPr lang="es-AR" dirty="0">
               <a:effectLst>
                 <a:outerShdw blurRad="38100" dist="38100" dir="2700000" algn="tl">
                   <a:srgbClr val="000000">
@@ -8108,46 +8420,20 @@
               <a:defRPr/>
             </a:pPr>
             <a:r>
-              <a:rPr lang="es-ES" dirty="0">
-                <a:effectLst>
-                  <a:outerShdw blurRad="38100" dist="38100" dir="2700000" algn="tl">
-                    <a:srgbClr val="000000">
-                      <a:alpha val="43137"/>
-                    </a:srgbClr>
-                  </a:outerShdw>
-                </a:effectLst>
-                <a:latin typeface="Franklin Gothic Medium" panose="020B0603020102020204" pitchFamily="34" charset="0"/>
-              </a:rPr>
-              <a:t>La clase central de la </a:t>
-            </a:r>
-            <a:r>
-              <a:rPr lang="es-ES" dirty="0" err="1">
-                <a:effectLst>
-                  <a:outerShdw blurRad="38100" dist="38100" dir="2700000" algn="tl">
-                    <a:srgbClr val="000000">
-                      <a:alpha val="43137"/>
-                    </a:srgbClr>
-                  </a:outerShdw>
-                </a:effectLst>
-                <a:latin typeface="Franklin Gothic Medium" panose="020B0603020102020204" pitchFamily="34" charset="0"/>
-              </a:rPr>
-              <a:t>serialización</a:t>
-            </a:r>
-            <a:r>
-              <a:rPr lang="es-ES" dirty="0">
-                <a:effectLst>
-                  <a:outerShdw blurRad="38100" dist="38100" dir="2700000" algn="tl">
-                    <a:srgbClr val="000000">
-                      <a:alpha val="43137"/>
-                    </a:srgbClr>
-                  </a:outerShdw>
-                </a:effectLst>
-                <a:latin typeface="Franklin Gothic Medium" panose="020B0603020102020204" pitchFamily="34" charset="0"/>
-              </a:rPr>
-              <a:t> XML es </a:t>
-            </a:r>
-            <a:r>
-              <a:rPr lang="es-ES" b="1" dirty="0" err="1">
+              <a:rPr lang="es-AR" dirty="0">
+                <a:effectLst>
+                  <a:outerShdw blurRad="38100" dist="38100" dir="2700000" algn="tl">
+                    <a:srgbClr val="000000">
+                      <a:alpha val="43137"/>
+                    </a:srgbClr>
+                  </a:outerShdw>
+                </a:effectLst>
+                <a:latin typeface="Franklin Gothic Medium" panose="020B0603020102020204" pitchFamily="34" charset="0"/>
+              </a:rPr>
+              <a:t>Al crear una aplicación que utiliza la clase </a:t>
+            </a:r>
+            <a:r>
+              <a:rPr lang="es-AR" dirty="0" err="1">
                 <a:effectLst>
                   <a:outerShdw blurRad="38100" dist="38100" dir="2700000" algn="tl">
                     <a:srgbClr val="000000">
@@ -8160,69 +8446,17 @@
               <a:t>XmlSerializer</a:t>
             </a:r>
             <a:r>
-              <a:rPr lang="es-ES" dirty="0">
-                <a:effectLst>
-                  <a:outerShdw blurRad="38100" dist="38100" dir="2700000" algn="tl">
-                    <a:srgbClr val="000000">
-                      <a:alpha val="43137"/>
-                    </a:srgbClr>
-                  </a:outerShdw>
-                </a:effectLst>
-                <a:latin typeface="Franklin Gothic Medium" panose="020B0603020102020204" pitchFamily="34" charset="0"/>
-              </a:rPr>
-              <a:t> y sus métodos más importantes son </a:t>
-            </a:r>
-            <a:r>
-              <a:rPr lang="es-ES" b="1" dirty="0" err="1">
-                <a:effectLst>
-                  <a:outerShdw blurRad="38100" dist="38100" dir="2700000" algn="tl">
-                    <a:srgbClr val="000000">
-                      <a:alpha val="43137"/>
-                    </a:srgbClr>
-                  </a:outerShdw>
-                </a:effectLst>
-                <a:latin typeface="Franklin Gothic Medium" panose="020B0603020102020204" pitchFamily="34" charset="0"/>
-              </a:rPr>
-              <a:t>Serialize</a:t>
-            </a:r>
-            <a:r>
-              <a:rPr lang="es-ES" dirty="0">
-                <a:effectLst>
-                  <a:outerShdw blurRad="38100" dist="38100" dir="2700000" algn="tl">
-                    <a:srgbClr val="000000">
-                      <a:alpha val="43137"/>
-                    </a:srgbClr>
-                  </a:outerShdw>
-                </a:effectLst>
-                <a:latin typeface="Franklin Gothic Medium" panose="020B0603020102020204" pitchFamily="34" charset="0"/>
-              </a:rPr>
-              <a:t> y </a:t>
-            </a:r>
-            <a:r>
-              <a:rPr lang="es-ES" b="1" dirty="0" err="1">
-                <a:effectLst>
-                  <a:outerShdw blurRad="38100" dist="38100" dir="2700000" algn="tl">
-                    <a:srgbClr val="000000">
-                      <a:alpha val="43137"/>
-                    </a:srgbClr>
-                  </a:outerShdw>
-                </a:effectLst>
-                <a:latin typeface="Franklin Gothic Medium" panose="020B0603020102020204" pitchFamily="34" charset="0"/>
-              </a:rPr>
-              <a:t>Deserialize</a:t>
-            </a:r>
-            <a:r>
-              <a:rPr lang="es-ES" dirty="0">
-                <a:effectLst>
-                  <a:outerShdw blurRad="38100" dist="38100" dir="2700000" algn="tl">
-                    <a:srgbClr val="000000">
-                      <a:alpha val="43137"/>
-                    </a:srgbClr>
-                  </a:outerShdw>
-                </a:effectLst>
-                <a:latin typeface="Franklin Gothic Medium" panose="020B0603020102020204" pitchFamily="34" charset="0"/>
-              </a:rPr>
-              <a:t>.</a:t>
+              <a:rPr lang="es-AR" dirty="0">
+                <a:effectLst>
+                  <a:outerShdw blurRad="38100" dist="38100" dir="2700000" algn="tl">
+                    <a:srgbClr val="000000">
+                      <a:alpha val="43137"/>
+                    </a:srgbClr>
+                  </a:outerShdw>
+                </a:effectLst>
+                <a:latin typeface="Franklin Gothic Medium" panose="020B0603020102020204" pitchFamily="34" charset="0"/>
+              </a:rPr>
+              <a:t>, debe tener en cuenta los siguientes elementos y sus implicaciones:</a:t>
             </a:r>
           </a:p>
         </p:txBody>
@@ -8230,7 +8464,7 @@
     </p:spTree>
     <p:extLst>
       <p:ext uri="{BB962C8B-B14F-4D97-AF65-F5344CB8AC3E}">
-        <p14:creationId xmlns:p14="http://schemas.microsoft.com/office/powerpoint/2010/main" val="3502373235"/>
+        <p14:creationId xmlns:p14="http://schemas.microsoft.com/office/powerpoint/2010/main" val="2170486426"/>
       </p:ext>
     </p:extLst>
   </p:cSld>
@@ -8300,7 +8534,9 @@
           </a:xfrm>
         </p:spPr>
         <p:txBody>
-          <a:bodyPr/>
+          <a:bodyPr>
+            <a:normAutofit lnSpcReduction="10000"/>
+          </a:bodyPr>
           <a:lstStyle/>
           <a:p>
             <a:pPr>
@@ -8317,7 +8553,7 @@
                 </a:effectLst>
                 <a:latin typeface="Franklin Gothic Medium" panose="020B0603020102020204" pitchFamily="34" charset="0"/>
               </a:rPr>
-              <a:t>La secuencia XML que genera </a:t>
+              <a:t>La clase </a:t>
             </a:r>
             <a:r>
               <a:rPr lang="es-AR" dirty="0" err="1">
@@ -8343,7 +8579,85 @@
                 </a:effectLst>
                 <a:latin typeface="Franklin Gothic Medium" panose="020B0603020102020204" pitchFamily="34" charset="0"/>
               </a:rPr>
-              <a:t> cumple con la recomendación 1.0 del W3C (www.w3.org) acerca del lenguaje de definición de esquemas XML (XSD). </a:t>
+              <a:t> crea archivos C# (.</a:t>
+            </a:r>
+            <a:r>
+              <a:rPr lang="es-AR" dirty="0" err="1">
+                <a:effectLst>
+                  <a:outerShdw blurRad="38100" dist="38100" dir="2700000" algn="tl">
+                    <a:srgbClr val="000000">
+                      <a:alpha val="43137"/>
+                    </a:srgbClr>
+                  </a:outerShdw>
+                </a:effectLst>
+                <a:latin typeface="Franklin Gothic Medium" panose="020B0603020102020204" pitchFamily="34" charset="0"/>
+              </a:rPr>
+              <a:t>cs</a:t>
+            </a:r>
+            <a:r>
+              <a:rPr lang="es-AR" dirty="0">
+                <a:effectLst>
+                  <a:outerShdw blurRad="38100" dist="38100" dir="2700000" algn="tl">
+                    <a:srgbClr val="000000">
+                      <a:alpha val="43137"/>
+                    </a:srgbClr>
+                  </a:outerShdw>
+                </a:effectLst>
+                <a:latin typeface="Franklin Gothic Medium" panose="020B0603020102020204" pitchFamily="34" charset="0"/>
+              </a:rPr>
+              <a:t>) y los compila en archivos .</a:t>
+            </a:r>
+            <a:r>
+              <a:rPr lang="es-AR" dirty="0" err="1">
+                <a:effectLst>
+                  <a:outerShdw blurRad="38100" dist="38100" dir="2700000" algn="tl">
+                    <a:srgbClr val="000000">
+                      <a:alpha val="43137"/>
+                    </a:srgbClr>
+                  </a:outerShdw>
+                </a:effectLst>
+                <a:latin typeface="Franklin Gothic Medium" panose="020B0603020102020204" pitchFamily="34" charset="0"/>
+              </a:rPr>
+              <a:t>dll</a:t>
+            </a:r>
+            <a:r>
+              <a:rPr lang="es-AR" dirty="0">
+                <a:effectLst>
+                  <a:outerShdw blurRad="38100" dist="38100" dir="2700000" algn="tl">
+                    <a:srgbClr val="000000">
+                      <a:alpha val="43137"/>
+                    </a:srgbClr>
+                  </a:outerShdw>
+                </a:effectLst>
+                <a:latin typeface="Franklin Gothic Medium" panose="020B0603020102020204" pitchFamily="34" charset="0"/>
+              </a:rPr>
+              <a:t> en el directorio especificado por la variable de entorno TEMP; la </a:t>
+            </a:r>
+            <a:r>
+              <a:rPr lang="es-AR" dirty="0" err="1">
+                <a:effectLst>
+                  <a:outerShdw blurRad="38100" dist="38100" dir="2700000" algn="tl">
+                    <a:srgbClr val="000000">
+                      <a:alpha val="43137"/>
+                    </a:srgbClr>
+                  </a:outerShdw>
+                </a:effectLst>
+                <a:latin typeface="Franklin Gothic Medium" panose="020B0603020102020204" pitchFamily="34" charset="0"/>
+              </a:rPr>
+              <a:t>serialización</a:t>
+            </a:r>
+            <a:r>
+              <a:rPr lang="es-AR" dirty="0">
+                <a:effectLst>
+                  <a:outerShdw blurRad="38100" dist="38100" dir="2700000" algn="tl">
+                    <a:srgbClr val="000000">
+                      <a:alpha val="43137"/>
+                    </a:srgbClr>
+                  </a:outerShdw>
+                </a:effectLst>
+                <a:latin typeface="Franklin Gothic Medium" panose="020B0603020102020204" pitchFamily="34" charset="0"/>
+              </a:rPr>
+              <a:t> se produce con esos archivos DLL. </a:t>
             </a:r>
           </a:p>
           <a:p>
@@ -8376,7 +8690,7 @@
                 </a:effectLst>
                 <a:latin typeface="Franklin Gothic Medium" panose="020B0603020102020204" pitchFamily="34" charset="0"/>
               </a:rPr>
-              <a:t>Además, los tipos de datos generados cumplen las especificaciones enumeradas en el documento titulado "XML </a:t>
+              <a:t>Una clase debe tener un constructor por defecto para que </a:t>
             </a:r>
             <a:r>
               <a:rPr lang="es-AR" dirty="0" err="1">
@@ -8389,7 +8703,7 @@
                 </a:effectLst>
                 <a:latin typeface="Franklin Gothic Medium" panose="020B0603020102020204" pitchFamily="34" charset="0"/>
               </a:rPr>
-              <a:t>Schema</a:t>
+              <a:t>XmlSerializer</a:t>
             </a:r>
             <a:r>
               <a:rPr lang="es-AR" dirty="0">
@@ -8402,59 +8716,7 @@
                 </a:effectLst>
                 <a:latin typeface="Franklin Gothic Medium" panose="020B0603020102020204" pitchFamily="34" charset="0"/>
               </a:rPr>
-              <a:t> </a:t>
-            </a:r>
-            <a:r>
-              <a:rPr lang="es-AR" dirty="0" err="1">
-                <a:effectLst>
-                  <a:outerShdw blurRad="38100" dist="38100" dir="2700000" algn="tl">
-                    <a:srgbClr val="000000">
-                      <a:alpha val="43137"/>
-                    </a:srgbClr>
-                  </a:outerShdw>
-                </a:effectLst>
-                <a:latin typeface="Franklin Gothic Medium" panose="020B0603020102020204" pitchFamily="34" charset="0"/>
-              </a:rPr>
-              <a:t>Part</a:t>
-            </a:r>
-            <a:r>
-              <a:rPr lang="es-AR" dirty="0">
-                <a:effectLst>
-                  <a:outerShdw blurRad="38100" dist="38100" dir="2700000" algn="tl">
-                    <a:srgbClr val="000000">
-                      <a:alpha val="43137"/>
-                    </a:srgbClr>
-                  </a:outerShdw>
-                </a:effectLst>
-                <a:latin typeface="Franklin Gothic Medium" panose="020B0603020102020204" pitchFamily="34" charset="0"/>
-              </a:rPr>
-              <a:t> 2: </a:t>
-            </a:r>
-            <a:r>
-              <a:rPr lang="es-AR" dirty="0" err="1">
-                <a:effectLst>
-                  <a:outerShdw blurRad="38100" dist="38100" dir="2700000" algn="tl">
-                    <a:srgbClr val="000000">
-                      <a:alpha val="43137"/>
-                    </a:srgbClr>
-                  </a:outerShdw>
-                </a:effectLst>
-                <a:latin typeface="Franklin Gothic Medium" panose="020B0603020102020204" pitchFamily="34" charset="0"/>
-              </a:rPr>
-              <a:t>Datatypes</a:t>
-            </a:r>
-            <a:r>
-              <a:rPr lang="es-AR" dirty="0">
-                <a:effectLst>
-                  <a:outerShdw blurRad="38100" dist="38100" dir="2700000" algn="tl">
-                    <a:srgbClr val="000000">
-                      <a:alpha val="43137"/>
-                    </a:srgbClr>
-                  </a:outerShdw>
-                </a:effectLst>
-                <a:latin typeface="Franklin Gothic Medium" panose="020B0603020102020204" pitchFamily="34" charset="0"/>
-              </a:rPr>
-              <a:t>". </a:t>
+              <a:t> pueda serializarla.</a:t>
             </a:r>
           </a:p>
           <a:p>
@@ -8487,21 +8749,28 @@
                 </a:effectLst>
                 <a:latin typeface="Franklin Gothic Medium" panose="020B0603020102020204" pitchFamily="34" charset="0"/>
               </a:rPr>
-              <a:t>Al crear una aplicación que utiliza la clase </a:t>
-            </a:r>
-            <a:r>
-              <a:rPr lang="es-AR" dirty="0" err="1">
-                <a:effectLst>
-                  <a:outerShdw blurRad="38100" dist="38100" dir="2700000" algn="tl">
-                    <a:srgbClr val="000000">
-                      <a:alpha val="43137"/>
-                    </a:srgbClr>
-                  </a:outerShdw>
-                </a:effectLst>
-                <a:latin typeface="Franklin Gothic Medium" panose="020B0603020102020204" pitchFamily="34" charset="0"/>
-              </a:rPr>
-              <a:t>XmlSerializer</a:t>
-            </a:r>
+              <a:t>Sólo se pueden serializar los atributos y propiedades públicas.</a:t>
+            </a:r>
+          </a:p>
+          <a:p>
+            <a:pPr>
+              <a:defRPr/>
+            </a:pPr>
+            <a:endParaRPr lang="es-AR" dirty="0">
+              <a:effectLst>
+                <a:outerShdw blurRad="38100" dist="38100" dir="2700000" algn="tl">
+                  <a:srgbClr val="000000">
+                    <a:alpha val="43137"/>
+                  </a:srgbClr>
+                </a:outerShdw>
+              </a:effectLst>
+              <a:latin typeface="Franklin Gothic Medium" panose="020B0603020102020204" pitchFamily="34" charset="0"/>
+            </a:endParaRPr>
+          </a:p>
+          <a:p>
+            <a:pPr>
+              <a:defRPr/>
+            </a:pPr>
             <a:r>
               <a:rPr lang="es-AR" dirty="0">
                 <a:effectLst>
@@ -8513,7 +8782,7 @@
                 </a:effectLst>
                 <a:latin typeface="Franklin Gothic Medium" panose="020B0603020102020204" pitchFamily="34" charset="0"/>
               </a:rPr>
-              <a:t>, debe tener en cuenta los siguientes elementos y sus implicaciones:</a:t>
+              <a:t>Los métodos no se pueden serializar.</a:t>
             </a:r>
           </a:p>
         </p:txBody>
@@ -8521,7 +8790,7 @@
     </p:spTree>
     <p:extLst>
       <p:ext uri="{BB962C8B-B14F-4D97-AF65-F5344CB8AC3E}">
-        <p14:creationId xmlns:p14="http://schemas.microsoft.com/office/powerpoint/2010/main" val="2170486426"/>
+        <p14:creationId xmlns:p14="http://schemas.microsoft.com/office/powerpoint/2010/main" val="1939867342"/>
       </p:ext>
     </p:extLst>
   </p:cSld>
@@ -8565,12 +8834,9 @@
           <a:p>
             <a:r>
               <a:rPr lang="es-AR" dirty="0" err="1"/>
-              <a:t>Serialización</a:t>
-            </a:r>
-            <a:r>
-              <a:rPr lang="es-AR" dirty="0"/>
-              <a:t> XML</a:t>
-            </a:r>
+              <a:t>XMLSerializer</a:t>
+            </a:r>
+            <a:endParaRPr lang="es-AR" dirty="0"/>
           </a:p>
         </p:txBody>
       </p:sp>
@@ -8600,6 +8866,19 @@
               <a:defRPr/>
             </a:pPr>
             <a:r>
+              <a:rPr lang="es-AR" dirty="0" err="1">
+                <a:effectLst>
+                  <a:outerShdw blurRad="38100" dist="38100" dir="2700000" algn="tl">
+                    <a:srgbClr val="000000">
+                      <a:alpha val="43137"/>
+                    </a:srgbClr>
+                  </a:outerShdw>
+                </a:effectLst>
+                <a:latin typeface="Franklin Gothic Medium" panose="020B0603020102020204" pitchFamily="34" charset="0"/>
+              </a:rPr>
+              <a:t>XmlSerializer</a:t>
+            </a:r>
+            <a:r>
               <a:rPr lang="es-AR" dirty="0">
                 <a:effectLst>
                   <a:outerShdw blurRad="38100" dist="38100" dir="2700000" algn="tl">
@@ -8610,7 +8889,7 @@
                 </a:effectLst>
                 <a:latin typeface="Franklin Gothic Medium" panose="020B0603020102020204" pitchFamily="34" charset="0"/>
               </a:rPr>
-              <a:t>La clase </a:t>
+              <a:t> (</a:t>
             </a:r>
             <a:r>
               <a:rPr lang="es-AR" dirty="0" err="1">
@@ -8623,6 +8902,76 @@
                 </a:effectLst>
                 <a:latin typeface="Franklin Gothic Medium" panose="020B0603020102020204" pitchFamily="34" charset="0"/>
               </a:rPr>
+              <a:t>System.Type</a:t>
+            </a:r>
+            <a:r>
+              <a:rPr lang="es-AR" dirty="0">
+                <a:effectLst>
+                  <a:outerShdw blurRad="38100" dist="38100" dir="2700000" algn="tl">
+                    <a:srgbClr val="000000">
+                      <a:alpha val="43137"/>
+                    </a:srgbClr>
+                  </a:outerShdw>
+                </a:effectLst>
+                <a:latin typeface="Franklin Gothic Medium" panose="020B0603020102020204" pitchFamily="34" charset="0"/>
+              </a:rPr>
+              <a:t> </a:t>
+            </a:r>
+            <a:r>
+              <a:rPr lang="es-AR" dirty="0" err="1">
+                <a:effectLst>
+                  <a:outerShdw blurRad="38100" dist="38100" dir="2700000" algn="tl">
+                    <a:srgbClr val="000000">
+                      <a:alpha val="43137"/>
+                    </a:srgbClr>
+                  </a:outerShdw>
+                </a:effectLst>
+                <a:latin typeface="Franklin Gothic Medium" panose="020B0603020102020204" pitchFamily="34" charset="0"/>
+              </a:rPr>
+              <a:t>type</a:t>
+            </a:r>
+            <a:r>
+              <a:rPr lang="es-AR" dirty="0">
+                <a:effectLst>
+                  <a:outerShdw blurRad="38100" dist="38100" dir="2700000" algn="tl">
+                    <a:srgbClr val="000000">
+                      <a:alpha val="43137"/>
+                    </a:srgbClr>
+                  </a:outerShdw>
+                </a:effectLst>
+                <a:latin typeface="Franklin Gothic Medium" panose="020B0603020102020204" pitchFamily="34" charset="0"/>
+              </a:rPr>
+              <a:t>)</a:t>
+            </a:r>
+          </a:p>
+          <a:p>
+            <a:pPr>
+              <a:defRPr/>
+            </a:pPr>
+            <a:r>
+              <a:rPr lang="es-AR" dirty="0">
+                <a:effectLst>
+                  <a:outerShdw blurRad="38100" dist="38100" dir="2700000" algn="tl">
+                    <a:srgbClr val="000000">
+                      <a:alpha val="43137"/>
+                    </a:srgbClr>
+                  </a:outerShdw>
+                </a:effectLst>
+                <a:latin typeface="Franklin Gothic Medium" panose="020B0603020102020204" pitchFamily="34" charset="0"/>
+              </a:rPr>
+              <a:t>Inicializa una nueva instancia de la clase </a:t>
+            </a:r>
+            <a:r>
+              <a:rPr lang="es-AR" dirty="0" err="1">
+                <a:effectLst>
+                  <a:outerShdw blurRad="38100" dist="38100" dir="2700000" algn="tl">
+                    <a:srgbClr val="000000">
+                      <a:alpha val="43137"/>
+                    </a:srgbClr>
+                  </a:outerShdw>
+                </a:effectLst>
+                <a:latin typeface="Franklin Gothic Medium" panose="020B0603020102020204" pitchFamily="34" charset="0"/>
+              </a:rPr>
               <a:t>XmlSerializer</a:t>
             </a:r>
             <a:r>
@@ -8636,7 +8985,7 @@
                 </a:effectLst>
                 <a:latin typeface="Franklin Gothic Medium" panose="020B0603020102020204" pitchFamily="34" charset="0"/>
               </a:rPr>
-              <a:t> crea archivos C# (.</a:t>
+              <a:t> la cual puede serializar objetos del tipo especificado en el parámetro </a:t>
             </a:r>
             <a:r>
               <a:rPr lang="es-AR" dirty="0" err="1">
@@ -8649,7 +8998,7 @@
                 </a:effectLst>
                 <a:latin typeface="Franklin Gothic Medium" panose="020B0603020102020204" pitchFamily="34" charset="0"/>
               </a:rPr>
-              <a:t>cs</a:t>
+              <a:t>type</a:t>
             </a:r>
             <a:r>
               <a:rPr lang="es-AR" dirty="0">
@@ -8662,59 +9011,7 @@
                 </a:effectLst>
                 <a:latin typeface="Franklin Gothic Medium" panose="020B0603020102020204" pitchFamily="34" charset="0"/>
               </a:rPr>
-              <a:t>) y los compila en archivos .</a:t>
-            </a:r>
-            <a:r>
-              <a:rPr lang="es-AR" dirty="0" err="1">
-                <a:effectLst>
-                  <a:outerShdw blurRad="38100" dist="38100" dir="2700000" algn="tl">
-                    <a:srgbClr val="000000">
-                      <a:alpha val="43137"/>
-                    </a:srgbClr>
-                  </a:outerShdw>
-                </a:effectLst>
-                <a:latin typeface="Franklin Gothic Medium" panose="020B0603020102020204" pitchFamily="34" charset="0"/>
-              </a:rPr>
-              <a:t>dll</a:t>
-            </a:r>
-            <a:r>
-              <a:rPr lang="es-AR" dirty="0">
-                <a:effectLst>
-                  <a:outerShdw blurRad="38100" dist="38100" dir="2700000" algn="tl">
-                    <a:srgbClr val="000000">
-                      <a:alpha val="43137"/>
-                    </a:srgbClr>
-                  </a:outerShdw>
-                </a:effectLst>
-                <a:latin typeface="Franklin Gothic Medium" panose="020B0603020102020204" pitchFamily="34" charset="0"/>
-              </a:rPr>
-              <a:t> en el directorio especificado por la variable de entorno TEMP; la </a:t>
-            </a:r>
-            <a:r>
-              <a:rPr lang="es-AR" dirty="0" err="1">
-                <a:effectLst>
-                  <a:outerShdw blurRad="38100" dist="38100" dir="2700000" algn="tl">
-                    <a:srgbClr val="000000">
-                      <a:alpha val="43137"/>
-                    </a:srgbClr>
-                  </a:outerShdw>
-                </a:effectLst>
-                <a:latin typeface="Franklin Gothic Medium" panose="020B0603020102020204" pitchFamily="34" charset="0"/>
-              </a:rPr>
-              <a:t>serialización</a:t>
-            </a:r>
-            <a:r>
-              <a:rPr lang="es-AR" dirty="0">
-                <a:effectLst>
-                  <a:outerShdw blurRad="38100" dist="38100" dir="2700000" algn="tl">
-                    <a:srgbClr val="000000">
-                      <a:alpha val="43137"/>
-                    </a:srgbClr>
-                  </a:outerShdw>
-                </a:effectLst>
-                <a:latin typeface="Franklin Gothic Medium" panose="020B0603020102020204" pitchFamily="34" charset="0"/>
-              </a:rPr>
-              <a:t> se produce con esos archivos DLL. </a:t>
+              <a:t>.</a:t>
             </a:r>
           </a:p>
           <a:p>
@@ -8737,6 +9034,19 @@
               <a:defRPr/>
             </a:pPr>
             <a:r>
+              <a:rPr lang="es-AR" dirty="0" err="1">
+                <a:effectLst>
+                  <a:outerShdw blurRad="38100" dist="38100" dir="2700000" algn="tl">
+                    <a:srgbClr val="000000">
+                      <a:alpha val="43137"/>
+                    </a:srgbClr>
+                  </a:outerShdw>
+                </a:effectLst>
+                <a:latin typeface="Franklin Gothic Medium" panose="020B0603020102020204" pitchFamily="34" charset="0"/>
+              </a:rPr>
+              <a:t>Serialize</a:t>
+            </a:r>
+            <a:r>
               <a:rPr lang="es-AR" dirty="0">
                 <a:effectLst>
                   <a:outerShdw blurRad="38100" dist="38100" dir="2700000" algn="tl">
@@ -8747,7 +9057,7 @@
                 </a:effectLst>
                 <a:latin typeface="Franklin Gothic Medium" panose="020B0603020102020204" pitchFamily="34" charset="0"/>
               </a:rPr>
-              <a:t>Una clase debe tener un constructor por defecto para que </a:t>
+              <a:t> (</a:t>
             </a:r>
             <a:r>
               <a:rPr lang="es-AR" dirty="0" err="1">
@@ -8760,7 +9070,7 @@
                 </a:effectLst>
                 <a:latin typeface="Franklin Gothic Medium" panose="020B0603020102020204" pitchFamily="34" charset="0"/>
               </a:rPr>
-              <a:t>XmlSerializer</a:t>
+              <a:t>System.IO.Stream</a:t>
             </a:r>
             <a:r>
               <a:rPr lang="es-AR" dirty="0">
@@ -8773,7 +9083,129 @@
                 </a:effectLst>
                 <a:latin typeface="Franklin Gothic Medium" panose="020B0603020102020204" pitchFamily="34" charset="0"/>
               </a:rPr>
-              <a:t> pueda serializarla.</a:t>
+              <a:t> </a:t>
+            </a:r>
+            <a:r>
+              <a:rPr lang="es-AR" dirty="0" err="1">
+                <a:effectLst>
+                  <a:outerShdw blurRad="38100" dist="38100" dir="2700000" algn="tl">
+                    <a:srgbClr val="000000">
+                      <a:alpha val="43137"/>
+                    </a:srgbClr>
+                  </a:outerShdw>
+                </a:effectLst>
+                <a:latin typeface="Franklin Gothic Medium" panose="020B0603020102020204" pitchFamily="34" charset="0"/>
+              </a:rPr>
+              <a:t>stream</a:t>
+            </a:r>
+            <a:r>
+              <a:rPr lang="es-AR" dirty="0">
+                <a:effectLst>
+                  <a:outerShdw blurRad="38100" dist="38100" dir="2700000" algn="tl">
+                    <a:srgbClr val="000000">
+                      <a:alpha val="43137"/>
+                    </a:srgbClr>
+                  </a:outerShdw>
+                </a:effectLst>
+                <a:latin typeface="Franklin Gothic Medium" panose="020B0603020102020204" pitchFamily="34" charset="0"/>
+              </a:rPr>
+              <a:t>, </a:t>
+            </a:r>
+            <a:r>
+              <a:rPr lang="es-AR" dirty="0" err="1">
+                <a:effectLst>
+                  <a:outerShdw blurRad="38100" dist="38100" dir="2700000" algn="tl">
+                    <a:srgbClr val="000000">
+                      <a:alpha val="43137"/>
+                    </a:srgbClr>
+                  </a:outerShdw>
+                </a:effectLst>
+                <a:latin typeface="Franklin Gothic Medium" panose="020B0603020102020204" pitchFamily="34" charset="0"/>
+              </a:rPr>
+              <a:t>Object</a:t>
+            </a:r>
+            <a:r>
+              <a:rPr lang="es-AR" dirty="0">
+                <a:effectLst>
+                  <a:outerShdw blurRad="38100" dist="38100" dir="2700000" algn="tl">
+                    <a:srgbClr val="000000">
+                      <a:alpha val="43137"/>
+                    </a:srgbClr>
+                  </a:outerShdw>
+                </a:effectLst>
+                <a:latin typeface="Franklin Gothic Medium" panose="020B0603020102020204" pitchFamily="34" charset="0"/>
+              </a:rPr>
+              <a:t> o)</a:t>
+            </a:r>
+          </a:p>
+          <a:p>
+            <a:pPr>
+              <a:defRPr/>
+            </a:pPr>
+            <a:r>
+              <a:rPr lang="es-AR" dirty="0">
+                <a:effectLst>
+                  <a:outerShdw blurRad="38100" dist="38100" dir="2700000" algn="tl">
+                    <a:srgbClr val="000000">
+                      <a:alpha val="43137"/>
+                    </a:srgbClr>
+                  </a:outerShdw>
+                </a:effectLst>
+                <a:latin typeface="Franklin Gothic Medium" panose="020B0603020102020204" pitchFamily="34" charset="0"/>
+              </a:rPr>
+              <a:t>Serializa el objeto especificado y escribe en un documento </a:t>
+            </a:r>
+            <a:r>
+              <a:rPr lang="es-AR" dirty="0" err="1">
+                <a:effectLst>
+                  <a:outerShdw blurRad="38100" dist="38100" dir="2700000" algn="tl">
+                    <a:srgbClr val="000000">
+                      <a:alpha val="43137"/>
+                    </a:srgbClr>
+                  </a:outerShdw>
+                </a:effectLst>
+                <a:latin typeface="Franklin Gothic Medium" panose="020B0603020102020204" pitchFamily="34" charset="0"/>
+              </a:rPr>
+              <a:t>Xml</a:t>
+            </a:r>
+            <a:r>
+              <a:rPr lang="es-AR" dirty="0">
+                <a:effectLst>
+                  <a:outerShdw blurRad="38100" dist="38100" dir="2700000" algn="tl">
+                    <a:srgbClr val="000000">
+                      <a:alpha val="43137"/>
+                    </a:srgbClr>
+                  </a:outerShdw>
+                </a:effectLst>
+                <a:latin typeface="Franklin Gothic Medium" panose="020B0603020102020204" pitchFamily="34" charset="0"/>
+              </a:rPr>
+              <a:t> usando el </a:t>
+            </a:r>
+            <a:r>
+              <a:rPr lang="es-AR" dirty="0" err="1">
+                <a:effectLst>
+                  <a:outerShdw blurRad="38100" dist="38100" dir="2700000" algn="tl">
+                    <a:srgbClr val="000000">
+                      <a:alpha val="43137"/>
+                    </a:srgbClr>
+                  </a:outerShdw>
+                </a:effectLst>
+                <a:latin typeface="Franklin Gothic Medium" panose="020B0603020102020204" pitchFamily="34" charset="0"/>
+              </a:rPr>
+              <a:t>Stream</a:t>
+            </a:r>
+            <a:r>
+              <a:rPr lang="es-AR" dirty="0">
+                <a:effectLst>
+                  <a:outerShdw blurRad="38100" dist="38100" dir="2700000" algn="tl">
+                    <a:srgbClr val="000000">
+                      <a:alpha val="43137"/>
+                    </a:srgbClr>
+                  </a:outerShdw>
+                </a:effectLst>
+                <a:latin typeface="Franklin Gothic Medium" panose="020B0603020102020204" pitchFamily="34" charset="0"/>
+              </a:rPr>
+              <a:t> especificado.</a:t>
             </a:r>
           </a:p>
           <a:p>
@@ -8796,6 +9228,19 @@
               <a:defRPr/>
             </a:pPr>
             <a:r>
+              <a:rPr lang="es-AR" dirty="0" err="1">
+                <a:effectLst>
+                  <a:outerShdw blurRad="38100" dist="38100" dir="2700000" algn="tl">
+                    <a:srgbClr val="000000">
+                      <a:alpha val="43137"/>
+                    </a:srgbClr>
+                  </a:outerShdw>
+                </a:effectLst>
+                <a:latin typeface="Franklin Gothic Medium" panose="020B0603020102020204" pitchFamily="34" charset="0"/>
+              </a:rPr>
+              <a:t>Deserialize</a:t>
+            </a:r>
+            <a:r>
               <a:rPr lang="es-AR" dirty="0">
                 <a:effectLst>
                   <a:outerShdw blurRad="38100" dist="38100" dir="2700000" algn="tl">
@@ -8806,28 +9251,78 @@
                 </a:effectLst>
                 <a:latin typeface="Franklin Gothic Medium" panose="020B0603020102020204" pitchFamily="34" charset="0"/>
               </a:rPr>
-              <a:t>Sólo se pueden serializar los atributos y propiedades públicas.</a:t>
+              <a:t> (</a:t>
+            </a:r>
+            <a:r>
+              <a:rPr lang="es-AR" dirty="0" err="1">
+                <a:effectLst>
+                  <a:outerShdw blurRad="38100" dist="38100" dir="2700000" algn="tl">
+                    <a:srgbClr val="000000">
+                      <a:alpha val="43137"/>
+                    </a:srgbClr>
+                  </a:outerShdw>
+                </a:effectLst>
+                <a:latin typeface="Franklin Gothic Medium" panose="020B0603020102020204" pitchFamily="34" charset="0"/>
+              </a:rPr>
+              <a:t>System.IO.Stream</a:t>
+            </a:r>
+            <a:r>
+              <a:rPr lang="es-AR" dirty="0">
+                <a:effectLst>
+                  <a:outerShdw blurRad="38100" dist="38100" dir="2700000" algn="tl">
+                    <a:srgbClr val="000000">
+                      <a:alpha val="43137"/>
+                    </a:srgbClr>
+                  </a:outerShdw>
+                </a:effectLst>
+                <a:latin typeface="Franklin Gothic Medium" panose="020B0603020102020204" pitchFamily="34" charset="0"/>
+              </a:rPr>
+              <a:t> </a:t>
+            </a:r>
+            <a:r>
+              <a:rPr lang="es-AR" dirty="0" err="1">
+                <a:effectLst>
+                  <a:outerShdw blurRad="38100" dist="38100" dir="2700000" algn="tl">
+                    <a:srgbClr val="000000">
+                      <a:alpha val="43137"/>
+                    </a:srgbClr>
+                  </a:outerShdw>
+                </a:effectLst>
+                <a:latin typeface="Franklin Gothic Medium" panose="020B0603020102020204" pitchFamily="34" charset="0"/>
+              </a:rPr>
+              <a:t>stream</a:t>
+            </a:r>
+            <a:r>
+              <a:rPr lang="es-AR" dirty="0">
+                <a:effectLst>
+                  <a:outerShdw blurRad="38100" dist="38100" dir="2700000" algn="tl">
+                    <a:srgbClr val="000000">
+                      <a:alpha val="43137"/>
+                    </a:srgbClr>
+                  </a:outerShdw>
+                </a:effectLst>
+                <a:latin typeface="Franklin Gothic Medium" panose="020B0603020102020204" pitchFamily="34" charset="0"/>
+              </a:rPr>
+              <a:t>)</a:t>
             </a:r>
           </a:p>
           <a:p>
             <a:pPr>
               <a:defRPr/>
             </a:pPr>
-            <a:endParaRPr lang="es-AR" dirty="0">
-              <a:effectLst>
-                <a:outerShdw blurRad="38100" dist="38100" dir="2700000" algn="tl">
-                  <a:srgbClr val="000000">
-                    <a:alpha val="43137"/>
-                  </a:srgbClr>
-                </a:outerShdw>
-              </a:effectLst>
-              <a:latin typeface="Franklin Gothic Medium" panose="020B0603020102020204" pitchFamily="34" charset="0"/>
-            </a:endParaRPr>
-          </a:p>
-          <a:p>
-            <a:pPr>
-              <a:defRPr/>
-            </a:pPr>
+            <a:r>
+              <a:rPr lang="es-AR" dirty="0" err="1">
+                <a:effectLst>
+                  <a:outerShdw blurRad="38100" dist="38100" dir="2700000" algn="tl">
+                    <a:srgbClr val="000000">
+                      <a:alpha val="43137"/>
+                    </a:srgbClr>
+                  </a:outerShdw>
+                </a:effectLst>
+                <a:latin typeface="Franklin Gothic Medium" panose="020B0603020102020204" pitchFamily="34" charset="0"/>
+              </a:rPr>
+              <a:t>Deserializa</a:t>
+            </a:r>
             <a:r>
               <a:rPr lang="es-AR" dirty="0">
                 <a:effectLst>
@@ -8839,7 +9334,59 @@
                 </a:effectLst>
                 <a:latin typeface="Franklin Gothic Medium" panose="020B0603020102020204" pitchFamily="34" charset="0"/>
               </a:rPr>
-              <a:t>Los métodos no se pueden serializar.</a:t>
+              <a:t> el documento </a:t>
+            </a:r>
+            <a:r>
+              <a:rPr lang="es-AR" dirty="0" err="1">
+                <a:effectLst>
+                  <a:outerShdw blurRad="38100" dist="38100" dir="2700000" algn="tl">
+                    <a:srgbClr val="000000">
+                      <a:alpha val="43137"/>
+                    </a:srgbClr>
+                  </a:outerShdw>
+                </a:effectLst>
+                <a:latin typeface="Franklin Gothic Medium" panose="020B0603020102020204" pitchFamily="34" charset="0"/>
+              </a:rPr>
+              <a:t>Xml</a:t>
+            </a:r>
+            <a:r>
+              <a:rPr lang="es-AR" dirty="0">
+                <a:effectLst>
+                  <a:outerShdw blurRad="38100" dist="38100" dir="2700000" algn="tl">
+                    <a:srgbClr val="000000">
+                      <a:alpha val="43137"/>
+                    </a:srgbClr>
+                  </a:outerShdw>
+                </a:effectLst>
+                <a:latin typeface="Franklin Gothic Medium" panose="020B0603020102020204" pitchFamily="34" charset="0"/>
+              </a:rPr>
+              <a:t> contenido por el </a:t>
+            </a:r>
+            <a:r>
+              <a:rPr lang="es-AR" dirty="0" err="1">
+                <a:effectLst>
+                  <a:outerShdw blurRad="38100" dist="38100" dir="2700000" algn="tl">
+                    <a:srgbClr val="000000">
+                      <a:alpha val="43137"/>
+                    </a:srgbClr>
+                  </a:outerShdw>
+                </a:effectLst>
+                <a:latin typeface="Franklin Gothic Medium" panose="020B0603020102020204" pitchFamily="34" charset="0"/>
+              </a:rPr>
+              <a:t>Stream</a:t>
+            </a:r>
+            <a:r>
+              <a:rPr lang="es-AR" dirty="0">
+                <a:effectLst>
+                  <a:outerShdw blurRad="38100" dist="38100" dir="2700000" algn="tl">
+                    <a:srgbClr val="000000">
+                      <a:alpha val="43137"/>
+                    </a:srgbClr>
+                  </a:outerShdw>
+                </a:effectLst>
+                <a:latin typeface="Franklin Gothic Medium" panose="020B0603020102020204" pitchFamily="34" charset="0"/>
+              </a:rPr>
+              <a:t> especificado.</a:t>
             </a:r>
           </a:p>
         </p:txBody>
@@ -8847,7 +9394,7 @@
     </p:spTree>
     <p:extLst>
       <p:ext uri="{BB962C8B-B14F-4D97-AF65-F5344CB8AC3E}">
-        <p14:creationId xmlns:p14="http://schemas.microsoft.com/office/powerpoint/2010/main" val="1939867342"/>
+        <p14:creationId xmlns:p14="http://schemas.microsoft.com/office/powerpoint/2010/main" val="2064055622"/>
       </p:ext>
     </p:extLst>
   </p:cSld>
@@ -8890,610 +9437,6 @@
           <a:lstStyle/>
           <a:p>
             <a:r>
-              <a:rPr lang="es-AR" dirty="0" err="1"/>
-              <a:t>XMLSerializer</a:t>
-            </a:r>
-            <a:endParaRPr lang="es-AR" dirty="0"/>
-          </a:p>
-        </p:txBody>
-      </p:sp>
-      <p:sp>
-        <p:nvSpPr>
-          <p:cNvPr id="3" name="Marcador de contenido 2"/>
-          <p:cNvSpPr>
-            <a:spLocks noGrp="1"/>
-          </p:cNvSpPr>
-          <p:nvPr>
-            <p:ph idx="1"/>
-          </p:nvPr>
-        </p:nvSpPr>
-        <p:spPr>
-          <a:xfrm>
-            <a:off x="680321" y="2336873"/>
-            <a:ext cx="9613861" cy="4141200"/>
-          </a:xfrm>
-        </p:spPr>
-        <p:txBody>
-          <a:bodyPr>
-            <a:normAutofit lnSpcReduction="10000"/>
-          </a:bodyPr>
-          <a:lstStyle/>
-          <a:p>
-            <a:pPr>
-              <a:defRPr/>
-            </a:pPr>
-            <a:r>
-              <a:rPr lang="es-AR" dirty="0" err="1">
-                <a:effectLst>
-                  <a:outerShdw blurRad="38100" dist="38100" dir="2700000" algn="tl">
-                    <a:srgbClr val="000000">
-                      <a:alpha val="43137"/>
-                    </a:srgbClr>
-                  </a:outerShdw>
-                </a:effectLst>
-                <a:latin typeface="Franklin Gothic Medium" panose="020B0603020102020204" pitchFamily="34" charset="0"/>
-              </a:rPr>
-              <a:t>XmlSerializer</a:t>
-            </a:r>
-            <a:r>
-              <a:rPr lang="es-AR" dirty="0">
-                <a:effectLst>
-                  <a:outerShdw blurRad="38100" dist="38100" dir="2700000" algn="tl">
-                    <a:srgbClr val="000000">
-                      <a:alpha val="43137"/>
-                    </a:srgbClr>
-                  </a:outerShdw>
-                </a:effectLst>
-                <a:latin typeface="Franklin Gothic Medium" panose="020B0603020102020204" pitchFamily="34" charset="0"/>
-              </a:rPr>
-              <a:t> (</a:t>
-            </a:r>
-            <a:r>
-              <a:rPr lang="es-AR" dirty="0" err="1">
-                <a:effectLst>
-                  <a:outerShdw blurRad="38100" dist="38100" dir="2700000" algn="tl">
-                    <a:srgbClr val="000000">
-                      <a:alpha val="43137"/>
-                    </a:srgbClr>
-                  </a:outerShdw>
-                </a:effectLst>
-                <a:latin typeface="Franklin Gothic Medium" panose="020B0603020102020204" pitchFamily="34" charset="0"/>
-              </a:rPr>
-              <a:t>System.Type</a:t>
-            </a:r>
-            <a:r>
-              <a:rPr lang="es-AR" dirty="0">
-                <a:effectLst>
-                  <a:outerShdw blurRad="38100" dist="38100" dir="2700000" algn="tl">
-                    <a:srgbClr val="000000">
-                      <a:alpha val="43137"/>
-                    </a:srgbClr>
-                  </a:outerShdw>
-                </a:effectLst>
-                <a:latin typeface="Franklin Gothic Medium" panose="020B0603020102020204" pitchFamily="34" charset="0"/>
-              </a:rPr>
-              <a:t> </a:t>
-            </a:r>
-            <a:r>
-              <a:rPr lang="es-AR" dirty="0" err="1">
-                <a:effectLst>
-                  <a:outerShdw blurRad="38100" dist="38100" dir="2700000" algn="tl">
-                    <a:srgbClr val="000000">
-                      <a:alpha val="43137"/>
-                    </a:srgbClr>
-                  </a:outerShdw>
-                </a:effectLst>
-                <a:latin typeface="Franklin Gothic Medium" panose="020B0603020102020204" pitchFamily="34" charset="0"/>
-              </a:rPr>
-              <a:t>type</a:t>
-            </a:r>
-            <a:r>
-              <a:rPr lang="es-AR" dirty="0">
-                <a:effectLst>
-                  <a:outerShdw blurRad="38100" dist="38100" dir="2700000" algn="tl">
-                    <a:srgbClr val="000000">
-                      <a:alpha val="43137"/>
-                    </a:srgbClr>
-                  </a:outerShdw>
-                </a:effectLst>
-                <a:latin typeface="Franklin Gothic Medium" panose="020B0603020102020204" pitchFamily="34" charset="0"/>
-              </a:rPr>
-              <a:t>)</a:t>
-            </a:r>
-          </a:p>
-          <a:p>
-            <a:pPr>
-              <a:defRPr/>
-            </a:pPr>
-            <a:r>
-              <a:rPr lang="es-AR" dirty="0">
-                <a:effectLst>
-                  <a:outerShdw blurRad="38100" dist="38100" dir="2700000" algn="tl">
-                    <a:srgbClr val="000000">
-                      <a:alpha val="43137"/>
-                    </a:srgbClr>
-                  </a:outerShdw>
-                </a:effectLst>
-                <a:latin typeface="Franklin Gothic Medium" panose="020B0603020102020204" pitchFamily="34" charset="0"/>
-              </a:rPr>
-              <a:t>Inicializa una nueva instancia de la clase </a:t>
-            </a:r>
-            <a:r>
-              <a:rPr lang="es-AR" dirty="0" err="1">
-                <a:effectLst>
-                  <a:outerShdw blurRad="38100" dist="38100" dir="2700000" algn="tl">
-                    <a:srgbClr val="000000">
-                      <a:alpha val="43137"/>
-                    </a:srgbClr>
-                  </a:outerShdw>
-                </a:effectLst>
-                <a:latin typeface="Franklin Gothic Medium" panose="020B0603020102020204" pitchFamily="34" charset="0"/>
-              </a:rPr>
-              <a:t>XmlSerializer</a:t>
-            </a:r>
-            <a:r>
-              <a:rPr lang="es-AR" dirty="0">
-                <a:effectLst>
-                  <a:outerShdw blurRad="38100" dist="38100" dir="2700000" algn="tl">
-                    <a:srgbClr val="000000">
-                      <a:alpha val="43137"/>
-                    </a:srgbClr>
-                  </a:outerShdw>
-                </a:effectLst>
-                <a:latin typeface="Franklin Gothic Medium" panose="020B0603020102020204" pitchFamily="34" charset="0"/>
-              </a:rPr>
-              <a:t> la cual puede serializar objetos del tipo especificado en el parámetro </a:t>
-            </a:r>
-            <a:r>
-              <a:rPr lang="es-AR" dirty="0" err="1">
-                <a:effectLst>
-                  <a:outerShdw blurRad="38100" dist="38100" dir="2700000" algn="tl">
-                    <a:srgbClr val="000000">
-                      <a:alpha val="43137"/>
-                    </a:srgbClr>
-                  </a:outerShdw>
-                </a:effectLst>
-                <a:latin typeface="Franklin Gothic Medium" panose="020B0603020102020204" pitchFamily="34" charset="0"/>
-              </a:rPr>
-              <a:t>type</a:t>
-            </a:r>
-            <a:r>
-              <a:rPr lang="es-AR" dirty="0">
-                <a:effectLst>
-                  <a:outerShdw blurRad="38100" dist="38100" dir="2700000" algn="tl">
-                    <a:srgbClr val="000000">
-                      <a:alpha val="43137"/>
-                    </a:srgbClr>
-                  </a:outerShdw>
-                </a:effectLst>
-                <a:latin typeface="Franklin Gothic Medium" panose="020B0603020102020204" pitchFamily="34" charset="0"/>
-              </a:rPr>
-              <a:t>.</a:t>
-            </a:r>
-          </a:p>
-          <a:p>
-            <a:pPr>
-              <a:defRPr/>
-            </a:pPr>
-            <a:endParaRPr lang="es-AR" dirty="0">
-              <a:effectLst>
-                <a:outerShdw blurRad="38100" dist="38100" dir="2700000" algn="tl">
-                  <a:srgbClr val="000000">
-                    <a:alpha val="43137"/>
-                  </a:srgbClr>
-                </a:outerShdw>
-              </a:effectLst>
-              <a:latin typeface="Franklin Gothic Medium" panose="020B0603020102020204" pitchFamily="34" charset="0"/>
-            </a:endParaRPr>
-          </a:p>
-          <a:p>
-            <a:pPr>
-              <a:defRPr/>
-            </a:pPr>
-            <a:r>
-              <a:rPr lang="es-AR" dirty="0" err="1">
-                <a:effectLst>
-                  <a:outerShdw blurRad="38100" dist="38100" dir="2700000" algn="tl">
-                    <a:srgbClr val="000000">
-                      <a:alpha val="43137"/>
-                    </a:srgbClr>
-                  </a:outerShdw>
-                </a:effectLst>
-                <a:latin typeface="Franklin Gothic Medium" panose="020B0603020102020204" pitchFamily="34" charset="0"/>
-              </a:rPr>
-              <a:t>Serialize</a:t>
-            </a:r>
-            <a:r>
-              <a:rPr lang="es-AR" dirty="0">
-                <a:effectLst>
-                  <a:outerShdw blurRad="38100" dist="38100" dir="2700000" algn="tl">
-                    <a:srgbClr val="000000">
-                      <a:alpha val="43137"/>
-                    </a:srgbClr>
-                  </a:outerShdw>
-                </a:effectLst>
-                <a:latin typeface="Franklin Gothic Medium" panose="020B0603020102020204" pitchFamily="34" charset="0"/>
-              </a:rPr>
-              <a:t> (</a:t>
-            </a:r>
-            <a:r>
-              <a:rPr lang="es-AR" dirty="0" err="1">
-                <a:effectLst>
-                  <a:outerShdw blurRad="38100" dist="38100" dir="2700000" algn="tl">
-                    <a:srgbClr val="000000">
-                      <a:alpha val="43137"/>
-                    </a:srgbClr>
-                  </a:outerShdw>
-                </a:effectLst>
-                <a:latin typeface="Franklin Gothic Medium" panose="020B0603020102020204" pitchFamily="34" charset="0"/>
-              </a:rPr>
-              <a:t>System.IO.Stream</a:t>
-            </a:r>
-            <a:r>
-              <a:rPr lang="es-AR" dirty="0">
-                <a:effectLst>
-                  <a:outerShdw blurRad="38100" dist="38100" dir="2700000" algn="tl">
-                    <a:srgbClr val="000000">
-                      <a:alpha val="43137"/>
-                    </a:srgbClr>
-                  </a:outerShdw>
-                </a:effectLst>
-                <a:latin typeface="Franklin Gothic Medium" panose="020B0603020102020204" pitchFamily="34" charset="0"/>
-              </a:rPr>
-              <a:t> </a:t>
-            </a:r>
-            <a:r>
-              <a:rPr lang="es-AR" dirty="0" err="1">
-                <a:effectLst>
-                  <a:outerShdw blurRad="38100" dist="38100" dir="2700000" algn="tl">
-                    <a:srgbClr val="000000">
-                      <a:alpha val="43137"/>
-                    </a:srgbClr>
-                  </a:outerShdw>
-                </a:effectLst>
-                <a:latin typeface="Franklin Gothic Medium" panose="020B0603020102020204" pitchFamily="34" charset="0"/>
-              </a:rPr>
-              <a:t>stream</a:t>
-            </a:r>
-            <a:r>
-              <a:rPr lang="es-AR" dirty="0">
-                <a:effectLst>
-                  <a:outerShdw blurRad="38100" dist="38100" dir="2700000" algn="tl">
-                    <a:srgbClr val="000000">
-                      <a:alpha val="43137"/>
-                    </a:srgbClr>
-                  </a:outerShdw>
-                </a:effectLst>
-                <a:latin typeface="Franklin Gothic Medium" panose="020B0603020102020204" pitchFamily="34" charset="0"/>
-              </a:rPr>
-              <a:t>, </a:t>
-            </a:r>
-            <a:r>
-              <a:rPr lang="es-AR" dirty="0" err="1">
-                <a:effectLst>
-                  <a:outerShdw blurRad="38100" dist="38100" dir="2700000" algn="tl">
-                    <a:srgbClr val="000000">
-                      <a:alpha val="43137"/>
-                    </a:srgbClr>
-                  </a:outerShdw>
-                </a:effectLst>
-                <a:latin typeface="Franklin Gothic Medium" panose="020B0603020102020204" pitchFamily="34" charset="0"/>
-              </a:rPr>
-              <a:t>Object</a:t>
-            </a:r>
-            <a:r>
-              <a:rPr lang="es-AR" dirty="0">
-                <a:effectLst>
-                  <a:outerShdw blurRad="38100" dist="38100" dir="2700000" algn="tl">
-                    <a:srgbClr val="000000">
-                      <a:alpha val="43137"/>
-                    </a:srgbClr>
-                  </a:outerShdw>
-                </a:effectLst>
-                <a:latin typeface="Franklin Gothic Medium" panose="020B0603020102020204" pitchFamily="34" charset="0"/>
-              </a:rPr>
-              <a:t> o)</a:t>
-            </a:r>
-          </a:p>
-          <a:p>
-            <a:pPr>
-              <a:defRPr/>
-            </a:pPr>
-            <a:r>
-              <a:rPr lang="es-AR" dirty="0">
-                <a:effectLst>
-                  <a:outerShdw blurRad="38100" dist="38100" dir="2700000" algn="tl">
-                    <a:srgbClr val="000000">
-                      <a:alpha val="43137"/>
-                    </a:srgbClr>
-                  </a:outerShdw>
-                </a:effectLst>
-                <a:latin typeface="Franklin Gothic Medium" panose="020B0603020102020204" pitchFamily="34" charset="0"/>
-              </a:rPr>
-              <a:t>Serializa el objeto especificado y escribe en un documento </a:t>
-            </a:r>
-            <a:r>
-              <a:rPr lang="es-AR" dirty="0" err="1">
-                <a:effectLst>
-                  <a:outerShdw blurRad="38100" dist="38100" dir="2700000" algn="tl">
-                    <a:srgbClr val="000000">
-                      <a:alpha val="43137"/>
-                    </a:srgbClr>
-                  </a:outerShdw>
-                </a:effectLst>
-                <a:latin typeface="Franklin Gothic Medium" panose="020B0603020102020204" pitchFamily="34" charset="0"/>
-              </a:rPr>
-              <a:t>Xml</a:t>
-            </a:r>
-            <a:r>
-              <a:rPr lang="es-AR" dirty="0">
-                <a:effectLst>
-                  <a:outerShdw blurRad="38100" dist="38100" dir="2700000" algn="tl">
-                    <a:srgbClr val="000000">
-                      <a:alpha val="43137"/>
-                    </a:srgbClr>
-                  </a:outerShdw>
-                </a:effectLst>
-                <a:latin typeface="Franklin Gothic Medium" panose="020B0603020102020204" pitchFamily="34" charset="0"/>
-              </a:rPr>
-              <a:t> usando el </a:t>
-            </a:r>
-            <a:r>
-              <a:rPr lang="es-AR" dirty="0" err="1">
-                <a:effectLst>
-                  <a:outerShdw blurRad="38100" dist="38100" dir="2700000" algn="tl">
-                    <a:srgbClr val="000000">
-                      <a:alpha val="43137"/>
-                    </a:srgbClr>
-                  </a:outerShdw>
-                </a:effectLst>
-                <a:latin typeface="Franklin Gothic Medium" panose="020B0603020102020204" pitchFamily="34" charset="0"/>
-              </a:rPr>
-              <a:t>Stream</a:t>
-            </a:r>
-            <a:r>
-              <a:rPr lang="es-AR" dirty="0">
-                <a:effectLst>
-                  <a:outerShdw blurRad="38100" dist="38100" dir="2700000" algn="tl">
-                    <a:srgbClr val="000000">
-                      <a:alpha val="43137"/>
-                    </a:srgbClr>
-                  </a:outerShdw>
-                </a:effectLst>
-                <a:latin typeface="Franklin Gothic Medium" panose="020B0603020102020204" pitchFamily="34" charset="0"/>
-              </a:rPr>
-              <a:t> especificado.</a:t>
-            </a:r>
-          </a:p>
-          <a:p>
-            <a:pPr>
-              <a:defRPr/>
-            </a:pPr>
-            <a:endParaRPr lang="es-AR" dirty="0">
-              <a:effectLst>
-                <a:outerShdw blurRad="38100" dist="38100" dir="2700000" algn="tl">
-                  <a:srgbClr val="000000">
-                    <a:alpha val="43137"/>
-                  </a:srgbClr>
-                </a:outerShdw>
-              </a:effectLst>
-              <a:latin typeface="Franklin Gothic Medium" panose="020B0603020102020204" pitchFamily="34" charset="0"/>
-            </a:endParaRPr>
-          </a:p>
-          <a:p>
-            <a:pPr>
-              <a:defRPr/>
-            </a:pPr>
-            <a:r>
-              <a:rPr lang="es-AR" dirty="0" err="1">
-                <a:effectLst>
-                  <a:outerShdw blurRad="38100" dist="38100" dir="2700000" algn="tl">
-                    <a:srgbClr val="000000">
-                      <a:alpha val="43137"/>
-                    </a:srgbClr>
-                  </a:outerShdw>
-                </a:effectLst>
-                <a:latin typeface="Franklin Gothic Medium" panose="020B0603020102020204" pitchFamily="34" charset="0"/>
-              </a:rPr>
-              <a:t>Deserialize</a:t>
-            </a:r>
-            <a:r>
-              <a:rPr lang="es-AR" dirty="0">
-                <a:effectLst>
-                  <a:outerShdw blurRad="38100" dist="38100" dir="2700000" algn="tl">
-                    <a:srgbClr val="000000">
-                      <a:alpha val="43137"/>
-                    </a:srgbClr>
-                  </a:outerShdw>
-                </a:effectLst>
-                <a:latin typeface="Franklin Gothic Medium" panose="020B0603020102020204" pitchFamily="34" charset="0"/>
-              </a:rPr>
-              <a:t> (</a:t>
-            </a:r>
-            <a:r>
-              <a:rPr lang="es-AR" dirty="0" err="1">
-                <a:effectLst>
-                  <a:outerShdw blurRad="38100" dist="38100" dir="2700000" algn="tl">
-                    <a:srgbClr val="000000">
-                      <a:alpha val="43137"/>
-                    </a:srgbClr>
-                  </a:outerShdw>
-                </a:effectLst>
-                <a:latin typeface="Franklin Gothic Medium" panose="020B0603020102020204" pitchFamily="34" charset="0"/>
-              </a:rPr>
-              <a:t>System.IO.Stream</a:t>
-            </a:r>
-            <a:r>
-              <a:rPr lang="es-AR" dirty="0">
-                <a:effectLst>
-                  <a:outerShdw blurRad="38100" dist="38100" dir="2700000" algn="tl">
-                    <a:srgbClr val="000000">
-                      <a:alpha val="43137"/>
-                    </a:srgbClr>
-                  </a:outerShdw>
-                </a:effectLst>
-                <a:latin typeface="Franklin Gothic Medium" panose="020B0603020102020204" pitchFamily="34" charset="0"/>
-              </a:rPr>
-              <a:t> </a:t>
-            </a:r>
-            <a:r>
-              <a:rPr lang="es-AR" dirty="0" err="1">
-                <a:effectLst>
-                  <a:outerShdw blurRad="38100" dist="38100" dir="2700000" algn="tl">
-                    <a:srgbClr val="000000">
-                      <a:alpha val="43137"/>
-                    </a:srgbClr>
-                  </a:outerShdw>
-                </a:effectLst>
-                <a:latin typeface="Franklin Gothic Medium" panose="020B0603020102020204" pitchFamily="34" charset="0"/>
-              </a:rPr>
-              <a:t>stream</a:t>
-            </a:r>
-            <a:r>
-              <a:rPr lang="es-AR" dirty="0">
-                <a:effectLst>
-                  <a:outerShdw blurRad="38100" dist="38100" dir="2700000" algn="tl">
-                    <a:srgbClr val="000000">
-                      <a:alpha val="43137"/>
-                    </a:srgbClr>
-                  </a:outerShdw>
-                </a:effectLst>
-                <a:latin typeface="Franklin Gothic Medium" panose="020B0603020102020204" pitchFamily="34" charset="0"/>
-              </a:rPr>
-              <a:t>)</a:t>
-            </a:r>
-          </a:p>
-          <a:p>
-            <a:pPr>
-              <a:defRPr/>
-            </a:pPr>
-            <a:r>
-              <a:rPr lang="es-AR" dirty="0" err="1">
-                <a:effectLst>
-                  <a:outerShdw blurRad="38100" dist="38100" dir="2700000" algn="tl">
-                    <a:srgbClr val="000000">
-                      <a:alpha val="43137"/>
-                    </a:srgbClr>
-                  </a:outerShdw>
-                </a:effectLst>
-                <a:latin typeface="Franklin Gothic Medium" panose="020B0603020102020204" pitchFamily="34" charset="0"/>
-              </a:rPr>
-              <a:t>Deserializa</a:t>
-            </a:r>
-            <a:r>
-              <a:rPr lang="es-AR" dirty="0">
-                <a:effectLst>
-                  <a:outerShdw blurRad="38100" dist="38100" dir="2700000" algn="tl">
-                    <a:srgbClr val="000000">
-                      <a:alpha val="43137"/>
-                    </a:srgbClr>
-                  </a:outerShdw>
-                </a:effectLst>
-                <a:latin typeface="Franklin Gothic Medium" panose="020B0603020102020204" pitchFamily="34" charset="0"/>
-              </a:rPr>
-              <a:t> el documento </a:t>
-            </a:r>
-            <a:r>
-              <a:rPr lang="es-AR" dirty="0" err="1">
-                <a:effectLst>
-                  <a:outerShdw blurRad="38100" dist="38100" dir="2700000" algn="tl">
-                    <a:srgbClr val="000000">
-                      <a:alpha val="43137"/>
-                    </a:srgbClr>
-                  </a:outerShdw>
-                </a:effectLst>
-                <a:latin typeface="Franklin Gothic Medium" panose="020B0603020102020204" pitchFamily="34" charset="0"/>
-              </a:rPr>
-              <a:t>Xml</a:t>
-            </a:r>
-            <a:r>
-              <a:rPr lang="es-AR" dirty="0">
-                <a:effectLst>
-                  <a:outerShdw blurRad="38100" dist="38100" dir="2700000" algn="tl">
-                    <a:srgbClr val="000000">
-                      <a:alpha val="43137"/>
-                    </a:srgbClr>
-                  </a:outerShdw>
-                </a:effectLst>
-                <a:latin typeface="Franklin Gothic Medium" panose="020B0603020102020204" pitchFamily="34" charset="0"/>
-              </a:rPr>
-              <a:t> contenido por el </a:t>
-            </a:r>
-            <a:r>
-              <a:rPr lang="es-AR" dirty="0" err="1">
-                <a:effectLst>
-                  <a:outerShdw blurRad="38100" dist="38100" dir="2700000" algn="tl">
-                    <a:srgbClr val="000000">
-                      <a:alpha val="43137"/>
-                    </a:srgbClr>
-                  </a:outerShdw>
-                </a:effectLst>
-                <a:latin typeface="Franklin Gothic Medium" panose="020B0603020102020204" pitchFamily="34" charset="0"/>
-              </a:rPr>
-              <a:t>Stream</a:t>
-            </a:r>
-            <a:r>
-              <a:rPr lang="es-AR" dirty="0">
-                <a:effectLst>
-                  <a:outerShdw blurRad="38100" dist="38100" dir="2700000" algn="tl">
-                    <a:srgbClr val="000000">
-                      <a:alpha val="43137"/>
-                    </a:srgbClr>
-                  </a:outerShdw>
-                </a:effectLst>
-                <a:latin typeface="Franklin Gothic Medium" panose="020B0603020102020204" pitchFamily="34" charset="0"/>
-              </a:rPr>
-              <a:t> especificado.</a:t>
-            </a:r>
-          </a:p>
-        </p:txBody>
-      </p:sp>
-    </p:spTree>
-    <p:extLst>
-      <p:ext uri="{BB962C8B-B14F-4D97-AF65-F5344CB8AC3E}">
-        <p14:creationId xmlns:p14="http://schemas.microsoft.com/office/powerpoint/2010/main" val="2064055622"/>
-      </p:ext>
-    </p:extLst>
-  </p:cSld>
-  <p:clrMapOvr>
-    <a:masterClrMapping/>
-  </p:clrMapOvr>
-</p:sld>
-</file>
-
-<file path=ppt/slides/slide15.xml><?xml version="1.0" encoding="utf-8"?>
-<p:sld xmlns:a="http://schemas.openxmlformats.org/drawingml/2006/main" xmlns:r="http://schemas.openxmlformats.org/officeDocument/2006/relationships" xmlns:p="http://schemas.openxmlformats.org/presentationml/2006/main" show="0">
-  <p:cSld>
-    <p:spTree>
-      <p:nvGrpSpPr>
-        <p:cNvPr id="1" name=""/>
-        <p:cNvGrpSpPr/>
-        <p:nvPr/>
-      </p:nvGrpSpPr>
-      <p:grpSpPr>
-        <a:xfrm>
-          <a:off x="0" y="0"/>
-          <a:ext cx="0" cy="0"/>
-          <a:chOff x="0" y="0"/>
-          <a:chExt cx="0" cy="0"/>
-        </a:xfrm>
-      </p:grpSpPr>
-      <p:sp>
-        <p:nvSpPr>
-          <p:cNvPr id="2" name="Título 1"/>
-          <p:cNvSpPr>
-            <a:spLocks noGrp="1"/>
-          </p:cNvSpPr>
-          <p:nvPr>
-            <p:ph type="title"/>
-          </p:nvPr>
-        </p:nvSpPr>
-        <p:spPr/>
-        <p:txBody>
-          <a:bodyPr/>
-          <a:lstStyle/>
-          <a:p>
-            <a:r>
               <a:rPr lang="es-ES" dirty="0" err="1"/>
               <a:t>XmlTextWriter</a:t>
             </a:r>
@@ -9870,7 +9813,7 @@
 </p:sld>
 </file>
 
-<file path=ppt/slides/slide16.xml><?xml version="1.0" encoding="utf-8"?>
+<file path=ppt/slides/slide15.xml><?xml version="1.0" encoding="utf-8"?>
 <p:sld xmlns:a="http://schemas.openxmlformats.org/drawingml/2006/main" xmlns:r="http://schemas.openxmlformats.org/officeDocument/2006/relationships" xmlns:p="http://schemas.openxmlformats.org/presentationml/2006/main" show="0">
   <p:cSld>
     <p:spTree>
@@ -10809,7 +10752,7 @@
 </p:sld>
 </file>
 
-<file path=ppt/slides/slide17.xml><?xml version="1.0" encoding="utf-8"?>
+<file path=ppt/slides/slide16.xml><?xml version="1.0" encoding="utf-8"?>
 <p:sld xmlns:a="http://schemas.openxmlformats.org/drawingml/2006/main" xmlns:r="http://schemas.openxmlformats.org/officeDocument/2006/relationships" xmlns:p="http://schemas.openxmlformats.org/presentationml/2006/main" show="0">
   <p:cSld>
     <p:spTree>
@@ -11122,7 +11065,7 @@
 </p:sld>
 </file>
 
-<file path=ppt/slides/slide18.xml><?xml version="1.0" encoding="utf-8"?>
+<file path=ppt/slides/slide17.xml><?xml version="1.0" encoding="utf-8"?>
 <p:sld xmlns:a="http://schemas.openxmlformats.org/drawingml/2006/main" xmlns:r="http://schemas.openxmlformats.org/officeDocument/2006/relationships" xmlns:p="http://schemas.openxmlformats.org/presentationml/2006/main" show="0">
   <p:cSld>
     <p:spTree>
@@ -12160,7 +12103,7 @@
 </p:sld>
 </file>
 
-<file path=ppt/slides/slide19.xml><?xml version="1.0" encoding="utf-8"?>
+<file path=ppt/slides/slide18.xml><?xml version="1.0" encoding="utf-8"?>
 <p:sld xmlns:a="http://schemas.openxmlformats.org/drawingml/2006/main" xmlns:r="http://schemas.openxmlformats.org/officeDocument/2006/relationships" xmlns:p="http://schemas.openxmlformats.org/presentationml/2006/main" show="0">
   <p:cSld>
     <p:spTree>
@@ -12374,6 +12317,62 @@
     <p:extLst>
       <p:ext uri="{BB962C8B-B14F-4D97-AF65-F5344CB8AC3E}">
         <p14:creationId xmlns:p14="http://schemas.microsoft.com/office/powerpoint/2010/main" val="622471168"/>
+      </p:ext>
+    </p:extLst>
+  </p:cSld>
+  <p:clrMapOvr>
+    <a:masterClrMapping/>
+  </p:clrMapOvr>
+</p:sld>
+</file>
+
+<file path=ppt/slides/slide19.xml><?xml version="1.0" encoding="utf-8"?>
+<p:sld xmlns:a="http://schemas.openxmlformats.org/drawingml/2006/main" xmlns:r="http://schemas.openxmlformats.org/officeDocument/2006/relationships" xmlns:p="http://schemas.openxmlformats.org/presentationml/2006/main">
+  <p:cSld>
+    <p:spTree>
+      <p:nvGrpSpPr>
+        <p:cNvPr id="1" name=""/>
+        <p:cNvGrpSpPr/>
+        <p:nvPr/>
+      </p:nvGrpSpPr>
+      <p:grpSpPr>
+        <a:xfrm>
+          <a:off x="0" y="0"/>
+          <a:ext cx="0" cy="0"/>
+          <a:chOff x="0" y="0"/>
+          <a:chExt cx="0" cy="0"/>
+        </a:xfrm>
+      </p:grpSpPr>
+      <p:sp>
+        <p:nvSpPr>
+          <p:cNvPr id="2" name="Título 1"/>
+          <p:cNvSpPr>
+            <a:spLocks noGrp="1"/>
+          </p:cNvSpPr>
+          <p:nvPr>
+            <p:ph type="ctrTitle"/>
+          </p:nvPr>
+        </p:nvSpPr>
+        <p:spPr/>
+        <p:txBody>
+          <a:bodyPr/>
+          <a:lstStyle/>
+          <a:p>
+            <a:r>
+              <a:rPr lang="es-AR" dirty="0" err="1"/>
+              <a:t>Serialización</a:t>
+            </a:r>
+            <a:r>
+              <a:rPr lang="es-AR" dirty="0"/>
+              <a:t> Binaria</a:t>
+            </a:r>
+          </a:p>
+        </p:txBody>
+      </p:sp>
+    </p:spTree>
+    <p:extLst>
+      <p:ext uri="{BB962C8B-B14F-4D97-AF65-F5344CB8AC3E}">
+        <p14:creationId xmlns:p14="http://schemas.microsoft.com/office/powerpoint/2010/main" val="2672552078"/>
       </p:ext>
     </p:extLst>
   </p:cSld>
@@ -12585,62 +12584,6 @@
 </file>
 
 <file path=ppt/slides/slide20.xml><?xml version="1.0" encoding="utf-8"?>
-<p:sld xmlns:a="http://schemas.openxmlformats.org/drawingml/2006/main" xmlns:r="http://schemas.openxmlformats.org/officeDocument/2006/relationships" xmlns:p="http://schemas.openxmlformats.org/presentationml/2006/main">
-  <p:cSld>
-    <p:spTree>
-      <p:nvGrpSpPr>
-        <p:cNvPr id="1" name=""/>
-        <p:cNvGrpSpPr/>
-        <p:nvPr/>
-      </p:nvGrpSpPr>
-      <p:grpSpPr>
-        <a:xfrm>
-          <a:off x="0" y="0"/>
-          <a:ext cx="0" cy="0"/>
-          <a:chOff x="0" y="0"/>
-          <a:chExt cx="0" cy="0"/>
-        </a:xfrm>
-      </p:grpSpPr>
-      <p:sp>
-        <p:nvSpPr>
-          <p:cNvPr id="2" name="Título 1"/>
-          <p:cNvSpPr>
-            <a:spLocks noGrp="1"/>
-          </p:cNvSpPr>
-          <p:nvPr>
-            <p:ph type="ctrTitle"/>
-          </p:nvPr>
-        </p:nvSpPr>
-        <p:spPr/>
-        <p:txBody>
-          <a:bodyPr/>
-          <a:lstStyle/>
-          <a:p>
-            <a:r>
-              <a:rPr lang="es-AR" dirty="0" err="1"/>
-              <a:t>Serialización</a:t>
-            </a:r>
-            <a:r>
-              <a:rPr lang="es-AR" dirty="0"/>
-              <a:t> Binaria</a:t>
-            </a:r>
-          </a:p>
-        </p:txBody>
-      </p:sp>
-    </p:spTree>
-    <p:extLst>
-      <p:ext uri="{BB962C8B-B14F-4D97-AF65-F5344CB8AC3E}">
-        <p14:creationId xmlns:p14="http://schemas.microsoft.com/office/powerpoint/2010/main" val="2672552078"/>
-      </p:ext>
-    </p:extLst>
-  </p:cSld>
-  <p:clrMapOvr>
-    <a:masterClrMapping/>
-  </p:clrMapOvr>
-</p:sld>
-</file>
-
-<file path=ppt/slides/slide21.xml><?xml version="1.0" encoding="utf-8"?>
 <p:sld xmlns:a="http://schemas.openxmlformats.org/drawingml/2006/main" xmlns:r="http://schemas.openxmlformats.org/officeDocument/2006/relationships" xmlns:p="http://schemas.openxmlformats.org/presentationml/2006/main">
   <p:cSld>
     <p:spTree>
@@ -13179,6 +13122,329 @@
 </p:sld>
 </file>
 
+<file path=ppt/slides/slide21.xml><?xml version="1.0" encoding="utf-8"?>
+<p:sld xmlns:a="http://schemas.openxmlformats.org/drawingml/2006/main" xmlns:r="http://schemas.openxmlformats.org/officeDocument/2006/relationships" xmlns:p="http://schemas.openxmlformats.org/presentationml/2006/main">
+  <p:cSld>
+    <p:spTree>
+      <p:nvGrpSpPr>
+        <p:cNvPr id="1" name=""/>
+        <p:cNvGrpSpPr/>
+        <p:nvPr/>
+      </p:nvGrpSpPr>
+      <p:grpSpPr>
+        <a:xfrm>
+          <a:off x="0" y="0"/>
+          <a:ext cx="0" cy="0"/>
+          <a:chOff x="0" y="0"/>
+          <a:chExt cx="0" cy="0"/>
+        </a:xfrm>
+      </p:grpSpPr>
+      <p:sp>
+        <p:nvSpPr>
+          <p:cNvPr id="2" name="Título 1"/>
+          <p:cNvSpPr>
+            <a:spLocks noGrp="1"/>
+          </p:cNvSpPr>
+          <p:nvPr>
+            <p:ph type="title"/>
+          </p:nvPr>
+        </p:nvSpPr>
+        <p:spPr/>
+        <p:txBody>
+          <a:bodyPr/>
+          <a:lstStyle/>
+          <a:p>
+            <a:r>
+              <a:rPr lang="es-ES" dirty="0" err="1"/>
+              <a:t>BinaryFormatter</a:t>
+            </a:r>
+            <a:endParaRPr lang="es-AR" dirty="0"/>
+          </a:p>
+        </p:txBody>
+      </p:sp>
+      <p:sp>
+        <p:nvSpPr>
+          <p:cNvPr id="3" name="Marcador de contenido 2"/>
+          <p:cNvSpPr>
+            <a:spLocks noGrp="1"/>
+          </p:cNvSpPr>
+          <p:nvPr>
+            <p:ph idx="1"/>
+          </p:nvPr>
+        </p:nvSpPr>
+        <p:spPr>
+          <a:xfrm>
+            <a:off x="680321" y="2336873"/>
+            <a:ext cx="9613861" cy="4141200"/>
+          </a:xfrm>
+        </p:spPr>
+        <p:txBody>
+          <a:bodyPr>
+            <a:normAutofit/>
+          </a:bodyPr>
+          <a:lstStyle/>
+          <a:p>
+            <a:pPr>
+              <a:defRPr/>
+            </a:pPr>
+            <a:r>
+              <a:rPr lang="es-AR" dirty="0">
+                <a:effectLst>
+                  <a:outerShdw blurRad="38100" dist="38100" dir="2700000" algn="tl">
+                    <a:srgbClr val="000000">
+                      <a:alpha val="43137"/>
+                    </a:srgbClr>
+                  </a:outerShdw>
+                </a:effectLst>
+                <a:latin typeface="Franklin Gothic Medium" panose="020B0603020102020204" pitchFamily="34" charset="0"/>
+              </a:rPr>
+              <a:t>Serializa y </a:t>
+            </a:r>
+            <a:r>
+              <a:rPr lang="es-AR" dirty="0" err="1">
+                <a:effectLst>
+                  <a:outerShdw blurRad="38100" dist="38100" dir="2700000" algn="tl">
+                    <a:srgbClr val="000000">
+                      <a:alpha val="43137"/>
+                    </a:srgbClr>
+                  </a:outerShdw>
+                </a:effectLst>
+                <a:latin typeface="Franklin Gothic Medium" panose="020B0603020102020204" pitchFamily="34" charset="0"/>
+              </a:rPr>
+              <a:t>Deserializa</a:t>
+            </a:r>
+            <a:r>
+              <a:rPr lang="es-AR" dirty="0">
+                <a:effectLst>
+                  <a:outerShdw blurRad="38100" dist="38100" dir="2700000" algn="tl">
+                    <a:srgbClr val="000000">
+                      <a:alpha val="43137"/>
+                    </a:srgbClr>
+                  </a:outerShdw>
+                </a:effectLst>
+                <a:latin typeface="Franklin Gothic Medium" panose="020B0603020102020204" pitchFamily="34" charset="0"/>
+              </a:rPr>
+              <a:t> objetos en formato binario.</a:t>
+            </a:r>
+          </a:p>
+          <a:p>
+            <a:pPr>
+              <a:defRPr/>
+            </a:pPr>
+            <a:r>
+              <a:rPr lang="es-AR" dirty="0">
+                <a:effectLst>
+                  <a:outerShdw blurRad="38100" dist="38100" dir="2700000" algn="tl">
+                    <a:srgbClr val="000000">
+                      <a:alpha val="43137"/>
+                    </a:srgbClr>
+                  </a:outerShdw>
+                </a:effectLst>
+                <a:latin typeface="Franklin Gothic Medium" panose="020B0603020102020204" pitchFamily="34" charset="0"/>
+              </a:rPr>
+              <a:t>Se encuentra en el espacio de nombres </a:t>
+            </a:r>
+            <a:r>
+              <a:rPr lang="es-AR" dirty="0" err="1">
+                <a:effectLst>
+                  <a:outerShdw blurRad="38100" dist="38100" dir="2700000" algn="tl">
+                    <a:srgbClr val="000000">
+                      <a:alpha val="43137"/>
+                    </a:srgbClr>
+                  </a:outerShdw>
+                </a:effectLst>
+                <a:latin typeface="Franklin Gothic Medium" panose="020B0603020102020204" pitchFamily="34" charset="0"/>
+              </a:rPr>
+              <a:t>System.Runtime.Serialization.Formatters.Binary</a:t>
+            </a:r>
+            <a:endParaRPr lang="es-AR" dirty="0">
+              <a:effectLst>
+                <a:outerShdw blurRad="38100" dist="38100" dir="2700000" algn="tl">
+                  <a:srgbClr val="000000">
+                    <a:alpha val="43137"/>
+                  </a:srgbClr>
+                </a:outerShdw>
+              </a:effectLst>
+              <a:latin typeface="Franklin Gothic Medium" panose="020B0603020102020204" pitchFamily="34" charset="0"/>
+            </a:endParaRPr>
+          </a:p>
+          <a:p>
+            <a:pPr>
+              <a:defRPr/>
+            </a:pPr>
+            <a:r>
+              <a:rPr lang="es-AR" dirty="0">
+                <a:effectLst>
+                  <a:outerShdw blurRad="38100" dist="38100" dir="2700000" algn="tl">
+                    <a:srgbClr val="000000">
+                      <a:alpha val="43137"/>
+                    </a:srgbClr>
+                  </a:outerShdw>
+                </a:effectLst>
+                <a:latin typeface="Franklin Gothic Medium" panose="020B0603020102020204" pitchFamily="34" charset="0"/>
+              </a:rPr>
+              <a:t>Puede serializar atributos públicos y privados.</a:t>
+            </a:r>
+          </a:p>
+          <a:p>
+            <a:pPr>
+              <a:defRPr/>
+            </a:pPr>
+            <a:r>
+              <a:rPr lang="es-AR" dirty="0">
+                <a:effectLst>
+                  <a:outerShdw blurRad="38100" dist="38100" dir="2700000" algn="tl">
+                    <a:srgbClr val="000000">
+                      <a:alpha val="43137"/>
+                    </a:srgbClr>
+                  </a:outerShdw>
+                </a:effectLst>
+                <a:latin typeface="Franklin Gothic Medium" panose="020B0603020102020204" pitchFamily="34" charset="0"/>
+              </a:rPr>
+              <a:t>Una clase debe tener un constructor por defecto para que </a:t>
+            </a:r>
+            <a:r>
+              <a:rPr lang="es-AR" dirty="0" err="1">
+                <a:effectLst>
+                  <a:outerShdw blurRad="38100" dist="38100" dir="2700000" algn="tl">
+                    <a:srgbClr val="000000">
+                      <a:alpha val="43137"/>
+                    </a:srgbClr>
+                  </a:outerShdw>
+                </a:effectLst>
+                <a:latin typeface="Franklin Gothic Medium" panose="020B0603020102020204" pitchFamily="34" charset="0"/>
+              </a:rPr>
+              <a:t>BinaryFormatter</a:t>
+            </a:r>
+            <a:r>
+              <a:rPr lang="es-AR" dirty="0">
+                <a:effectLst>
+                  <a:outerShdw blurRad="38100" dist="38100" dir="2700000" algn="tl">
+                    <a:srgbClr val="000000">
+                      <a:alpha val="43137"/>
+                    </a:srgbClr>
+                  </a:outerShdw>
+                </a:effectLst>
+                <a:latin typeface="Franklin Gothic Medium" panose="020B0603020102020204" pitchFamily="34" charset="0"/>
+              </a:rPr>
+              <a:t> pueda serializarla.</a:t>
+            </a:r>
+          </a:p>
+          <a:p>
+            <a:pPr>
+              <a:defRPr/>
+            </a:pPr>
+            <a:r>
+              <a:rPr lang="es-AR" dirty="0">
+                <a:effectLst>
+                  <a:outerShdw blurRad="38100" dist="38100" dir="2700000" algn="tl">
+                    <a:srgbClr val="000000">
+                      <a:alpha val="43137"/>
+                    </a:srgbClr>
+                  </a:outerShdw>
+                </a:effectLst>
+                <a:latin typeface="Franklin Gothic Medium" panose="020B0603020102020204" pitchFamily="34" charset="0"/>
+              </a:rPr>
+              <a:t>Los métodos más importantes de la clase </a:t>
+            </a:r>
+            <a:r>
+              <a:rPr lang="es-AR" dirty="0" err="1">
+                <a:effectLst>
+                  <a:outerShdw blurRad="38100" dist="38100" dir="2700000" algn="tl">
+                    <a:srgbClr val="000000">
+                      <a:alpha val="43137"/>
+                    </a:srgbClr>
+                  </a:outerShdw>
+                </a:effectLst>
+                <a:latin typeface="Franklin Gothic Medium" panose="020B0603020102020204" pitchFamily="34" charset="0"/>
+              </a:rPr>
+              <a:t>BinaryFormatter</a:t>
+            </a:r>
+            <a:r>
+              <a:rPr lang="es-AR" dirty="0">
+                <a:effectLst>
+                  <a:outerShdw blurRad="38100" dist="38100" dir="2700000" algn="tl">
+                    <a:srgbClr val="000000">
+                      <a:alpha val="43137"/>
+                    </a:srgbClr>
+                  </a:outerShdw>
+                </a:effectLst>
+                <a:latin typeface="Franklin Gothic Medium" panose="020B0603020102020204" pitchFamily="34" charset="0"/>
+              </a:rPr>
+              <a:t> son:</a:t>
+            </a:r>
+          </a:p>
+          <a:p>
+            <a:pPr lvl="1">
+              <a:defRPr/>
+            </a:pPr>
+            <a:r>
+              <a:rPr lang="es-AR" dirty="0" err="1">
+                <a:effectLst>
+                  <a:outerShdw blurRad="38100" dist="38100" dir="2700000" algn="tl">
+                    <a:srgbClr val="000000">
+                      <a:alpha val="43137"/>
+                    </a:srgbClr>
+                  </a:outerShdw>
+                </a:effectLst>
+                <a:latin typeface="Franklin Gothic Medium" panose="020B0603020102020204" pitchFamily="34" charset="0"/>
+              </a:rPr>
+              <a:t>Serialize</a:t>
+            </a:r>
+            <a:endParaRPr lang="es-AR" dirty="0">
+              <a:effectLst>
+                <a:outerShdw blurRad="38100" dist="38100" dir="2700000" algn="tl">
+                  <a:srgbClr val="000000">
+                    <a:alpha val="43137"/>
+                  </a:srgbClr>
+                </a:outerShdw>
+              </a:effectLst>
+              <a:latin typeface="Franklin Gothic Medium" panose="020B0603020102020204" pitchFamily="34" charset="0"/>
+            </a:endParaRPr>
+          </a:p>
+          <a:p>
+            <a:pPr lvl="1">
+              <a:defRPr/>
+            </a:pPr>
+            <a:r>
+              <a:rPr lang="es-AR" dirty="0" err="1">
+                <a:effectLst>
+                  <a:outerShdw blurRad="38100" dist="38100" dir="2700000" algn="tl">
+                    <a:srgbClr val="000000">
+                      <a:alpha val="43137"/>
+                    </a:srgbClr>
+                  </a:outerShdw>
+                </a:effectLst>
+                <a:latin typeface="Franklin Gothic Medium" panose="020B0603020102020204" pitchFamily="34" charset="0"/>
+              </a:rPr>
+              <a:t>Deserialize</a:t>
+            </a:r>
+            <a:endParaRPr lang="es-AR" dirty="0">
+              <a:effectLst>
+                <a:outerShdw blurRad="38100" dist="38100" dir="2700000" algn="tl">
+                  <a:srgbClr val="000000">
+                    <a:alpha val="43137"/>
+                  </a:srgbClr>
+                </a:outerShdw>
+              </a:effectLst>
+              <a:latin typeface="Franklin Gothic Medium" panose="020B0603020102020204" pitchFamily="34" charset="0"/>
+            </a:endParaRPr>
+          </a:p>
+        </p:txBody>
+      </p:sp>
+    </p:spTree>
+    <p:extLst>
+      <p:ext uri="{BB962C8B-B14F-4D97-AF65-F5344CB8AC3E}">
+        <p14:creationId xmlns:p14="http://schemas.microsoft.com/office/powerpoint/2010/main" val="3717344086"/>
+      </p:ext>
+    </p:extLst>
+  </p:cSld>
+  <p:clrMapOvr>
+    <a:masterClrMapping/>
+  </p:clrMapOvr>
+</p:sld>
+</file>
+
 <file path=ppt/slides/slide22.xml><?xml version="1.0" encoding="utf-8"?>
 <p:sld xmlns:a="http://schemas.openxmlformats.org/drawingml/2006/main" xmlns:r="http://schemas.openxmlformats.org/officeDocument/2006/relationships" xmlns:p="http://schemas.openxmlformats.org/presentationml/2006/main">
   <p:cSld>
@@ -13212,6 +13478,10 @@
           <a:lstStyle/>
           <a:p>
             <a:r>
+              <a:rPr lang="es-ES" dirty="0"/>
+              <a:t>Métodos </a:t>
+            </a:r>
+            <a:r>
               <a:rPr lang="es-ES" dirty="0" err="1"/>
               <a:t>BinaryFormatter</a:t>
             </a:r>
@@ -13245,6 +13515,19 @@
               <a:defRPr/>
             </a:pPr>
             <a:r>
+              <a:rPr lang="es-AR" dirty="0" err="1">
+                <a:effectLst>
+                  <a:outerShdw blurRad="38100" dist="38100" dir="2700000" algn="tl">
+                    <a:srgbClr val="000000">
+                      <a:alpha val="43137"/>
+                    </a:srgbClr>
+                  </a:outerShdw>
+                </a:effectLst>
+                <a:latin typeface="Franklin Gothic Medium" panose="020B0603020102020204" pitchFamily="34" charset="0"/>
+              </a:rPr>
+              <a:t>BinaryFormatter</a:t>
+            </a:r>
+            <a:r>
               <a:rPr lang="es-AR" dirty="0">
                 <a:effectLst>
                   <a:outerShdw blurRad="38100" dist="38100" dir="2700000" algn="tl">
@@ -13255,7 +13538,25 @@
                 </a:effectLst>
                 <a:latin typeface="Franklin Gothic Medium" panose="020B0603020102020204" pitchFamily="34" charset="0"/>
               </a:rPr>
-              <a:t>Serializa y </a:t>
+              <a:t>()</a:t>
+            </a:r>
+          </a:p>
+          <a:p>
+            <a:pPr lvl="1">
+              <a:defRPr/>
+            </a:pPr>
+            <a:r>
+              <a:rPr lang="es-AR" dirty="0">
+                <a:effectLst>
+                  <a:outerShdw blurRad="38100" dist="38100" dir="2700000" algn="tl">
+                    <a:srgbClr val="000000">
+                      <a:alpha val="43137"/>
+                    </a:srgbClr>
+                  </a:outerShdw>
+                </a:effectLst>
+                <a:latin typeface="Franklin Gothic Medium" panose="020B0603020102020204" pitchFamily="34" charset="0"/>
+              </a:rPr>
+              <a:t>Inicializa una nueva instancia de la clase </a:t>
             </a:r>
             <a:r>
               <a:rPr lang="es-AR" dirty="0" err="1">
@@ -13268,7 +13569,7 @@
                 </a:effectLst>
                 <a:latin typeface="Franklin Gothic Medium" panose="020B0603020102020204" pitchFamily="34" charset="0"/>
               </a:rPr>
-              <a:t>Deserializa</a:t>
+              <a:t>BinaryFormatter</a:t>
             </a:r>
             <a:r>
               <a:rPr lang="es-AR" dirty="0">
@@ -13281,39 +13582,13 @@
                 </a:effectLst>
                 <a:latin typeface="Franklin Gothic Medium" panose="020B0603020102020204" pitchFamily="34" charset="0"/>
               </a:rPr>
-              <a:t> objetos en formato binario.</a:t>
+              <a:t>.</a:t>
             </a:r>
           </a:p>
           <a:p>
             <a:pPr>
               <a:defRPr/>
             </a:pPr>
-            <a:r>
-              <a:rPr lang="es-AR" dirty="0">
-                <a:effectLst>
-                  <a:outerShdw blurRad="38100" dist="38100" dir="2700000" algn="tl">
-                    <a:srgbClr val="000000">
-                      <a:alpha val="43137"/>
-                    </a:srgbClr>
-                  </a:outerShdw>
-                </a:effectLst>
-                <a:latin typeface="Franklin Gothic Medium" panose="020B0603020102020204" pitchFamily="34" charset="0"/>
-              </a:rPr>
-              <a:t>Se encuentra en el espacio de nombres </a:t>
-            </a:r>
-            <a:r>
-              <a:rPr lang="es-AR" dirty="0" err="1">
-                <a:effectLst>
-                  <a:outerShdw blurRad="38100" dist="38100" dir="2700000" algn="tl">
-                    <a:srgbClr val="000000">
-                      <a:alpha val="43137"/>
-                    </a:srgbClr>
-                  </a:outerShdw>
-                </a:effectLst>
-                <a:latin typeface="Franklin Gothic Medium" panose="020B0603020102020204" pitchFamily="34" charset="0"/>
-              </a:rPr>
-              <a:t>System.Runtime.Serialization.Formatters.Binary</a:t>
-            </a:r>
             <a:endParaRPr lang="es-AR" dirty="0">
               <a:effectLst>
                 <a:outerShdw blurRad="38100" dist="38100" dir="2700000" algn="tl">
@@ -13330,6 +13605,19 @@
               <a:defRPr/>
             </a:pPr>
             <a:r>
+              <a:rPr lang="es-AR" dirty="0" err="1">
+                <a:effectLst>
+                  <a:outerShdw blurRad="38100" dist="38100" dir="2700000" algn="tl">
+                    <a:srgbClr val="000000">
+                      <a:alpha val="43137"/>
+                    </a:srgbClr>
+                  </a:outerShdw>
+                </a:effectLst>
+                <a:latin typeface="Franklin Gothic Medium" panose="020B0603020102020204" pitchFamily="34" charset="0"/>
+              </a:rPr>
+              <a:t>Serialize</a:t>
+            </a:r>
+            <a:r>
               <a:rPr lang="es-AR" dirty="0">
                 <a:effectLst>
                   <a:outerShdw blurRad="38100" dist="38100" dir="2700000" algn="tl">
@@ -13340,114 +13628,161 @@
                 </a:effectLst>
                 <a:latin typeface="Franklin Gothic Medium" panose="020B0603020102020204" pitchFamily="34" charset="0"/>
               </a:rPr>
-              <a:t>Puede serializar atributos públicos y privados.</a:t>
+              <a:t>(</a:t>
+            </a:r>
+            <a:r>
+              <a:rPr lang="es-AR" dirty="0" err="1">
+                <a:effectLst>
+                  <a:outerShdw blurRad="38100" dist="38100" dir="2700000" algn="tl">
+                    <a:srgbClr val="000000">
+                      <a:alpha val="43137"/>
+                    </a:srgbClr>
+                  </a:outerShdw>
+                </a:effectLst>
+                <a:latin typeface="Franklin Gothic Medium" panose="020B0603020102020204" pitchFamily="34" charset="0"/>
+              </a:rPr>
+              <a:t>System.IO.FileStream</a:t>
+            </a:r>
+            <a:r>
+              <a:rPr lang="es-AR" dirty="0">
+                <a:effectLst>
+                  <a:outerShdw blurRad="38100" dist="38100" dir="2700000" algn="tl">
+                    <a:srgbClr val="000000">
+                      <a:alpha val="43137"/>
+                    </a:srgbClr>
+                  </a:outerShdw>
+                </a:effectLst>
+                <a:latin typeface="Franklin Gothic Medium" panose="020B0603020102020204" pitchFamily="34" charset="0"/>
+              </a:rPr>
+              <a:t> </a:t>
+            </a:r>
+            <a:r>
+              <a:rPr lang="es-AR" dirty="0" err="1">
+                <a:effectLst>
+                  <a:outerShdw blurRad="38100" dist="38100" dir="2700000" algn="tl">
+                    <a:srgbClr val="000000">
+                      <a:alpha val="43137"/>
+                    </a:srgbClr>
+                  </a:outerShdw>
+                </a:effectLst>
+                <a:latin typeface="Franklin Gothic Medium" panose="020B0603020102020204" pitchFamily="34" charset="0"/>
+              </a:rPr>
+              <a:t>seralizationStream</a:t>
+            </a:r>
+            <a:r>
+              <a:rPr lang="es-AR" dirty="0">
+                <a:effectLst>
+                  <a:outerShdw blurRad="38100" dist="38100" dir="2700000" algn="tl">
+                    <a:srgbClr val="000000">
+                      <a:alpha val="43137"/>
+                    </a:srgbClr>
+                  </a:outerShdw>
+                </a:effectLst>
+                <a:latin typeface="Franklin Gothic Medium" panose="020B0603020102020204" pitchFamily="34" charset="0"/>
+              </a:rPr>
+              <a:t>, </a:t>
+            </a:r>
+            <a:r>
+              <a:rPr lang="es-AR" dirty="0" err="1">
+                <a:effectLst>
+                  <a:outerShdw blurRad="38100" dist="38100" dir="2700000" algn="tl">
+                    <a:srgbClr val="000000">
+                      <a:alpha val="43137"/>
+                    </a:srgbClr>
+                  </a:outerShdw>
+                </a:effectLst>
+                <a:latin typeface="Franklin Gothic Medium" panose="020B0603020102020204" pitchFamily="34" charset="0"/>
+              </a:rPr>
+              <a:t>Object</a:t>
+            </a:r>
+            <a:r>
+              <a:rPr lang="es-AR" dirty="0">
+                <a:effectLst>
+                  <a:outerShdw blurRad="38100" dist="38100" dir="2700000" algn="tl">
+                    <a:srgbClr val="000000">
+                      <a:alpha val="43137"/>
+                    </a:srgbClr>
+                  </a:outerShdw>
+                </a:effectLst>
+                <a:latin typeface="Franklin Gothic Medium" panose="020B0603020102020204" pitchFamily="34" charset="0"/>
+              </a:rPr>
+              <a:t> </a:t>
+            </a:r>
+            <a:r>
+              <a:rPr lang="es-AR" dirty="0" err="1">
+                <a:effectLst>
+                  <a:outerShdw blurRad="38100" dist="38100" dir="2700000" algn="tl">
+                    <a:srgbClr val="000000">
+                      <a:alpha val="43137"/>
+                    </a:srgbClr>
+                  </a:outerShdw>
+                </a:effectLst>
+                <a:latin typeface="Franklin Gothic Medium" panose="020B0603020102020204" pitchFamily="34" charset="0"/>
+              </a:rPr>
+              <a:t>graph</a:t>
+            </a:r>
+            <a:r>
+              <a:rPr lang="es-AR" dirty="0">
+                <a:effectLst>
+                  <a:outerShdw blurRad="38100" dist="38100" dir="2700000" algn="tl">
+                    <a:srgbClr val="000000">
+                      <a:alpha val="43137"/>
+                    </a:srgbClr>
+                  </a:outerShdw>
+                </a:effectLst>
+                <a:latin typeface="Franklin Gothic Medium" panose="020B0603020102020204" pitchFamily="34" charset="0"/>
+              </a:rPr>
+              <a:t>)</a:t>
+            </a:r>
+          </a:p>
+          <a:p>
+            <a:pPr lvl="1">
+              <a:defRPr/>
+            </a:pPr>
+            <a:r>
+              <a:rPr lang="es-AR" dirty="0">
+                <a:effectLst>
+                  <a:outerShdw blurRad="38100" dist="38100" dir="2700000" algn="tl">
+                    <a:srgbClr val="000000">
+                      <a:alpha val="43137"/>
+                    </a:srgbClr>
+                  </a:outerShdw>
+                </a:effectLst>
+                <a:latin typeface="Franklin Gothic Medium" panose="020B0603020102020204" pitchFamily="34" charset="0"/>
+              </a:rPr>
+              <a:t>Serializa el objeto especificado y escribe en un archivo binario usando el </a:t>
+            </a:r>
+            <a:r>
+              <a:rPr lang="es-AR" dirty="0" err="1">
+                <a:effectLst>
+                  <a:outerShdw blurRad="38100" dist="38100" dir="2700000" algn="tl">
+                    <a:srgbClr val="000000">
+                      <a:alpha val="43137"/>
+                    </a:srgbClr>
+                  </a:outerShdw>
+                </a:effectLst>
+                <a:latin typeface="Franklin Gothic Medium" panose="020B0603020102020204" pitchFamily="34" charset="0"/>
+              </a:rPr>
+              <a:t>serializationStream</a:t>
+            </a:r>
+            <a:r>
+              <a:rPr lang="es-AR" dirty="0">
+                <a:effectLst>
+                  <a:outerShdw blurRad="38100" dist="38100" dir="2700000" algn="tl">
+                    <a:srgbClr val="000000">
+                      <a:alpha val="43137"/>
+                    </a:srgbClr>
+                  </a:outerShdw>
+                </a:effectLst>
+                <a:latin typeface="Franklin Gothic Medium" panose="020B0603020102020204" pitchFamily="34" charset="0"/>
+              </a:rPr>
+              <a:t> especificado.</a:t>
             </a:r>
           </a:p>
           <a:p>
             <a:pPr>
               <a:defRPr/>
             </a:pPr>
-            <a:r>
-              <a:rPr lang="es-AR" dirty="0">
-                <a:effectLst>
-                  <a:outerShdw blurRad="38100" dist="38100" dir="2700000" algn="tl">
-                    <a:srgbClr val="000000">
-                      <a:alpha val="43137"/>
-                    </a:srgbClr>
-                  </a:outerShdw>
-                </a:effectLst>
-                <a:latin typeface="Franklin Gothic Medium" panose="020B0603020102020204" pitchFamily="34" charset="0"/>
-              </a:rPr>
-              <a:t>Una clase debe tener un constructor por defecto para que </a:t>
-            </a:r>
-            <a:r>
-              <a:rPr lang="es-AR" dirty="0" err="1">
-                <a:effectLst>
-                  <a:outerShdw blurRad="38100" dist="38100" dir="2700000" algn="tl">
-                    <a:srgbClr val="000000">
-                      <a:alpha val="43137"/>
-                    </a:srgbClr>
-                  </a:outerShdw>
-                </a:effectLst>
-                <a:latin typeface="Franklin Gothic Medium" panose="020B0603020102020204" pitchFamily="34" charset="0"/>
-              </a:rPr>
-              <a:t>BinaryFormatter</a:t>
-            </a:r>
-            <a:r>
-              <a:rPr lang="es-AR" dirty="0">
-                <a:effectLst>
-                  <a:outerShdw blurRad="38100" dist="38100" dir="2700000" algn="tl">
-                    <a:srgbClr val="000000">
-                      <a:alpha val="43137"/>
-                    </a:srgbClr>
-                  </a:outerShdw>
-                </a:effectLst>
-                <a:latin typeface="Franklin Gothic Medium" panose="020B0603020102020204" pitchFamily="34" charset="0"/>
-              </a:rPr>
-              <a:t> pueda serializarla.</a:t>
-            </a:r>
-          </a:p>
-          <a:p>
-            <a:pPr>
-              <a:defRPr/>
-            </a:pPr>
-            <a:r>
-              <a:rPr lang="es-AR" dirty="0">
-                <a:effectLst>
-                  <a:outerShdw blurRad="38100" dist="38100" dir="2700000" algn="tl">
-                    <a:srgbClr val="000000">
-                      <a:alpha val="43137"/>
-                    </a:srgbClr>
-                  </a:outerShdw>
-                </a:effectLst>
-                <a:latin typeface="Franklin Gothic Medium" panose="020B0603020102020204" pitchFamily="34" charset="0"/>
-              </a:rPr>
-              <a:t>Los métodos más importantes de la clase </a:t>
-            </a:r>
-            <a:r>
-              <a:rPr lang="es-AR" dirty="0" err="1">
-                <a:effectLst>
-                  <a:outerShdw blurRad="38100" dist="38100" dir="2700000" algn="tl">
-                    <a:srgbClr val="000000">
-                      <a:alpha val="43137"/>
-                    </a:srgbClr>
-                  </a:outerShdw>
-                </a:effectLst>
-                <a:latin typeface="Franklin Gothic Medium" panose="020B0603020102020204" pitchFamily="34" charset="0"/>
-              </a:rPr>
-              <a:t>BinaryFormatter</a:t>
-            </a:r>
-            <a:r>
-              <a:rPr lang="es-AR" dirty="0">
-                <a:effectLst>
-                  <a:outerShdw blurRad="38100" dist="38100" dir="2700000" algn="tl">
-                    <a:srgbClr val="000000">
-                      <a:alpha val="43137"/>
-                    </a:srgbClr>
-                  </a:outerShdw>
-                </a:effectLst>
-                <a:latin typeface="Franklin Gothic Medium" panose="020B0603020102020204" pitchFamily="34" charset="0"/>
-              </a:rPr>
-              <a:t> son:</a:t>
-            </a:r>
-          </a:p>
-          <a:p>
-            <a:pPr lvl="1">
-              <a:defRPr/>
-            </a:pPr>
-            <a:r>
-              <a:rPr lang="es-AR" dirty="0" err="1">
-                <a:effectLst>
-                  <a:outerShdw blurRad="38100" dist="38100" dir="2700000" algn="tl">
-                    <a:srgbClr val="000000">
-                      <a:alpha val="43137"/>
-                    </a:srgbClr>
-                  </a:outerShdw>
-                </a:effectLst>
-                <a:latin typeface="Franklin Gothic Medium" panose="020B0603020102020204" pitchFamily="34" charset="0"/>
-              </a:rPr>
-              <a:t>Serialize</a:t>
-            </a:r>
             <a:endParaRPr lang="es-AR" dirty="0">
               <a:effectLst>
                 <a:outerShdw blurRad="38100" dist="38100" dir="2700000" algn="tl">
@@ -13460,6 +13795,89 @@
             </a:endParaRPr>
           </a:p>
           <a:p>
+            <a:pPr>
+              <a:defRPr/>
+            </a:pPr>
+            <a:r>
+              <a:rPr lang="es-AR" dirty="0" err="1">
+                <a:effectLst>
+                  <a:outerShdw blurRad="38100" dist="38100" dir="2700000" algn="tl">
+                    <a:srgbClr val="000000">
+                      <a:alpha val="43137"/>
+                    </a:srgbClr>
+                  </a:outerShdw>
+                </a:effectLst>
+                <a:latin typeface="Franklin Gothic Medium" panose="020B0603020102020204" pitchFamily="34" charset="0"/>
+              </a:rPr>
+              <a:t>Deserialize</a:t>
+            </a:r>
+            <a:r>
+              <a:rPr lang="es-AR" dirty="0">
+                <a:effectLst>
+                  <a:outerShdw blurRad="38100" dist="38100" dir="2700000" algn="tl">
+                    <a:srgbClr val="000000">
+                      <a:alpha val="43137"/>
+                    </a:srgbClr>
+                  </a:outerShdw>
+                </a:effectLst>
+                <a:latin typeface="Franklin Gothic Medium" panose="020B0603020102020204" pitchFamily="34" charset="0"/>
+              </a:rPr>
+              <a:t>(</a:t>
+            </a:r>
+            <a:r>
+              <a:rPr lang="es-AR" dirty="0" err="1">
+                <a:effectLst>
+                  <a:outerShdw blurRad="38100" dist="38100" dir="2700000" algn="tl">
+                    <a:srgbClr val="000000">
+                      <a:alpha val="43137"/>
+                    </a:srgbClr>
+                  </a:outerShdw>
+                </a:effectLst>
+                <a:latin typeface="Franklin Gothic Medium" panose="020B0603020102020204" pitchFamily="34" charset="0"/>
+              </a:rPr>
+              <a:t>System.IO.FileStream</a:t>
+            </a:r>
+            <a:r>
+              <a:rPr lang="es-AR" dirty="0">
+                <a:effectLst>
+                  <a:outerShdw blurRad="38100" dist="38100" dir="2700000" algn="tl">
+                    <a:srgbClr val="000000">
+                      <a:alpha val="43137"/>
+                    </a:srgbClr>
+                  </a:outerShdw>
+                </a:effectLst>
+                <a:latin typeface="Franklin Gothic Medium" panose="020B0603020102020204" pitchFamily="34" charset="0"/>
+              </a:rPr>
+              <a:t> </a:t>
+            </a:r>
+            <a:r>
+              <a:rPr lang="es-AR" dirty="0" err="1">
+                <a:effectLst>
+                  <a:outerShdw blurRad="38100" dist="38100" dir="2700000" algn="tl">
+                    <a:srgbClr val="000000">
+                      <a:alpha val="43137"/>
+                    </a:srgbClr>
+                  </a:outerShdw>
+                </a:effectLst>
+                <a:latin typeface="Franklin Gothic Medium" panose="020B0603020102020204" pitchFamily="34" charset="0"/>
+              </a:rPr>
+              <a:t>serializationStream</a:t>
+            </a:r>
+            <a:r>
+              <a:rPr lang="es-AR" dirty="0">
+                <a:effectLst>
+                  <a:outerShdw blurRad="38100" dist="38100" dir="2700000" algn="tl">
+                    <a:srgbClr val="000000">
+                      <a:alpha val="43137"/>
+                    </a:srgbClr>
+                  </a:outerShdw>
+                </a:effectLst>
+                <a:latin typeface="Franklin Gothic Medium" panose="020B0603020102020204" pitchFamily="34" charset="0"/>
+              </a:rPr>
+              <a:t>)</a:t>
+            </a:r>
+          </a:p>
+          <a:p>
             <a:pPr lvl="1">
               <a:defRPr/>
             </a:pPr>
@@ -13474,25 +13892,54 @@
                 </a:effectLst>
                 <a:latin typeface="Franklin Gothic Medium" panose="020B0603020102020204" pitchFamily="34" charset="0"/>
               </a:rPr>
-              <a:t>Deserialize</a:t>
-            </a:r>
-            <a:endParaRPr lang="es-AR" dirty="0">
-              <a:effectLst>
-                <a:outerShdw blurRad="38100" dist="38100" dir="2700000" algn="tl">
-                  <a:srgbClr val="000000">
-                    <a:alpha val="43137"/>
-                  </a:srgbClr>
-                </a:outerShdw>
-              </a:effectLst>
-              <a:latin typeface="Franklin Gothic Medium" panose="020B0603020102020204" pitchFamily="34" charset="0"/>
-            </a:endParaRPr>
+              <a:t>Deserializa</a:t>
+            </a:r>
+            <a:r>
+              <a:rPr lang="es-AR" dirty="0">
+                <a:effectLst>
+                  <a:outerShdw blurRad="38100" dist="38100" dir="2700000" algn="tl">
+                    <a:srgbClr val="000000">
+                      <a:alpha val="43137"/>
+                    </a:srgbClr>
+                  </a:outerShdw>
+                </a:effectLst>
+                <a:latin typeface="Franklin Gothic Medium" panose="020B0603020102020204" pitchFamily="34" charset="0"/>
+              </a:rPr>
+              <a:t> el archivo binario contenido por el </a:t>
+            </a:r>
+            <a:r>
+              <a:rPr lang="es-AR" dirty="0" err="1">
+                <a:effectLst>
+                  <a:outerShdw blurRad="38100" dist="38100" dir="2700000" algn="tl">
+                    <a:srgbClr val="000000">
+                      <a:alpha val="43137"/>
+                    </a:srgbClr>
+                  </a:outerShdw>
+                </a:effectLst>
+                <a:latin typeface="Franklin Gothic Medium" panose="020B0603020102020204" pitchFamily="34" charset="0"/>
+              </a:rPr>
+              <a:t>serializationStream</a:t>
+            </a:r>
+            <a:r>
+              <a:rPr lang="es-AR" dirty="0">
+                <a:effectLst>
+                  <a:outerShdw blurRad="38100" dist="38100" dir="2700000" algn="tl">
+                    <a:srgbClr val="000000">
+                      <a:alpha val="43137"/>
+                    </a:srgbClr>
+                  </a:outerShdw>
+                </a:effectLst>
+                <a:latin typeface="Franklin Gothic Medium" panose="020B0603020102020204" pitchFamily="34" charset="0"/>
+              </a:rPr>
+              <a:t> especificado.</a:t>
+            </a:r>
           </a:p>
         </p:txBody>
       </p:sp>
     </p:spTree>
     <p:extLst>
       <p:ext uri="{BB962C8B-B14F-4D97-AF65-F5344CB8AC3E}">
-        <p14:creationId xmlns:p14="http://schemas.microsoft.com/office/powerpoint/2010/main" val="3717344086"/>
+        <p14:creationId xmlns:p14="http://schemas.microsoft.com/office/powerpoint/2010/main" val="2422902038"/>
       </p:ext>
     </p:extLst>
   </p:cSld>
@@ -13535,510 +13982,6 @@
           <a:lstStyle/>
           <a:p>
             <a:r>
-              <a:rPr lang="es-ES" dirty="0"/>
-              <a:t>Métodos </a:t>
-            </a:r>
-            <a:r>
-              <a:rPr lang="es-ES" dirty="0" err="1"/>
-              <a:t>BinaryFormatter</a:t>
-            </a:r>
-            <a:endParaRPr lang="es-AR" dirty="0"/>
-          </a:p>
-        </p:txBody>
-      </p:sp>
-      <p:sp>
-        <p:nvSpPr>
-          <p:cNvPr id="3" name="Marcador de contenido 2"/>
-          <p:cNvSpPr>
-            <a:spLocks noGrp="1"/>
-          </p:cNvSpPr>
-          <p:nvPr>
-            <p:ph idx="1"/>
-          </p:nvPr>
-        </p:nvSpPr>
-        <p:spPr>
-          <a:xfrm>
-            <a:off x="680321" y="2336873"/>
-            <a:ext cx="9613861" cy="4141200"/>
-          </a:xfrm>
-        </p:spPr>
-        <p:txBody>
-          <a:bodyPr>
-            <a:normAutofit/>
-          </a:bodyPr>
-          <a:lstStyle/>
-          <a:p>
-            <a:pPr>
-              <a:defRPr/>
-            </a:pPr>
-            <a:r>
-              <a:rPr lang="es-AR" dirty="0" err="1">
-                <a:effectLst>
-                  <a:outerShdw blurRad="38100" dist="38100" dir="2700000" algn="tl">
-                    <a:srgbClr val="000000">
-                      <a:alpha val="43137"/>
-                    </a:srgbClr>
-                  </a:outerShdw>
-                </a:effectLst>
-                <a:latin typeface="Franklin Gothic Medium" panose="020B0603020102020204" pitchFamily="34" charset="0"/>
-              </a:rPr>
-              <a:t>BinaryFormatter</a:t>
-            </a:r>
-            <a:r>
-              <a:rPr lang="es-AR" dirty="0">
-                <a:effectLst>
-                  <a:outerShdw blurRad="38100" dist="38100" dir="2700000" algn="tl">
-                    <a:srgbClr val="000000">
-                      <a:alpha val="43137"/>
-                    </a:srgbClr>
-                  </a:outerShdw>
-                </a:effectLst>
-                <a:latin typeface="Franklin Gothic Medium" panose="020B0603020102020204" pitchFamily="34" charset="0"/>
-              </a:rPr>
-              <a:t>()</a:t>
-            </a:r>
-          </a:p>
-          <a:p>
-            <a:pPr lvl="1">
-              <a:defRPr/>
-            </a:pPr>
-            <a:r>
-              <a:rPr lang="es-AR" dirty="0">
-                <a:effectLst>
-                  <a:outerShdw blurRad="38100" dist="38100" dir="2700000" algn="tl">
-                    <a:srgbClr val="000000">
-                      <a:alpha val="43137"/>
-                    </a:srgbClr>
-                  </a:outerShdw>
-                </a:effectLst>
-                <a:latin typeface="Franklin Gothic Medium" panose="020B0603020102020204" pitchFamily="34" charset="0"/>
-              </a:rPr>
-              <a:t>Inicializa una nueva instancia de la clase </a:t>
-            </a:r>
-            <a:r>
-              <a:rPr lang="es-AR" dirty="0" err="1">
-                <a:effectLst>
-                  <a:outerShdw blurRad="38100" dist="38100" dir="2700000" algn="tl">
-                    <a:srgbClr val="000000">
-                      <a:alpha val="43137"/>
-                    </a:srgbClr>
-                  </a:outerShdw>
-                </a:effectLst>
-                <a:latin typeface="Franklin Gothic Medium" panose="020B0603020102020204" pitchFamily="34" charset="0"/>
-              </a:rPr>
-              <a:t>BinaryFormatter</a:t>
-            </a:r>
-            <a:r>
-              <a:rPr lang="es-AR" dirty="0">
-                <a:effectLst>
-                  <a:outerShdw blurRad="38100" dist="38100" dir="2700000" algn="tl">
-                    <a:srgbClr val="000000">
-                      <a:alpha val="43137"/>
-                    </a:srgbClr>
-                  </a:outerShdw>
-                </a:effectLst>
-                <a:latin typeface="Franklin Gothic Medium" panose="020B0603020102020204" pitchFamily="34" charset="0"/>
-              </a:rPr>
-              <a:t>.</a:t>
-            </a:r>
-          </a:p>
-          <a:p>
-            <a:pPr>
-              <a:defRPr/>
-            </a:pPr>
-            <a:endParaRPr lang="es-AR" dirty="0">
-              <a:effectLst>
-                <a:outerShdw blurRad="38100" dist="38100" dir="2700000" algn="tl">
-                  <a:srgbClr val="000000">
-                    <a:alpha val="43137"/>
-                  </a:srgbClr>
-                </a:outerShdw>
-              </a:effectLst>
-              <a:latin typeface="Franklin Gothic Medium" panose="020B0603020102020204" pitchFamily="34" charset="0"/>
-            </a:endParaRPr>
-          </a:p>
-          <a:p>
-            <a:pPr>
-              <a:defRPr/>
-            </a:pPr>
-            <a:r>
-              <a:rPr lang="es-AR" dirty="0" err="1">
-                <a:effectLst>
-                  <a:outerShdw blurRad="38100" dist="38100" dir="2700000" algn="tl">
-                    <a:srgbClr val="000000">
-                      <a:alpha val="43137"/>
-                    </a:srgbClr>
-                  </a:outerShdw>
-                </a:effectLst>
-                <a:latin typeface="Franklin Gothic Medium" panose="020B0603020102020204" pitchFamily="34" charset="0"/>
-              </a:rPr>
-              <a:t>Serialize</a:t>
-            </a:r>
-            <a:r>
-              <a:rPr lang="es-AR" dirty="0">
-                <a:effectLst>
-                  <a:outerShdw blurRad="38100" dist="38100" dir="2700000" algn="tl">
-                    <a:srgbClr val="000000">
-                      <a:alpha val="43137"/>
-                    </a:srgbClr>
-                  </a:outerShdw>
-                </a:effectLst>
-                <a:latin typeface="Franklin Gothic Medium" panose="020B0603020102020204" pitchFamily="34" charset="0"/>
-              </a:rPr>
-              <a:t>(</a:t>
-            </a:r>
-            <a:r>
-              <a:rPr lang="es-AR" dirty="0" err="1">
-                <a:effectLst>
-                  <a:outerShdw blurRad="38100" dist="38100" dir="2700000" algn="tl">
-                    <a:srgbClr val="000000">
-                      <a:alpha val="43137"/>
-                    </a:srgbClr>
-                  </a:outerShdw>
-                </a:effectLst>
-                <a:latin typeface="Franklin Gothic Medium" panose="020B0603020102020204" pitchFamily="34" charset="0"/>
-              </a:rPr>
-              <a:t>System.IO.FileStream</a:t>
-            </a:r>
-            <a:r>
-              <a:rPr lang="es-AR" dirty="0">
-                <a:effectLst>
-                  <a:outerShdw blurRad="38100" dist="38100" dir="2700000" algn="tl">
-                    <a:srgbClr val="000000">
-                      <a:alpha val="43137"/>
-                    </a:srgbClr>
-                  </a:outerShdw>
-                </a:effectLst>
-                <a:latin typeface="Franklin Gothic Medium" panose="020B0603020102020204" pitchFamily="34" charset="0"/>
-              </a:rPr>
-              <a:t> </a:t>
-            </a:r>
-            <a:r>
-              <a:rPr lang="es-AR" dirty="0" err="1">
-                <a:effectLst>
-                  <a:outerShdw blurRad="38100" dist="38100" dir="2700000" algn="tl">
-                    <a:srgbClr val="000000">
-                      <a:alpha val="43137"/>
-                    </a:srgbClr>
-                  </a:outerShdw>
-                </a:effectLst>
-                <a:latin typeface="Franklin Gothic Medium" panose="020B0603020102020204" pitchFamily="34" charset="0"/>
-              </a:rPr>
-              <a:t>seralizationStream</a:t>
-            </a:r>
-            <a:r>
-              <a:rPr lang="es-AR" dirty="0">
-                <a:effectLst>
-                  <a:outerShdw blurRad="38100" dist="38100" dir="2700000" algn="tl">
-                    <a:srgbClr val="000000">
-                      <a:alpha val="43137"/>
-                    </a:srgbClr>
-                  </a:outerShdw>
-                </a:effectLst>
-                <a:latin typeface="Franklin Gothic Medium" panose="020B0603020102020204" pitchFamily="34" charset="0"/>
-              </a:rPr>
-              <a:t>, </a:t>
-            </a:r>
-            <a:r>
-              <a:rPr lang="es-AR" dirty="0" err="1">
-                <a:effectLst>
-                  <a:outerShdw blurRad="38100" dist="38100" dir="2700000" algn="tl">
-                    <a:srgbClr val="000000">
-                      <a:alpha val="43137"/>
-                    </a:srgbClr>
-                  </a:outerShdw>
-                </a:effectLst>
-                <a:latin typeface="Franklin Gothic Medium" panose="020B0603020102020204" pitchFamily="34" charset="0"/>
-              </a:rPr>
-              <a:t>Object</a:t>
-            </a:r>
-            <a:r>
-              <a:rPr lang="es-AR" dirty="0">
-                <a:effectLst>
-                  <a:outerShdw blurRad="38100" dist="38100" dir="2700000" algn="tl">
-                    <a:srgbClr val="000000">
-                      <a:alpha val="43137"/>
-                    </a:srgbClr>
-                  </a:outerShdw>
-                </a:effectLst>
-                <a:latin typeface="Franklin Gothic Medium" panose="020B0603020102020204" pitchFamily="34" charset="0"/>
-              </a:rPr>
-              <a:t> </a:t>
-            </a:r>
-            <a:r>
-              <a:rPr lang="es-AR" dirty="0" err="1">
-                <a:effectLst>
-                  <a:outerShdw blurRad="38100" dist="38100" dir="2700000" algn="tl">
-                    <a:srgbClr val="000000">
-                      <a:alpha val="43137"/>
-                    </a:srgbClr>
-                  </a:outerShdw>
-                </a:effectLst>
-                <a:latin typeface="Franklin Gothic Medium" panose="020B0603020102020204" pitchFamily="34" charset="0"/>
-              </a:rPr>
-              <a:t>graph</a:t>
-            </a:r>
-            <a:r>
-              <a:rPr lang="es-AR" dirty="0">
-                <a:effectLst>
-                  <a:outerShdw blurRad="38100" dist="38100" dir="2700000" algn="tl">
-                    <a:srgbClr val="000000">
-                      <a:alpha val="43137"/>
-                    </a:srgbClr>
-                  </a:outerShdw>
-                </a:effectLst>
-                <a:latin typeface="Franklin Gothic Medium" panose="020B0603020102020204" pitchFamily="34" charset="0"/>
-              </a:rPr>
-              <a:t>)</a:t>
-            </a:r>
-          </a:p>
-          <a:p>
-            <a:pPr lvl="1">
-              <a:defRPr/>
-            </a:pPr>
-            <a:r>
-              <a:rPr lang="es-AR" dirty="0">
-                <a:effectLst>
-                  <a:outerShdw blurRad="38100" dist="38100" dir="2700000" algn="tl">
-                    <a:srgbClr val="000000">
-                      <a:alpha val="43137"/>
-                    </a:srgbClr>
-                  </a:outerShdw>
-                </a:effectLst>
-                <a:latin typeface="Franklin Gothic Medium" panose="020B0603020102020204" pitchFamily="34" charset="0"/>
-              </a:rPr>
-              <a:t>Serializa el objeto especificado y escribe en un archivo binario usando el </a:t>
-            </a:r>
-            <a:r>
-              <a:rPr lang="es-AR" dirty="0" err="1">
-                <a:effectLst>
-                  <a:outerShdw blurRad="38100" dist="38100" dir="2700000" algn="tl">
-                    <a:srgbClr val="000000">
-                      <a:alpha val="43137"/>
-                    </a:srgbClr>
-                  </a:outerShdw>
-                </a:effectLst>
-                <a:latin typeface="Franklin Gothic Medium" panose="020B0603020102020204" pitchFamily="34" charset="0"/>
-              </a:rPr>
-              <a:t>serializationStream</a:t>
-            </a:r>
-            <a:r>
-              <a:rPr lang="es-AR" dirty="0">
-                <a:effectLst>
-                  <a:outerShdw blurRad="38100" dist="38100" dir="2700000" algn="tl">
-                    <a:srgbClr val="000000">
-                      <a:alpha val="43137"/>
-                    </a:srgbClr>
-                  </a:outerShdw>
-                </a:effectLst>
-                <a:latin typeface="Franklin Gothic Medium" panose="020B0603020102020204" pitchFamily="34" charset="0"/>
-              </a:rPr>
-              <a:t> especificado.</a:t>
-            </a:r>
-          </a:p>
-          <a:p>
-            <a:pPr>
-              <a:defRPr/>
-            </a:pPr>
-            <a:endParaRPr lang="es-AR" dirty="0">
-              <a:effectLst>
-                <a:outerShdw blurRad="38100" dist="38100" dir="2700000" algn="tl">
-                  <a:srgbClr val="000000">
-                    <a:alpha val="43137"/>
-                  </a:srgbClr>
-                </a:outerShdw>
-              </a:effectLst>
-              <a:latin typeface="Franklin Gothic Medium" panose="020B0603020102020204" pitchFamily="34" charset="0"/>
-            </a:endParaRPr>
-          </a:p>
-          <a:p>
-            <a:pPr>
-              <a:defRPr/>
-            </a:pPr>
-            <a:r>
-              <a:rPr lang="es-AR" dirty="0" err="1">
-                <a:effectLst>
-                  <a:outerShdw blurRad="38100" dist="38100" dir="2700000" algn="tl">
-                    <a:srgbClr val="000000">
-                      <a:alpha val="43137"/>
-                    </a:srgbClr>
-                  </a:outerShdw>
-                </a:effectLst>
-                <a:latin typeface="Franklin Gothic Medium" panose="020B0603020102020204" pitchFamily="34" charset="0"/>
-              </a:rPr>
-              <a:t>Deserialize</a:t>
-            </a:r>
-            <a:r>
-              <a:rPr lang="es-AR" dirty="0">
-                <a:effectLst>
-                  <a:outerShdw blurRad="38100" dist="38100" dir="2700000" algn="tl">
-                    <a:srgbClr val="000000">
-                      <a:alpha val="43137"/>
-                    </a:srgbClr>
-                  </a:outerShdw>
-                </a:effectLst>
-                <a:latin typeface="Franklin Gothic Medium" panose="020B0603020102020204" pitchFamily="34" charset="0"/>
-              </a:rPr>
-              <a:t>(</a:t>
-            </a:r>
-            <a:r>
-              <a:rPr lang="es-AR" dirty="0" err="1">
-                <a:effectLst>
-                  <a:outerShdw blurRad="38100" dist="38100" dir="2700000" algn="tl">
-                    <a:srgbClr val="000000">
-                      <a:alpha val="43137"/>
-                    </a:srgbClr>
-                  </a:outerShdw>
-                </a:effectLst>
-                <a:latin typeface="Franklin Gothic Medium" panose="020B0603020102020204" pitchFamily="34" charset="0"/>
-              </a:rPr>
-              <a:t>System.IO.FileStream</a:t>
-            </a:r>
-            <a:r>
-              <a:rPr lang="es-AR" dirty="0">
-                <a:effectLst>
-                  <a:outerShdw blurRad="38100" dist="38100" dir="2700000" algn="tl">
-                    <a:srgbClr val="000000">
-                      <a:alpha val="43137"/>
-                    </a:srgbClr>
-                  </a:outerShdw>
-                </a:effectLst>
-                <a:latin typeface="Franklin Gothic Medium" panose="020B0603020102020204" pitchFamily="34" charset="0"/>
-              </a:rPr>
-              <a:t> </a:t>
-            </a:r>
-            <a:r>
-              <a:rPr lang="es-AR" dirty="0" err="1">
-                <a:effectLst>
-                  <a:outerShdw blurRad="38100" dist="38100" dir="2700000" algn="tl">
-                    <a:srgbClr val="000000">
-                      <a:alpha val="43137"/>
-                    </a:srgbClr>
-                  </a:outerShdw>
-                </a:effectLst>
-                <a:latin typeface="Franklin Gothic Medium" panose="020B0603020102020204" pitchFamily="34" charset="0"/>
-              </a:rPr>
-              <a:t>serializationStream</a:t>
-            </a:r>
-            <a:r>
-              <a:rPr lang="es-AR" dirty="0">
-                <a:effectLst>
-                  <a:outerShdw blurRad="38100" dist="38100" dir="2700000" algn="tl">
-                    <a:srgbClr val="000000">
-                      <a:alpha val="43137"/>
-                    </a:srgbClr>
-                  </a:outerShdw>
-                </a:effectLst>
-                <a:latin typeface="Franklin Gothic Medium" panose="020B0603020102020204" pitchFamily="34" charset="0"/>
-              </a:rPr>
-              <a:t>)</a:t>
-            </a:r>
-          </a:p>
-          <a:p>
-            <a:pPr lvl="1">
-              <a:defRPr/>
-            </a:pPr>
-            <a:r>
-              <a:rPr lang="es-AR" dirty="0" err="1">
-                <a:effectLst>
-                  <a:outerShdw blurRad="38100" dist="38100" dir="2700000" algn="tl">
-                    <a:srgbClr val="000000">
-                      <a:alpha val="43137"/>
-                    </a:srgbClr>
-                  </a:outerShdw>
-                </a:effectLst>
-                <a:latin typeface="Franklin Gothic Medium" panose="020B0603020102020204" pitchFamily="34" charset="0"/>
-              </a:rPr>
-              <a:t>Deserializa</a:t>
-            </a:r>
-            <a:r>
-              <a:rPr lang="es-AR" dirty="0">
-                <a:effectLst>
-                  <a:outerShdw blurRad="38100" dist="38100" dir="2700000" algn="tl">
-                    <a:srgbClr val="000000">
-                      <a:alpha val="43137"/>
-                    </a:srgbClr>
-                  </a:outerShdw>
-                </a:effectLst>
-                <a:latin typeface="Franklin Gothic Medium" panose="020B0603020102020204" pitchFamily="34" charset="0"/>
-              </a:rPr>
-              <a:t> el archivo binario contenido por el </a:t>
-            </a:r>
-            <a:r>
-              <a:rPr lang="es-AR" dirty="0" err="1">
-                <a:effectLst>
-                  <a:outerShdw blurRad="38100" dist="38100" dir="2700000" algn="tl">
-                    <a:srgbClr val="000000">
-                      <a:alpha val="43137"/>
-                    </a:srgbClr>
-                  </a:outerShdw>
-                </a:effectLst>
-                <a:latin typeface="Franklin Gothic Medium" panose="020B0603020102020204" pitchFamily="34" charset="0"/>
-              </a:rPr>
-              <a:t>serializationStream</a:t>
-            </a:r>
-            <a:r>
-              <a:rPr lang="es-AR" dirty="0">
-                <a:effectLst>
-                  <a:outerShdw blurRad="38100" dist="38100" dir="2700000" algn="tl">
-                    <a:srgbClr val="000000">
-                      <a:alpha val="43137"/>
-                    </a:srgbClr>
-                  </a:outerShdw>
-                </a:effectLst>
-                <a:latin typeface="Franklin Gothic Medium" panose="020B0603020102020204" pitchFamily="34" charset="0"/>
-              </a:rPr>
-              <a:t> especificado.</a:t>
-            </a:r>
-          </a:p>
-        </p:txBody>
-      </p:sp>
-    </p:spTree>
-    <p:extLst>
-      <p:ext uri="{BB962C8B-B14F-4D97-AF65-F5344CB8AC3E}">
-        <p14:creationId xmlns:p14="http://schemas.microsoft.com/office/powerpoint/2010/main" val="2422902038"/>
-      </p:ext>
-    </p:extLst>
-  </p:cSld>
-  <p:clrMapOvr>
-    <a:masterClrMapping/>
-  </p:clrMapOvr>
-</p:sld>
-</file>
-
-<file path=ppt/slides/slide24.xml><?xml version="1.0" encoding="utf-8"?>
-<p:sld xmlns:a="http://schemas.openxmlformats.org/drawingml/2006/main" xmlns:r="http://schemas.openxmlformats.org/officeDocument/2006/relationships" xmlns:p="http://schemas.openxmlformats.org/presentationml/2006/main">
-  <p:cSld>
-    <p:spTree>
-      <p:nvGrpSpPr>
-        <p:cNvPr id="1" name=""/>
-        <p:cNvGrpSpPr/>
-        <p:nvPr/>
-      </p:nvGrpSpPr>
-      <p:grpSpPr>
-        <a:xfrm>
-          <a:off x="0" y="0"/>
-          <a:ext cx="0" cy="0"/>
-          <a:chOff x="0" y="0"/>
-          <a:chExt cx="0" cy="0"/>
-        </a:xfrm>
-      </p:grpSpPr>
-      <p:sp>
-        <p:nvSpPr>
-          <p:cNvPr id="2" name="Título 1"/>
-          <p:cNvSpPr>
-            <a:spLocks noGrp="1"/>
-          </p:cNvSpPr>
-          <p:nvPr>
-            <p:ph type="title"/>
-          </p:nvPr>
-        </p:nvSpPr>
-        <p:spPr/>
-        <p:txBody>
-          <a:bodyPr/>
-          <a:lstStyle/>
-          <a:p>
-            <a:r>
               <a:rPr lang="es-ES" dirty="0" err="1"/>
               <a:t>FileStream</a:t>
             </a:r>
@@ -14795,7 +14738,7 @@
 </p:sld>
 </file>
 
-<file path=ppt/slides/slide25.xml><?xml version="1.0" encoding="utf-8"?>
+<file path=ppt/slides/slide24.xml><?xml version="1.0" encoding="utf-8"?>
 <p:sld xmlns:a="http://schemas.openxmlformats.org/drawingml/2006/main" xmlns:r="http://schemas.openxmlformats.org/officeDocument/2006/relationships" xmlns:p="http://schemas.openxmlformats.org/presentationml/2006/main">
   <p:cSld>
     <p:spTree>
@@ -15455,7 +15398,7 @@
                 </a:solidFill>
                 <a:latin typeface="Consolas" panose="020B0609020204030204" pitchFamily="49" charset="0"/>
               </a:rPr>
-              <a:t>(</a:t>
+              <a:t>(“C:\\</a:t>
             </a:r>
             <a:r>
               <a:rPr lang="es-AR" sz="2000" dirty="0" err="1">
@@ -15464,16 +15407,16 @@
                 </a:solidFill>
                 <a:latin typeface="Consolas" panose="020B0609020204030204" pitchFamily="49" charset="0"/>
               </a:rPr>
-              <a:t>ArchivoBinario</a:t>
-            </a:r>
-            <a:r>
-              <a:rPr lang="es-AR" sz="2000" dirty="0">
+              <a:t>archivo.bin</a:t>
+            </a:r>
+            <a:r>
+              <a:rPr lang="es-AR" sz="2000">
                 <a:solidFill>
                   <a:srgbClr val="000000"/>
                 </a:solidFill>
                 <a:latin typeface="Consolas" panose="020B0609020204030204" pitchFamily="49" charset="0"/>
               </a:rPr>
-              <a:t>, </a:t>
+              <a:t>”, </a:t>
             </a:r>
             <a:r>
               <a:rPr lang="es-AR" sz="2000" dirty="0" err="1">
@@ -15652,7 +15595,25 @@
                 </a:solidFill>
                 <a:latin typeface="Consolas" panose="020B0609020204030204" pitchFamily="49" charset="0"/>
               </a:rPr>
-              <a:t>, p);</a:t>
+              <a:t>, </a:t>
+            </a:r>
+            <a:r>
+              <a:rPr lang="es-AR" sz="2000" dirty="0" err="1">
+                <a:solidFill>
+                  <a:srgbClr val="000000"/>
+                </a:solidFill>
+                <a:latin typeface="Consolas" panose="020B0609020204030204" pitchFamily="49" charset="0"/>
+              </a:rPr>
+              <a:t>aux</a:t>
+            </a:r>
+            <a:r>
+              <a:rPr lang="es-AR" sz="2000" dirty="0">
+                <a:solidFill>
+                  <a:srgbClr val="000000"/>
+                </a:solidFill>
+                <a:latin typeface="Consolas" panose="020B0609020204030204" pitchFamily="49" charset="0"/>
+              </a:rPr>
+              <a:t>);</a:t>
             </a:r>
           </a:p>
           <a:p>
@@ -15728,7 +15689,7 @@
 </p:sld>
 </file>
 
-<file path=ppt/slides/slide26.xml><?xml version="1.0" encoding="utf-8"?>
+<file path=ppt/slides/slide25.xml><?xml version="1.0" encoding="utf-8"?>
 <p:sld xmlns:a="http://schemas.openxmlformats.org/drawingml/2006/main" xmlns:r="http://schemas.openxmlformats.org/officeDocument/2006/relationships" xmlns:p="http://schemas.openxmlformats.org/presentationml/2006/main">
   <p:cSld>
     <p:spTree>
@@ -17261,13 +17222,8 @@
           <a:p>
             <a:r>
               <a:rPr lang="es-AR" dirty="0"/>
-              <a:t>Paquete </a:t>
-            </a:r>
-            <a:r>
-              <a:rPr lang="es-AR" dirty="0" err="1"/>
-              <a:t>NuGet</a:t>
-            </a:r>
-            <a:endParaRPr lang="es-AR" dirty="0"/>
+              <a:t>Serialización JSON</a:t>
+            </a:r>
           </a:p>
         </p:txBody>
       </p:sp>
@@ -17289,7 +17245,7 @@
         </p:spPr>
         <p:txBody>
           <a:bodyPr>
-            <a:normAutofit/>
+            <a:normAutofit lnSpcReduction="10000"/>
           </a:bodyPr>
           <a:lstStyle/>
           <a:p>
@@ -17307,7 +17263,7 @@
                 </a:effectLst>
                 <a:latin typeface="Franklin Gothic Medium" panose="020B0603020102020204" pitchFamily="34" charset="0"/>
               </a:rPr>
-              <a:t>Lo primero que debemos hacer antes de comenzar es instalar el paquete </a:t>
+              <a:t>El formato JavaScript Object </a:t>
             </a:r>
             <a:r>
               <a:rPr lang="es-AR" sz="2200" dirty="0" err="1">
@@ -17320,7 +17276,7 @@
                 </a:effectLst>
                 <a:latin typeface="Franklin Gothic Medium" panose="020B0603020102020204" pitchFamily="34" charset="0"/>
               </a:rPr>
-              <a:t>NuGet</a:t>
+              <a:t>Notation</a:t>
             </a:r>
             <a:r>
               <a:rPr lang="es-AR" sz="2200" dirty="0">
@@ -17333,39 +17289,136 @@
                 </a:effectLst>
                 <a:latin typeface="Franklin Gothic Medium" panose="020B0603020102020204" pitchFamily="34" charset="0"/>
               </a:rPr>
-              <a:t> llamado </a:t>
-            </a:r>
-            <a:r>
-              <a:rPr lang="es-AR" sz="2200" dirty="0" err="1">
-                <a:effectLst>
-                  <a:outerShdw blurRad="38100" dist="38100" dir="2700000" algn="tl">
-                    <a:srgbClr val="000000">
-                      <a:alpha val="43137"/>
-                    </a:srgbClr>
-                  </a:outerShdw>
-                </a:effectLst>
-                <a:latin typeface="Franklin Gothic Medium" panose="020B0603020102020204" pitchFamily="34" charset="0"/>
-              </a:rPr>
-              <a:t>Newtonsoft.Json</a:t>
-            </a:r>
-            <a:r>
-              <a:rPr lang="es-AR" sz="2200" dirty="0">
-                <a:effectLst>
-                  <a:outerShdw blurRad="38100" dist="38100" dir="2700000" algn="tl">
-                    <a:srgbClr val="000000">
-                      <a:alpha val="43137"/>
-                    </a:srgbClr>
-                  </a:outerShdw>
-                </a:effectLst>
-                <a:latin typeface="Franklin Gothic Medium" panose="020B0603020102020204" pitchFamily="34" charset="0"/>
-              </a:rPr>
-              <a:t>:</a:t>
+              <a:t> (JSON) es un estándar abierto que se suele utilizar para transferir datos a través de la web.</a:t>
             </a:r>
           </a:p>
           <a:p>
             <a:pPr>
               <a:defRPr/>
             </a:pPr>
+            <a:endParaRPr lang="es-AR" sz="2200" dirty="0">
+              <a:effectLst>
+                <a:outerShdw blurRad="38100" dist="38100" dir="2700000" algn="tl">
+                  <a:srgbClr val="000000">
+                    <a:alpha val="43137"/>
+                  </a:srgbClr>
+                </a:outerShdw>
+              </a:effectLst>
+              <a:latin typeface="Franklin Gothic Medium" panose="020B0603020102020204" pitchFamily="34" charset="0"/>
+            </a:endParaRPr>
+          </a:p>
+          <a:p>
+            <a:pPr>
+              <a:defRPr/>
+            </a:pPr>
+            <a:r>
+              <a:rPr lang="es-AR" sz="2200" dirty="0">
+                <a:effectLst>
+                  <a:outerShdw blurRad="38100" dist="38100" dir="2700000" algn="tl">
+                    <a:srgbClr val="000000">
+                      <a:alpha val="43137"/>
+                    </a:srgbClr>
+                  </a:outerShdw>
+                </a:effectLst>
+                <a:latin typeface="Franklin Gothic Medium" panose="020B0603020102020204" pitchFamily="34" charset="0"/>
+              </a:rPr>
+              <a:t>El formato JSON es más compacto y se suele utilizar en entornos web y </a:t>
+            </a:r>
+            <a:r>
+              <a:rPr lang="es-AR" sz="2200" dirty="0" err="1">
+                <a:effectLst>
+                  <a:outerShdw blurRad="38100" dist="38100" dir="2700000" algn="tl">
+                    <a:srgbClr val="000000">
+                      <a:alpha val="43137"/>
+                    </a:srgbClr>
+                  </a:outerShdw>
+                </a:effectLst>
+                <a:latin typeface="Franklin Gothic Medium" panose="020B0603020102020204" pitchFamily="34" charset="0"/>
+              </a:rPr>
+              <a:t>mobile</a:t>
+            </a:r>
+            <a:r>
+              <a:rPr lang="es-AR" sz="2200">
+                <a:effectLst>
+                  <a:outerShdw blurRad="38100" dist="38100" dir="2700000" algn="tl">
+                    <a:srgbClr val="000000">
+                      <a:alpha val="43137"/>
+                    </a:srgbClr>
+                  </a:outerShdw>
+                </a:effectLst>
+                <a:latin typeface="Franklin Gothic Medium" panose="020B0603020102020204" pitchFamily="34" charset="0"/>
+              </a:rPr>
+              <a:t>.</a:t>
+            </a:r>
+            <a:endParaRPr lang="es-AR" sz="2200" dirty="0">
+              <a:effectLst>
+                <a:outerShdw blurRad="38100" dist="38100" dir="2700000" algn="tl">
+                  <a:srgbClr val="000000">
+                    <a:alpha val="43137"/>
+                  </a:srgbClr>
+                </a:outerShdw>
+              </a:effectLst>
+              <a:latin typeface="Franklin Gothic Medium" panose="020B0603020102020204" pitchFamily="34" charset="0"/>
+            </a:endParaRPr>
+          </a:p>
+          <a:p>
+            <a:pPr>
+              <a:defRPr/>
+            </a:pPr>
+            <a:endParaRPr lang="es-AR" sz="2200" dirty="0">
+              <a:effectLst>
+                <a:outerShdw blurRad="38100" dist="38100" dir="2700000" algn="tl">
+                  <a:srgbClr val="000000">
+                    <a:alpha val="43137"/>
+                  </a:srgbClr>
+                </a:outerShdw>
+              </a:effectLst>
+              <a:latin typeface="Franklin Gothic Medium" panose="020B0603020102020204" pitchFamily="34" charset="0"/>
+            </a:endParaRPr>
+          </a:p>
+          <a:p>
+            <a:pPr>
+              <a:defRPr/>
+            </a:pPr>
+            <a:r>
+              <a:rPr lang="es-AR" sz="2200" dirty="0">
+                <a:effectLst>
+                  <a:outerShdw blurRad="38100" dist="38100" dir="2700000" algn="tl">
+                    <a:srgbClr val="000000">
+                      <a:alpha val="43137"/>
+                    </a:srgbClr>
+                  </a:outerShdw>
+                </a:effectLst>
+                <a:latin typeface="Franklin Gothic Medium" panose="020B0603020102020204" pitchFamily="34" charset="0"/>
+              </a:rPr>
+              <a:t>La serialización JSON transforma las propiedades públicas de un objeto en una cadena de texto, array de bytes o en un </a:t>
+            </a:r>
+            <a:r>
+              <a:rPr lang="es-AR" sz="2200" dirty="0" err="1">
+                <a:effectLst>
+                  <a:outerShdw blurRad="38100" dist="38100" dir="2700000" algn="tl">
+                    <a:srgbClr val="000000">
+                      <a:alpha val="43137"/>
+                    </a:srgbClr>
+                  </a:outerShdw>
+                </a:effectLst>
+                <a:latin typeface="Franklin Gothic Medium" panose="020B0603020102020204" pitchFamily="34" charset="0"/>
+              </a:rPr>
+              <a:t>stream</a:t>
+            </a:r>
+            <a:r>
+              <a:rPr lang="es-AR" sz="2200" dirty="0">
+                <a:effectLst>
+                  <a:outerShdw blurRad="38100" dist="38100" dir="2700000" algn="tl">
+                    <a:srgbClr val="000000">
+                      <a:alpha val="43137"/>
+                    </a:srgbClr>
+                  </a:outerShdw>
+                </a:effectLst>
+                <a:latin typeface="Franklin Gothic Medium" panose="020B0603020102020204" pitchFamily="34" charset="0"/>
+              </a:rPr>
+              <a:t> que cumpla con la especificación de JSON.</a:t>
+            </a:r>
             <a:endParaRPr lang="es-AR" sz="2400" dirty="0">
               <a:effectLst>
                 <a:outerShdw blurRad="38100" dist="38100" dir="2700000" algn="tl">
@@ -17380,42 +17433,60 @@
           <a:p>
             <a:endParaRPr lang="es-AR" dirty="0"/>
           </a:p>
+          <a:p>
+            <a:r>
+              <a:rPr lang="es-AR" sz="2200" dirty="0">
+                <a:effectLst>
+                  <a:outerShdw blurRad="38100" dist="38100" dir="2700000" algn="tl">
+                    <a:srgbClr val="000000">
+                      <a:alpha val="43137"/>
+                    </a:srgbClr>
+                  </a:outerShdw>
+                </a:effectLst>
+                <a:latin typeface="Franklin Gothic Medium" panose="020B0603020102020204" pitchFamily="34" charset="0"/>
+              </a:rPr>
+              <a:t>Mediante el sitio </a:t>
+            </a:r>
+            <a:r>
+              <a:rPr lang="es-AR" sz="2200" dirty="0">
+                <a:effectLst>
+                  <a:outerShdw blurRad="38100" dist="38100" dir="2700000" algn="tl">
+                    <a:srgbClr val="000000">
+                      <a:alpha val="43137"/>
+                    </a:srgbClr>
+                  </a:outerShdw>
+                </a:effectLst>
+                <a:latin typeface="Franklin Gothic Medium" panose="020B0603020102020204" pitchFamily="34" charset="0"/>
+                <a:hlinkClick r:id="rId2">
+                  <a:extLst>
+                    <a:ext uri="{A12FA001-AC4F-418D-AE19-62706E023703}">
+                      <ahyp:hlinkClr xmlns:ahyp="http://schemas.microsoft.com/office/drawing/2018/hyperlinkcolor" val="tx"/>
+                    </a:ext>
+                  </a:extLst>
+                </a:hlinkClick>
+              </a:rPr>
+              <a:t>https://jsonlint.com/</a:t>
+            </a:r>
+            <a:r>
+              <a:rPr lang="es-AR" sz="2200" dirty="0">
+                <a:effectLst>
+                  <a:outerShdw blurRad="38100" dist="38100" dir="2700000" algn="tl">
+                    <a:srgbClr val="000000">
+                      <a:alpha val="43137"/>
+                    </a:srgbClr>
+                  </a:outerShdw>
+                </a:effectLst>
+                <a:latin typeface="Franklin Gothic Medium" panose="020B0603020102020204" pitchFamily="34" charset="0"/>
+              </a:rPr>
+              <a:t> podemos validar el formato del objeto.</a:t>
+            </a:r>
+          </a:p>
         </p:txBody>
       </p:sp>
-      <p:pic>
-        <p:nvPicPr>
-          <p:cNvPr id="7" name="Imagen 6">
-            <a:extLst>
-              <a:ext uri="{FF2B5EF4-FFF2-40B4-BE49-F238E27FC236}">
-                <a16:creationId xmlns:a16="http://schemas.microsoft.com/office/drawing/2014/main" id="{3D5355E0-D6A6-47CB-B70B-5EAEE2CE041A}"/>
-              </a:ext>
-            </a:extLst>
-          </p:cNvPr>
-          <p:cNvPicPr>
-            <a:picLocks noChangeAspect="1"/>
-          </p:cNvPicPr>
-          <p:nvPr/>
-        </p:nvPicPr>
-        <p:blipFill>
-          <a:blip r:embed="rId2"/>
-          <a:stretch>
-            <a:fillRect/>
-          </a:stretch>
-        </p:blipFill>
-        <p:spPr>
-          <a:xfrm>
-            <a:off x="2550253" y="2854201"/>
-            <a:ext cx="6891206" cy="3813580"/>
-          </a:xfrm>
-          <a:prstGeom prst="rect">
-            <a:avLst/>
-          </a:prstGeom>
-        </p:spPr>
-      </p:pic>
     </p:spTree>
     <p:extLst>
       <p:ext uri="{BB962C8B-B14F-4D97-AF65-F5344CB8AC3E}">
-        <p14:creationId xmlns:p14="http://schemas.microsoft.com/office/powerpoint/2010/main" val="3664919642"/>
+        <p14:creationId xmlns:p14="http://schemas.microsoft.com/office/powerpoint/2010/main" val="2365128836"/>
       </p:ext>
     </p:extLst>
   </p:cSld>
@@ -17459,7 +17530,7 @@
           <a:p>
             <a:r>
               <a:rPr lang="es-AR" dirty="0"/>
-              <a:t>Serialización JSON</a:t>
+              <a:t>Formato JSON</a:t>
             </a:r>
           </a:p>
         </p:txBody>
@@ -17477,12 +17548,12 @@
         <p:spPr>
           <a:xfrm>
             <a:off x="680321" y="2114026"/>
-            <a:ext cx="9613861" cy="4273895"/>
+            <a:ext cx="9613861" cy="2130803"/>
           </a:xfrm>
         </p:spPr>
         <p:txBody>
           <a:bodyPr>
-            <a:normAutofit lnSpcReduction="10000"/>
+            <a:normAutofit/>
           </a:bodyPr>
           <a:lstStyle/>
           <a:p>
@@ -17500,49 +17571,26 @@
                 </a:effectLst>
                 <a:latin typeface="Franklin Gothic Medium" panose="020B0603020102020204" pitchFamily="34" charset="0"/>
               </a:rPr>
-              <a:t>El formato JavaScript Object </a:t>
-            </a:r>
-            <a:r>
-              <a:rPr lang="es-AR" sz="2200" dirty="0" err="1">
-                <a:effectLst>
-                  <a:outerShdw blurRad="38100" dist="38100" dir="2700000" algn="tl">
-                    <a:srgbClr val="000000">
-                      <a:alpha val="43137"/>
-                    </a:srgbClr>
-                  </a:outerShdw>
-                </a:effectLst>
-                <a:latin typeface="Franklin Gothic Medium" panose="020B0603020102020204" pitchFamily="34" charset="0"/>
-              </a:rPr>
-              <a:t>Notation</a:t>
-            </a:r>
-            <a:r>
-              <a:rPr lang="es-AR" sz="2200" dirty="0">
-                <a:effectLst>
-                  <a:outerShdw blurRad="38100" dist="38100" dir="2700000" algn="tl">
-                    <a:srgbClr val="000000">
-                      <a:alpha val="43137"/>
-                    </a:srgbClr>
-                  </a:outerShdw>
-                </a:effectLst>
-                <a:latin typeface="Franklin Gothic Medium" panose="020B0603020102020204" pitchFamily="34" charset="0"/>
-              </a:rPr>
-              <a:t> (JSON) es un estándar abierto que se suele utilizar para transferir datos a través de la web.</a:t>
+              <a:t>Cada objeto en JSON se encuentra encerrado entre llaves ({})</a:t>
             </a:r>
           </a:p>
           <a:p>
             <a:pPr>
               <a:defRPr/>
             </a:pPr>
-            <a:endParaRPr lang="es-AR" sz="2200" dirty="0">
-              <a:effectLst>
-                <a:outerShdw blurRad="38100" dist="38100" dir="2700000" algn="tl">
-                  <a:srgbClr val="000000">
-                    <a:alpha val="43137"/>
-                  </a:srgbClr>
-                </a:outerShdw>
-              </a:effectLst>
-              <a:latin typeface="Franklin Gothic Medium" panose="020B0603020102020204" pitchFamily="34" charset="0"/>
-            </a:endParaRPr>
+            <a:r>
+              <a:rPr lang="es-AR" sz="2200" dirty="0">
+                <a:effectLst>
+                  <a:outerShdw blurRad="38100" dist="38100" dir="2700000" algn="tl">
+                    <a:srgbClr val="000000">
+                      <a:alpha val="43137"/>
+                    </a:srgbClr>
+                  </a:outerShdw>
+                </a:effectLst>
+                <a:latin typeface="Franklin Gothic Medium" panose="020B0603020102020204" pitchFamily="34" charset="0"/>
+              </a:rPr>
+              <a:t>Dentro de las mismas se declaran sus propiedades en pares propiedad-valor.</a:t>
+            </a:r>
           </a:p>
           <a:p>
             <a:pPr>
@@ -17559,59 +17607,26 @@
                 </a:effectLst>
                 <a:latin typeface="Franklin Gothic Medium" panose="020B0603020102020204" pitchFamily="34" charset="0"/>
               </a:rPr>
-              <a:t>El formato JSON es más compacto y se suele utilizar en entornos web y </a:t>
-            </a:r>
-            <a:r>
-              <a:rPr lang="es-AR" sz="2200" dirty="0" err="1">
-                <a:effectLst>
-                  <a:outerShdw blurRad="38100" dist="38100" dir="2700000" algn="tl">
-                    <a:srgbClr val="000000">
-                      <a:alpha val="43137"/>
-                    </a:srgbClr>
-                  </a:outerShdw>
-                </a:effectLst>
-                <a:latin typeface="Franklin Gothic Medium" panose="020B0603020102020204" pitchFamily="34" charset="0"/>
-              </a:rPr>
-              <a:t>mobile</a:t>
-            </a:r>
-            <a:r>
-              <a:rPr lang="es-AR" sz="2200">
-                <a:effectLst>
-                  <a:outerShdw blurRad="38100" dist="38100" dir="2700000" algn="tl">
-                    <a:srgbClr val="000000">
-                      <a:alpha val="43137"/>
-                    </a:srgbClr>
-                  </a:outerShdw>
-                </a:effectLst>
-                <a:latin typeface="Franklin Gothic Medium" panose="020B0603020102020204" pitchFamily="34" charset="0"/>
-              </a:rPr>
-              <a:t>.</a:t>
-            </a:r>
-            <a:endParaRPr lang="es-AR" sz="2200" dirty="0">
-              <a:effectLst>
-                <a:outerShdw blurRad="38100" dist="38100" dir="2700000" algn="tl">
-                  <a:srgbClr val="000000">
-                    <a:alpha val="43137"/>
-                  </a:srgbClr>
-                </a:outerShdw>
-              </a:effectLst>
-              <a:latin typeface="Franklin Gothic Medium" panose="020B0603020102020204" pitchFamily="34" charset="0"/>
-            </a:endParaRPr>
+              <a:t>La propiedad y su valor se separan por el símbolo :</a:t>
+            </a:r>
           </a:p>
           <a:p>
             <a:pPr>
               <a:defRPr/>
             </a:pPr>
-            <a:endParaRPr lang="es-AR" sz="2200" dirty="0">
-              <a:effectLst>
-                <a:outerShdw blurRad="38100" dist="38100" dir="2700000" algn="tl">
-                  <a:srgbClr val="000000">
-                    <a:alpha val="43137"/>
-                  </a:srgbClr>
-                </a:outerShdw>
-              </a:effectLst>
-              <a:latin typeface="Franklin Gothic Medium" panose="020B0603020102020204" pitchFamily="34" charset="0"/>
-            </a:endParaRPr>
+            <a:r>
+              <a:rPr lang="es-AR" sz="2200" dirty="0">
+                <a:effectLst>
+                  <a:outerShdw blurRad="38100" dist="38100" dir="2700000" algn="tl">
+                    <a:srgbClr val="000000">
+                      <a:alpha val="43137"/>
+                    </a:srgbClr>
+                  </a:outerShdw>
+                </a:effectLst>
+                <a:latin typeface="Franklin Gothic Medium" panose="020B0603020102020204" pitchFamily="34" charset="0"/>
+              </a:rPr>
+              <a:t>El nombre de cada propiedad se encierra entre comillas dobles.</a:t>
+            </a:r>
           </a:p>
           <a:p>
             <a:pPr>
@@ -17628,94 +17643,132 @@
                 </a:effectLst>
                 <a:latin typeface="Franklin Gothic Medium" panose="020B0603020102020204" pitchFamily="34" charset="0"/>
               </a:rPr>
-              <a:t>La serialización JSON transforma las propiedades públicas de un objeto en una cadena de texto, array de bytes o en un </a:t>
-            </a:r>
-            <a:r>
-              <a:rPr lang="es-AR" sz="2200" dirty="0" err="1">
-                <a:effectLst>
-                  <a:outerShdw blurRad="38100" dist="38100" dir="2700000" algn="tl">
-                    <a:srgbClr val="000000">
-                      <a:alpha val="43137"/>
-                    </a:srgbClr>
-                  </a:outerShdw>
-                </a:effectLst>
-                <a:latin typeface="Franklin Gothic Medium" panose="020B0603020102020204" pitchFamily="34" charset="0"/>
-              </a:rPr>
-              <a:t>stream</a:t>
-            </a:r>
-            <a:r>
-              <a:rPr lang="es-AR" sz="2200" dirty="0">
-                <a:effectLst>
-                  <a:outerShdw blurRad="38100" dist="38100" dir="2700000" algn="tl">
-                    <a:srgbClr val="000000">
-                      <a:alpha val="43137"/>
-                    </a:srgbClr>
-                  </a:outerShdw>
-                </a:effectLst>
-                <a:latin typeface="Franklin Gothic Medium" panose="020B0603020102020204" pitchFamily="34" charset="0"/>
-              </a:rPr>
-              <a:t> que cumpla con la especificación de JSON.</a:t>
-            </a:r>
-            <a:endParaRPr lang="es-AR" sz="2400" dirty="0">
-              <a:effectLst>
-                <a:outerShdw blurRad="38100" dist="38100" dir="2700000" algn="tl">
-                  <a:srgbClr val="000000">
-                    <a:alpha val="43137"/>
-                  </a:srgbClr>
-                </a:outerShdw>
-              </a:effectLst>
-              <a:latin typeface="Franklin Gothic Medium" panose="020B0603020102020204" pitchFamily="34" charset="0"/>
-            </a:endParaRPr>
-          </a:p>
-          <a:p>
+              <a:t>El formato del valor dependerá del tipo de dato:</a:t>
+            </a:r>
             <a:endParaRPr lang="es-AR" dirty="0"/>
           </a:p>
-          <a:p>
-            <a:r>
-              <a:rPr lang="es-AR" sz="2200" dirty="0">
-                <a:effectLst>
-                  <a:outerShdw blurRad="38100" dist="38100" dir="2700000" algn="tl">
-                    <a:srgbClr val="000000">
-                      <a:alpha val="43137"/>
-                    </a:srgbClr>
-                  </a:outerShdw>
-                </a:effectLst>
-                <a:latin typeface="Franklin Gothic Medium" panose="020B0603020102020204" pitchFamily="34" charset="0"/>
-              </a:rPr>
-              <a:t>Mediante el sitio </a:t>
-            </a:r>
-            <a:r>
-              <a:rPr lang="es-AR" sz="2200" dirty="0">
-                <a:effectLst>
-                  <a:outerShdw blurRad="38100" dist="38100" dir="2700000" algn="tl">
-                    <a:srgbClr val="000000">
-                      <a:alpha val="43137"/>
-                    </a:srgbClr>
-                  </a:outerShdw>
-                </a:effectLst>
-                <a:latin typeface="Franklin Gothic Medium" panose="020B0603020102020204" pitchFamily="34" charset="0"/>
-                <a:hlinkClick r:id="rId2">
-                  <a:extLst>
-                    <a:ext uri="{A12FA001-AC4F-418D-AE19-62706E023703}">
-                      <ahyp:hlinkClr xmlns:ahyp="http://schemas.microsoft.com/office/drawing/2018/hyperlinkcolor" val="tx"/>
-                    </a:ext>
-                  </a:extLst>
-                </a:hlinkClick>
-              </a:rPr>
-              <a:t>https://jsonlint.com/</a:t>
-            </a:r>
-            <a:r>
-              <a:rPr lang="es-AR" sz="2200" dirty="0">
-                <a:effectLst>
-                  <a:outerShdw blurRad="38100" dist="38100" dir="2700000" algn="tl">
-                    <a:srgbClr val="000000">
-                      <a:alpha val="43137"/>
-                    </a:srgbClr>
-                  </a:outerShdw>
-                </a:effectLst>
-                <a:latin typeface="Franklin Gothic Medium" panose="020B0603020102020204" pitchFamily="34" charset="0"/>
-              </a:rPr>
-              <a:t> podemos validar el formato del objeto.</a:t>
+        </p:txBody>
+      </p:sp>
+      <p:sp>
+        <p:nvSpPr>
+          <p:cNvPr id="5" name="CuadroTexto 4">
+            <a:extLst>
+              <a:ext uri="{FF2B5EF4-FFF2-40B4-BE49-F238E27FC236}">
+                <a16:creationId xmlns:a16="http://schemas.microsoft.com/office/drawing/2014/main" id="{A9650086-EB26-415A-A609-69A809CFC0EB}"/>
+              </a:ext>
+            </a:extLst>
+          </p:cNvPr>
+          <p:cNvSpPr txBox="1"/>
+          <p:nvPr/>
+        </p:nvSpPr>
+        <p:spPr>
+          <a:xfrm>
+            <a:off x="1904301" y="4350446"/>
+            <a:ext cx="7457813" cy="2031325"/>
+          </a:xfrm>
+          <a:prstGeom prst="rect">
+            <a:avLst/>
+          </a:prstGeom>
+          <a:noFill/>
+        </p:spPr>
+        <p:txBody>
+          <a:bodyPr wrap="square" rtlCol="0">
+            <a:spAutoFit/>
+          </a:bodyPr>
+          <a:lstStyle/>
+          <a:p>
+            <a:r>
+              <a:rPr lang="es-AR" dirty="0"/>
+              <a:t>{</a:t>
+            </a:r>
+          </a:p>
+          <a:p>
+            <a:r>
+              <a:rPr lang="es-AR" dirty="0"/>
+              <a:t>    "</a:t>
+            </a:r>
+            <a:r>
+              <a:rPr lang="es-AR" dirty="0" err="1"/>
+              <a:t>propiedadTexto</a:t>
+            </a:r>
+            <a:r>
+              <a:rPr lang="es-AR" dirty="0"/>
+              <a:t>": "valor",	// string</a:t>
+            </a:r>
+          </a:p>
+          <a:p>
+            <a:r>
+              <a:rPr lang="es-AR" dirty="0"/>
+              <a:t>    "</a:t>
+            </a:r>
+            <a:r>
+              <a:rPr lang="es-AR" dirty="0" err="1"/>
+              <a:t>propiedadNumerica</a:t>
+            </a:r>
+            <a:r>
+              <a:rPr lang="es-AR" dirty="0"/>
+              <a:t>": 20,	// numérico</a:t>
+            </a:r>
+          </a:p>
+          <a:p>
+            <a:r>
+              <a:rPr lang="es-AR" dirty="0"/>
+              <a:t>    "</a:t>
+            </a:r>
+            <a:r>
+              <a:rPr lang="es-AR" dirty="0" err="1"/>
+              <a:t>propiedadBooleana</a:t>
+            </a:r>
+            <a:r>
+              <a:rPr lang="es-AR" dirty="0"/>
+              <a:t>": true,	// </a:t>
+            </a:r>
+            <a:r>
+              <a:rPr lang="es-AR" dirty="0" err="1"/>
+              <a:t>boolean</a:t>
+            </a:r>
+            <a:endParaRPr lang="es-AR" dirty="0"/>
+          </a:p>
+          <a:p>
+            <a:r>
+              <a:rPr lang="es-AR" dirty="0"/>
+              <a:t>    "</a:t>
+            </a:r>
+            <a:r>
+              <a:rPr lang="es-AR" dirty="0" err="1"/>
+              <a:t>propiedadNula</a:t>
+            </a:r>
+            <a:r>
+              <a:rPr lang="es-AR" dirty="0"/>
+              <a:t>": </a:t>
+            </a:r>
+            <a:r>
+              <a:rPr lang="es-AR" dirty="0" err="1"/>
+              <a:t>null</a:t>
+            </a:r>
+            <a:r>
+              <a:rPr lang="es-AR" dirty="0"/>
+              <a:t>		// objecto</a:t>
+            </a:r>
+          </a:p>
+          <a:p>
+            <a:r>
+              <a:rPr lang="es-AR" dirty="0"/>
+              <a:t>    "</a:t>
+            </a:r>
+            <a:r>
+              <a:rPr lang="es-AR" dirty="0" err="1"/>
+              <a:t>propiedadColeccion</a:t>
+            </a:r>
+            <a:r>
+              <a:rPr lang="es-AR" dirty="0"/>
+              <a:t>": []	// colección de elementos</a:t>
+            </a:r>
+          </a:p>
+          <a:p>
+            <a:r>
+              <a:rPr lang="es-AR" dirty="0"/>
+              <a:t>}</a:t>
             </a:r>
           </a:p>
         </p:txBody>
@@ -17723,7 +17776,7 @@
     </p:spTree>
     <p:extLst>
       <p:ext uri="{BB962C8B-B14F-4D97-AF65-F5344CB8AC3E}">
-        <p14:creationId xmlns:p14="http://schemas.microsoft.com/office/powerpoint/2010/main" val="2365128836"/>
+        <p14:creationId xmlns:p14="http://schemas.microsoft.com/office/powerpoint/2010/main" val="221106318"/>
       </p:ext>
     </p:extLst>
   </p:cSld>
@@ -17767,296 +17820,6 @@
           <a:p>
             <a:r>
               <a:rPr lang="es-AR" dirty="0"/>
-              <a:t>Formato JSON</a:t>
-            </a:r>
-          </a:p>
-        </p:txBody>
-      </p:sp>
-      <p:sp>
-        <p:nvSpPr>
-          <p:cNvPr id="3" name="Marcador de contenido 2"/>
-          <p:cNvSpPr>
-            <a:spLocks noGrp="1"/>
-          </p:cNvSpPr>
-          <p:nvPr>
-            <p:ph idx="1"/>
-          </p:nvPr>
-        </p:nvSpPr>
-        <p:spPr>
-          <a:xfrm>
-            <a:off x="680321" y="2114026"/>
-            <a:ext cx="9613861" cy="2130803"/>
-          </a:xfrm>
-        </p:spPr>
-        <p:txBody>
-          <a:bodyPr>
-            <a:normAutofit/>
-          </a:bodyPr>
-          <a:lstStyle/>
-          <a:p>
-            <a:pPr>
-              <a:defRPr/>
-            </a:pPr>
-            <a:r>
-              <a:rPr lang="es-AR" sz="2200" dirty="0">
-                <a:effectLst>
-                  <a:outerShdw blurRad="38100" dist="38100" dir="2700000" algn="tl">
-                    <a:srgbClr val="000000">
-                      <a:alpha val="43137"/>
-                    </a:srgbClr>
-                  </a:outerShdw>
-                </a:effectLst>
-                <a:latin typeface="Franklin Gothic Medium" panose="020B0603020102020204" pitchFamily="34" charset="0"/>
-              </a:rPr>
-              <a:t>Cada objeto en JSON se encuentra encerrado entre llaves ({})</a:t>
-            </a:r>
-          </a:p>
-          <a:p>
-            <a:pPr>
-              <a:defRPr/>
-            </a:pPr>
-            <a:r>
-              <a:rPr lang="es-AR" sz="2200" dirty="0">
-                <a:effectLst>
-                  <a:outerShdw blurRad="38100" dist="38100" dir="2700000" algn="tl">
-                    <a:srgbClr val="000000">
-                      <a:alpha val="43137"/>
-                    </a:srgbClr>
-                  </a:outerShdw>
-                </a:effectLst>
-                <a:latin typeface="Franklin Gothic Medium" panose="020B0603020102020204" pitchFamily="34" charset="0"/>
-              </a:rPr>
-              <a:t>Dentro de las mismas se declaran sus propiedades en pares propiedad-valor.</a:t>
-            </a:r>
-          </a:p>
-          <a:p>
-            <a:pPr>
-              <a:defRPr/>
-            </a:pPr>
-            <a:r>
-              <a:rPr lang="es-AR" sz="2200" dirty="0">
-                <a:effectLst>
-                  <a:outerShdw blurRad="38100" dist="38100" dir="2700000" algn="tl">
-                    <a:srgbClr val="000000">
-                      <a:alpha val="43137"/>
-                    </a:srgbClr>
-                  </a:outerShdw>
-                </a:effectLst>
-                <a:latin typeface="Franklin Gothic Medium" panose="020B0603020102020204" pitchFamily="34" charset="0"/>
-              </a:rPr>
-              <a:t>La propiedad y su valor se separan por el símbolo :</a:t>
-            </a:r>
-          </a:p>
-          <a:p>
-            <a:pPr>
-              <a:defRPr/>
-            </a:pPr>
-            <a:r>
-              <a:rPr lang="es-AR" sz="2200" dirty="0">
-                <a:effectLst>
-                  <a:outerShdw blurRad="38100" dist="38100" dir="2700000" algn="tl">
-                    <a:srgbClr val="000000">
-                      <a:alpha val="43137"/>
-                    </a:srgbClr>
-                  </a:outerShdw>
-                </a:effectLst>
-                <a:latin typeface="Franklin Gothic Medium" panose="020B0603020102020204" pitchFamily="34" charset="0"/>
-              </a:rPr>
-              <a:t>El nombre de cada propiedad se encierra entre comillas dobles.</a:t>
-            </a:r>
-          </a:p>
-          <a:p>
-            <a:pPr>
-              <a:defRPr/>
-            </a:pPr>
-            <a:r>
-              <a:rPr lang="es-AR" sz="2200" dirty="0">
-                <a:effectLst>
-                  <a:outerShdw blurRad="38100" dist="38100" dir="2700000" algn="tl">
-                    <a:srgbClr val="000000">
-                      <a:alpha val="43137"/>
-                    </a:srgbClr>
-                  </a:outerShdw>
-                </a:effectLst>
-                <a:latin typeface="Franklin Gothic Medium" panose="020B0603020102020204" pitchFamily="34" charset="0"/>
-              </a:rPr>
-              <a:t>El formato del valor dependerá del tipo de dato:</a:t>
-            </a:r>
-            <a:endParaRPr lang="es-AR" dirty="0"/>
-          </a:p>
-        </p:txBody>
-      </p:sp>
-      <p:sp>
-        <p:nvSpPr>
-          <p:cNvPr id="5" name="CuadroTexto 4">
-            <a:extLst>
-              <a:ext uri="{FF2B5EF4-FFF2-40B4-BE49-F238E27FC236}">
-                <a16:creationId xmlns:a16="http://schemas.microsoft.com/office/drawing/2014/main" id="{A9650086-EB26-415A-A609-69A809CFC0EB}"/>
-              </a:ext>
-            </a:extLst>
-          </p:cNvPr>
-          <p:cNvSpPr txBox="1"/>
-          <p:nvPr/>
-        </p:nvSpPr>
-        <p:spPr>
-          <a:xfrm>
-            <a:off x="1904301" y="4350446"/>
-            <a:ext cx="7457813" cy="2031325"/>
-          </a:xfrm>
-          <a:prstGeom prst="rect">
-            <a:avLst/>
-          </a:prstGeom>
-          <a:noFill/>
-        </p:spPr>
-        <p:txBody>
-          <a:bodyPr wrap="square" rtlCol="0">
-            <a:spAutoFit/>
-          </a:bodyPr>
-          <a:lstStyle/>
-          <a:p>
-            <a:r>
-              <a:rPr lang="es-AR" dirty="0"/>
-              <a:t>{</a:t>
-            </a:r>
-          </a:p>
-          <a:p>
-            <a:r>
-              <a:rPr lang="es-AR" dirty="0"/>
-              <a:t>    "</a:t>
-            </a:r>
-            <a:r>
-              <a:rPr lang="es-AR" dirty="0" err="1"/>
-              <a:t>propiedadTexto</a:t>
-            </a:r>
-            <a:r>
-              <a:rPr lang="es-AR" dirty="0"/>
-              <a:t>": "valor",	// string</a:t>
-            </a:r>
-          </a:p>
-          <a:p>
-            <a:r>
-              <a:rPr lang="es-AR" dirty="0"/>
-              <a:t>    "</a:t>
-            </a:r>
-            <a:r>
-              <a:rPr lang="es-AR" dirty="0" err="1"/>
-              <a:t>propiedadNumerica</a:t>
-            </a:r>
-            <a:r>
-              <a:rPr lang="es-AR" dirty="0"/>
-              <a:t>": 20,	// numérico</a:t>
-            </a:r>
-          </a:p>
-          <a:p>
-            <a:r>
-              <a:rPr lang="es-AR" dirty="0"/>
-              <a:t>    "</a:t>
-            </a:r>
-            <a:r>
-              <a:rPr lang="es-AR" dirty="0" err="1"/>
-              <a:t>propiedadBooleana</a:t>
-            </a:r>
-            <a:r>
-              <a:rPr lang="es-AR" dirty="0"/>
-              <a:t>": true,	// </a:t>
-            </a:r>
-            <a:r>
-              <a:rPr lang="es-AR" dirty="0" err="1"/>
-              <a:t>boolean</a:t>
-            </a:r>
-            <a:endParaRPr lang="es-AR" dirty="0"/>
-          </a:p>
-          <a:p>
-            <a:r>
-              <a:rPr lang="es-AR" dirty="0"/>
-              <a:t>    "</a:t>
-            </a:r>
-            <a:r>
-              <a:rPr lang="es-AR" dirty="0" err="1"/>
-              <a:t>propiedadNula</a:t>
-            </a:r>
-            <a:r>
-              <a:rPr lang="es-AR" dirty="0"/>
-              <a:t>": </a:t>
-            </a:r>
-            <a:r>
-              <a:rPr lang="es-AR" dirty="0" err="1"/>
-              <a:t>null</a:t>
-            </a:r>
-            <a:r>
-              <a:rPr lang="es-AR" dirty="0"/>
-              <a:t>		// objecto</a:t>
-            </a:r>
-          </a:p>
-          <a:p>
-            <a:r>
-              <a:rPr lang="es-AR" dirty="0"/>
-              <a:t>    "</a:t>
-            </a:r>
-            <a:r>
-              <a:rPr lang="es-AR" dirty="0" err="1"/>
-              <a:t>propiedadColeccion</a:t>
-            </a:r>
-            <a:r>
-              <a:rPr lang="es-AR" dirty="0"/>
-              <a:t>": []	// colección de elementos</a:t>
-            </a:r>
-          </a:p>
-          <a:p>
-            <a:r>
-              <a:rPr lang="es-AR" dirty="0"/>
-              <a:t>}</a:t>
-            </a:r>
-          </a:p>
-        </p:txBody>
-      </p:sp>
-    </p:spTree>
-    <p:extLst>
-      <p:ext uri="{BB962C8B-B14F-4D97-AF65-F5344CB8AC3E}">
-        <p14:creationId xmlns:p14="http://schemas.microsoft.com/office/powerpoint/2010/main" val="221106318"/>
-      </p:ext>
-    </p:extLst>
-  </p:cSld>
-  <p:clrMapOvr>
-    <a:masterClrMapping/>
-  </p:clrMapOvr>
-</p:sld>
-</file>
-
-<file path=ppt/slides/slide8.xml><?xml version="1.0" encoding="utf-8"?>
-<p:sld xmlns:a="http://schemas.openxmlformats.org/drawingml/2006/main" xmlns:r="http://schemas.openxmlformats.org/officeDocument/2006/relationships" xmlns:p="http://schemas.openxmlformats.org/presentationml/2006/main">
-  <p:cSld>
-    <p:spTree>
-      <p:nvGrpSpPr>
-        <p:cNvPr id="1" name=""/>
-        <p:cNvGrpSpPr/>
-        <p:nvPr/>
-      </p:nvGrpSpPr>
-      <p:grpSpPr>
-        <a:xfrm>
-          <a:off x="0" y="0"/>
-          <a:ext cx="0" cy="0"/>
-          <a:chOff x="0" y="0"/>
-          <a:chExt cx="0" cy="0"/>
-        </a:xfrm>
-      </p:grpSpPr>
-      <p:sp>
-        <p:nvSpPr>
-          <p:cNvPr id="2" name="Título 1"/>
-          <p:cNvSpPr>
-            <a:spLocks noGrp="1"/>
-          </p:cNvSpPr>
-          <p:nvPr>
-            <p:ph type="title"/>
-          </p:nvPr>
-        </p:nvSpPr>
-        <p:spPr/>
-        <p:txBody>
-          <a:bodyPr/>
-          <a:lstStyle/>
-          <a:p>
-            <a:r>
-              <a:rPr lang="es-AR" dirty="0"/>
               <a:t>Qué necesito para serializar JSON</a:t>
             </a:r>
           </a:p>
@@ -18320,7 +18083,7 @@
 </p:sld>
 </file>
 
-<file path=ppt/slides/slide9.xml><?xml version="1.0" encoding="utf-8"?>
+<file path=ppt/slides/slide8.xml><?xml version="1.0" encoding="utf-8"?>
 <p:sld xmlns:a="http://schemas.openxmlformats.org/drawingml/2006/main" xmlns:r="http://schemas.openxmlformats.org/officeDocument/2006/relationships" xmlns:p="http://schemas.openxmlformats.org/presentationml/2006/main">
   <p:cSld>
     <p:spTree>
@@ -19183,6 +18946,62 @@
     <p:extLst>
       <p:ext uri="{BB962C8B-B14F-4D97-AF65-F5344CB8AC3E}">
         <p14:creationId xmlns:p14="http://schemas.microsoft.com/office/powerpoint/2010/main" val="17156207"/>
+      </p:ext>
+    </p:extLst>
+  </p:cSld>
+  <p:clrMapOvr>
+    <a:masterClrMapping/>
+  </p:clrMapOvr>
+</p:sld>
+</file>
+
+<file path=ppt/slides/slide9.xml><?xml version="1.0" encoding="utf-8"?>
+<p:sld xmlns:a="http://schemas.openxmlformats.org/drawingml/2006/main" xmlns:r="http://schemas.openxmlformats.org/officeDocument/2006/relationships" xmlns:p="http://schemas.openxmlformats.org/presentationml/2006/main" show="0">
+  <p:cSld>
+    <p:spTree>
+      <p:nvGrpSpPr>
+        <p:cNvPr id="1" name=""/>
+        <p:cNvGrpSpPr/>
+        <p:nvPr/>
+      </p:nvGrpSpPr>
+      <p:grpSpPr>
+        <a:xfrm>
+          <a:off x="0" y="0"/>
+          <a:ext cx="0" cy="0"/>
+          <a:chOff x="0" y="0"/>
+          <a:chExt cx="0" cy="0"/>
+        </a:xfrm>
+      </p:grpSpPr>
+      <p:sp>
+        <p:nvSpPr>
+          <p:cNvPr id="2" name="Título 1"/>
+          <p:cNvSpPr>
+            <a:spLocks noGrp="1"/>
+          </p:cNvSpPr>
+          <p:nvPr>
+            <p:ph type="ctrTitle"/>
+          </p:nvPr>
+        </p:nvSpPr>
+        <p:spPr/>
+        <p:txBody>
+          <a:bodyPr/>
+          <a:lstStyle/>
+          <a:p>
+            <a:r>
+              <a:rPr lang="es-AR" dirty="0" err="1"/>
+              <a:t>Serialización</a:t>
+            </a:r>
+            <a:r>
+              <a:rPr lang="es-AR" dirty="0"/>
+              <a:t> XML</a:t>
+            </a:r>
+          </a:p>
+        </p:txBody>
+      </p:sp>
+    </p:spTree>
+    <p:extLst>
+      <p:ext uri="{BB962C8B-B14F-4D97-AF65-F5344CB8AC3E}">
+        <p14:creationId xmlns:p14="http://schemas.microsoft.com/office/powerpoint/2010/main" val="2696860309"/>
       </p:ext>
     </p:extLst>
   </p:cSld>

--- a/PPTs/ProgramacionII_Clase_19.2-2021.pptx
+++ b/PPTs/ProgramacionII_Clase_19.2-2021.pptx
@@ -410,7 +410,7 @@
           <a:p>
             <a:fld id="{78ABE3C1-DBE1-495D-B57B-2849774B866A}" type="datetimeFigureOut">
               <a:rPr lang="en-US" dirty="0"/>
-              <a:t>10/20/2021</a:t>
+              <a:t>11/4/2021</a:t>
             </a:fld>
             <a:endParaRPr lang="en-US" dirty="0"/>
           </a:p>
@@ -819,7 +819,7 @@
           <a:p>
             <a:fld id="{446C117F-5CCF-4837-BE5F-2B92066CAFAF}" type="datetimeFigureOut">
               <a:rPr lang="en-US" dirty="0"/>
-              <a:t>10/20/2021</a:t>
+              <a:t>11/4/2021</a:t>
             </a:fld>
             <a:endParaRPr lang="en-US" dirty="0"/>
           </a:p>
@@ -1150,7 +1150,7 @@
           <a:p>
             <a:fld id="{84EB90BD-B6CE-46B7-997F-7313B992CCDC}" type="datetimeFigureOut">
               <a:rPr lang="en-US" dirty="0"/>
-              <a:t>10/20/2021</a:t>
+              <a:t>11/4/2021</a:t>
             </a:fld>
             <a:endParaRPr lang="en-US" dirty="0"/>
           </a:p>
@@ -1550,7 +1550,7 @@
           <a:p>
             <a:fld id="{CDB9D11F-B188-461D-B23F-39381795C052}" type="datetimeFigureOut">
               <a:rPr lang="en-US" dirty="0"/>
-              <a:t>10/20/2021</a:t>
+              <a:t>11/4/2021</a:t>
             </a:fld>
             <a:endParaRPr lang="en-US" dirty="0"/>
           </a:p>
@@ -2113,7 +2113,7 @@
           <a:p>
             <a:fld id="{52E6D8D9-55A2-4063-B0F3-121F44549695}" type="datetimeFigureOut">
               <a:rPr lang="en-US" dirty="0"/>
-              <a:t>10/20/2021</a:t>
+              <a:t>11/4/2021</a:t>
             </a:fld>
             <a:endParaRPr lang="en-US" dirty="0"/>
           </a:p>
@@ -2789,7 +2789,7 @@
           <a:p>
             <a:fld id="{D4B24536-994D-4021-A283-9F449C0DB509}" type="datetimeFigureOut">
               <a:rPr lang="en-US" dirty="0"/>
-              <a:t>10/20/2021</a:t>
+              <a:t>11/4/2021</a:t>
             </a:fld>
             <a:endParaRPr lang="en-US" dirty="0"/>
           </a:p>
@@ -3697,7 +3697,7 @@
           <a:p>
             <a:fld id="{3CBBBB78-C96F-47B7-AB17-D852CA960AC9}" type="datetimeFigureOut">
               <a:rPr lang="en-US" dirty="0"/>
-              <a:t>10/20/2021</a:t>
+              <a:t>11/4/2021</a:t>
             </a:fld>
             <a:endParaRPr lang="en-US" dirty="0"/>
           </a:p>
@@ -4005,7 +4005,7 @@
           <a:p>
             <a:fld id="{1FA3F48C-C7C6-4055-9F49-3777875E72AE}" type="datetimeFigureOut">
               <a:rPr lang="en-US" dirty="0"/>
-              <a:t>10/20/2021</a:t>
+              <a:t>11/4/2021</a:t>
             </a:fld>
             <a:endParaRPr lang="en-US" dirty="0"/>
           </a:p>
@@ -4264,7 +4264,7 @@
           <a:p>
             <a:fld id="{6178E61D-D431-422C-9764-11DAFE33AB63}" type="datetimeFigureOut">
               <a:rPr lang="en-US" dirty="0"/>
-              <a:t>10/20/2021</a:t>
+              <a:t>11/4/2021</a:t>
             </a:fld>
             <a:endParaRPr lang="en-US" dirty="0"/>
           </a:p>
@@ -4583,7 +4583,7 @@
           <a:p>
             <a:fld id="{12DE42F4-6EEF-4EF7-8ED4-2208F0F89A08}" type="datetimeFigureOut">
               <a:rPr lang="en-US" dirty="0"/>
-              <a:t>10/20/2021</a:t>
+              <a:t>11/4/2021</a:t>
             </a:fld>
             <a:endParaRPr lang="en-US" dirty="0"/>
           </a:p>
@@ -4967,7 +4967,7 @@
           <a:p>
             <a:fld id="{30578ACC-22D6-47C1-A373-4FD133E34F3C}" type="datetimeFigureOut">
               <a:rPr lang="en-US" dirty="0"/>
-              <a:t>10/20/2021</a:t>
+              <a:t>11/4/2021</a:t>
             </a:fld>
             <a:endParaRPr lang="en-US" dirty="0"/>
           </a:p>
@@ -5338,7 +5338,7 @@
           <a:p>
             <a:fld id="{4E5A6C69-6797-4E8A-BF37-F2C3751466E9}" type="datetimeFigureOut">
               <a:rPr lang="en-US" dirty="0"/>
-              <a:t>10/20/2021</a:t>
+              <a:t>11/4/2021</a:t>
             </a:fld>
             <a:endParaRPr lang="en-US" dirty="0"/>
           </a:p>
@@ -5839,7 +5839,7 @@
           <a:p>
             <a:fld id="{D82014A1-A632-4878-A0D3-F52BA7563730}" type="datetimeFigureOut">
               <a:rPr lang="en-US" dirty="0"/>
-              <a:t>10/20/2021</a:t>
+              <a:t>11/4/2021</a:t>
             </a:fld>
             <a:endParaRPr lang="en-US" dirty="0"/>
           </a:p>
@@ -6091,7 +6091,7 @@
           <a:p>
             <a:fld id="{CE99F462-093F-4566-844B-4C71F2739DA5}" type="datetimeFigureOut">
               <a:rPr lang="en-US" dirty="0"/>
-              <a:t>10/20/2021</a:t>
+              <a:t>11/4/2021</a:t>
             </a:fld>
             <a:endParaRPr lang="en-US" dirty="0"/>
           </a:p>
@@ -6249,7 +6249,7 @@
           <a:p>
             <a:fld id="{3D24A7AC-904D-4781-85BA-7D10C17ED021}" type="datetimeFigureOut">
               <a:rPr lang="en-US" dirty="0"/>
-              <a:t>10/20/2021</a:t>
+              <a:t>11/4/2021</a:t>
             </a:fld>
             <a:endParaRPr lang="en-US" dirty="0"/>
           </a:p>
@@ -6634,7 +6634,7 @@
           <a:p>
             <a:fld id="{E331444B-B92B-4E27-8C94-BB93EAF5CB18}" type="datetimeFigureOut">
               <a:rPr lang="en-US" dirty="0"/>
-              <a:t>10/20/2021</a:t>
+              <a:t>11/4/2021</a:t>
             </a:fld>
             <a:endParaRPr lang="en-US" dirty="0"/>
           </a:p>
@@ -7038,7 +7038,7 @@
           <a:p>
             <a:fld id="{363EFA5E-FA76-400D-B3DC-F0BA90E6D107}" type="datetimeFigureOut">
               <a:rPr lang="en-US" dirty="0"/>
-              <a:t>10/20/2021</a:t>
+              <a:t>11/4/2021</a:t>
             </a:fld>
             <a:endParaRPr lang="en-US" dirty="0"/>
           </a:p>
@@ -7277,7 +7277,7 @@
           <a:p>
             <a:fld id="{9D6E9DEC-419B-4CC5-A080-3B06BD5A8291}" type="datetimeFigureOut">
               <a:rPr lang="en-US" dirty="0"/>
-              <a:t>10/20/2021</a:t>
+              <a:t>11/4/2021</a:t>
             </a:fld>
             <a:endParaRPr lang="en-US" dirty="0"/>
           </a:p>
@@ -7867,7 +7867,7 @@
 </file>
 
 <file path=ppt/slides/slide10.xml><?xml version="1.0" encoding="utf-8"?>
-<p:sld xmlns:a="http://schemas.openxmlformats.org/drawingml/2006/main" xmlns:r="http://schemas.openxmlformats.org/officeDocument/2006/relationships" xmlns:p="http://schemas.openxmlformats.org/presentationml/2006/main" show="0">
+<p:sld xmlns:a="http://schemas.openxmlformats.org/drawingml/2006/main" xmlns:r="http://schemas.openxmlformats.org/officeDocument/2006/relationships" xmlns:p="http://schemas.openxmlformats.org/presentationml/2006/main">
   <p:cSld>
     <p:spTree>
       <p:nvGrpSpPr>
@@ -8184,7 +8184,7 @@
 </file>
 
 <file path=ppt/slides/slide11.xml><?xml version="1.0" encoding="utf-8"?>
-<p:sld xmlns:a="http://schemas.openxmlformats.org/drawingml/2006/main" xmlns:r="http://schemas.openxmlformats.org/officeDocument/2006/relationships" xmlns:p="http://schemas.openxmlformats.org/presentationml/2006/main" show="0">
+<p:sld xmlns:a="http://schemas.openxmlformats.org/drawingml/2006/main" xmlns:r="http://schemas.openxmlformats.org/officeDocument/2006/relationships" xmlns:p="http://schemas.openxmlformats.org/presentationml/2006/main">
   <p:cSld>
     <p:spTree>
       <p:nvGrpSpPr>
@@ -8475,7 +8475,7 @@
 </file>
 
 <file path=ppt/slides/slide12.xml><?xml version="1.0" encoding="utf-8"?>
-<p:sld xmlns:a="http://schemas.openxmlformats.org/drawingml/2006/main" xmlns:r="http://schemas.openxmlformats.org/officeDocument/2006/relationships" xmlns:p="http://schemas.openxmlformats.org/presentationml/2006/main" show="0">
+<p:sld xmlns:a="http://schemas.openxmlformats.org/drawingml/2006/main" xmlns:r="http://schemas.openxmlformats.org/officeDocument/2006/relationships" xmlns:p="http://schemas.openxmlformats.org/presentationml/2006/main">
   <p:cSld>
     <p:spTree>
       <p:nvGrpSpPr>
@@ -8801,7 +8801,7 @@
 </file>
 
 <file path=ppt/slides/slide13.xml><?xml version="1.0" encoding="utf-8"?>
-<p:sld xmlns:a="http://schemas.openxmlformats.org/drawingml/2006/main" xmlns:r="http://schemas.openxmlformats.org/officeDocument/2006/relationships" xmlns:p="http://schemas.openxmlformats.org/presentationml/2006/main" show="0">
+<p:sld xmlns:a="http://schemas.openxmlformats.org/drawingml/2006/main" xmlns:r="http://schemas.openxmlformats.org/officeDocument/2006/relationships" xmlns:p="http://schemas.openxmlformats.org/presentationml/2006/main">
   <p:cSld>
     <p:spTree>
       <p:nvGrpSpPr>
@@ -8858,7 +8858,7 @@
         </p:spPr>
         <p:txBody>
           <a:bodyPr>
-            <a:normAutofit lnSpcReduction="10000"/>
+            <a:normAutofit/>
           </a:bodyPr>
           <a:lstStyle/>
           <a:p>
@@ -8945,7 +8945,7 @@
             </a:r>
           </a:p>
           <a:p>
-            <a:pPr>
+            <a:pPr lvl="1">
               <a:defRPr/>
             </a:pPr>
             <a:r>
@@ -9139,7 +9139,7 @@
             </a:r>
           </a:p>
           <a:p>
-            <a:pPr>
+            <a:pPr lvl="1">
               <a:defRPr/>
             </a:pPr>
             <a:r>
@@ -9307,7 +9307,7 @@
             </a:r>
           </a:p>
           <a:p>
-            <a:pPr>
+            <a:pPr lvl="1">
               <a:defRPr/>
             </a:pPr>
             <a:r>
@@ -9405,7 +9405,7 @@
 </file>
 
 <file path=ppt/slides/slide14.xml><?xml version="1.0" encoding="utf-8"?>
-<p:sld xmlns:a="http://schemas.openxmlformats.org/drawingml/2006/main" xmlns:r="http://schemas.openxmlformats.org/officeDocument/2006/relationships" xmlns:p="http://schemas.openxmlformats.org/presentationml/2006/main" show="0">
+<p:sld xmlns:a="http://schemas.openxmlformats.org/drawingml/2006/main" xmlns:r="http://schemas.openxmlformats.org/officeDocument/2006/relationships" xmlns:p="http://schemas.openxmlformats.org/presentationml/2006/main">
   <p:cSld>
     <p:spTree>
       <p:nvGrpSpPr>
@@ -9814,7 +9814,7 @@
 </file>
 
 <file path=ppt/slides/slide15.xml><?xml version="1.0" encoding="utf-8"?>
-<p:sld xmlns:a="http://schemas.openxmlformats.org/drawingml/2006/main" xmlns:r="http://schemas.openxmlformats.org/officeDocument/2006/relationships" xmlns:p="http://schemas.openxmlformats.org/presentationml/2006/main" show="0">
+<p:sld xmlns:a="http://schemas.openxmlformats.org/drawingml/2006/main" xmlns:r="http://schemas.openxmlformats.org/officeDocument/2006/relationships" xmlns:p="http://schemas.openxmlformats.org/presentationml/2006/main">
   <p:cSld>
     <p:spTree>
       <p:nvGrpSpPr>
@@ -10753,7 +10753,7 @@
 </file>
 
 <file path=ppt/slides/slide16.xml><?xml version="1.0" encoding="utf-8"?>
-<p:sld xmlns:a="http://schemas.openxmlformats.org/drawingml/2006/main" xmlns:r="http://schemas.openxmlformats.org/officeDocument/2006/relationships" xmlns:p="http://schemas.openxmlformats.org/presentationml/2006/main" show="0">
+<p:sld xmlns:a="http://schemas.openxmlformats.org/drawingml/2006/main" xmlns:r="http://schemas.openxmlformats.org/officeDocument/2006/relationships" xmlns:p="http://schemas.openxmlformats.org/presentationml/2006/main">
   <p:cSld>
     <p:spTree>
       <p:nvGrpSpPr>
@@ -11066,7 +11066,7 @@
 </file>
 
 <file path=ppt/slides/slide17.xml><?xml version="1.0" encoding="utf-8"?>
-<p:sld xmlns:a="http://schemas.openxmlformats.org/drawingml/2006/main" xmlns:r="http://schemas.openxmlformats.org/officeDocument/2006/relationships" xmlns:p="http://schemas.openxmlformats.org/presentationml/2006/main" show="0">
+<p:sld xmlns:a="http://schemas.openxmlformats.org/drawingml/2006/main" xmlns:r="http://schemas.openxmlformats.org/officeDocument/2006/relationships" xmlns:p="http://schemas.openxmlformats.org/presentationml/2006/main">
   <p:cSld>
     <p:spTree>
       <p:nvGrpSpPr>
@@ -12104,7 +12104,7 @@
 </file>
 
 <file path=ppt/slides/slide18.xml><?xml version="1.0" encoding="utf-8"?>
-<p:sld xmlns:a="http://schemas.openxmlformats.org/drawingml/2006/main" xmlns:r="http://schemas.openxmlformats.org/officeDocument/2006/relationships" xmlns:p="http://schemas.openxmlformats.org/presentationml/2006/main" show="0">
+<p:sld xmlns:a="http://schemas.openxmlformats.org/drawingml/2006/main" xmlns:r="http://schemas.openxmlformats.org/officeDocument/2006/relationships" xmlns:p="http://schemas.openxmlformats.org/presentationml/2006/main">
   <p:cSld>
     <p:spTree>
       <p:nvGrpSpPr>
@@ -12327,7 +12327,7 @@
 </file>
 
 <file path=ppt/slides/slide19.xml><?xml version="1.0" encoding="utf-8"?>
-<p:sld xmlns:a="http://schemas.openxmlformats.org/drawingml/2006/main" xmlns:r="http://schemas.openxmlformats.org/officeDocument/2006/relationships" xmlns:p="http://schemas.openxmlformats.org/presentationml/2006/main">
+<p:sld xmlns:a="http://schemas.openxmlformats.org/drawingml/2006/main" xmlns:r="http://schemas.openxmlformats.org/officeDocument/2006/relationships" xmlns:p="http://schemas.openxmlformats.org/presentationml/2006/main" show="0">
   <p:cSld>
     <p:spTree>
       <p:nvGrpSpPr>
@@ -12584,7 +12584,7 @@
 </file>
 
 <file path=ppt/slides/slide20.xml><?xml version="1.0" encoding="utf-8"?>
-<p:sld xmlns:a="http://schemas.openxmlformats.org/drawingml/2006/main" xmlns:r="http://schemas.openxmlformats.org/officeDocument/2006/relationships" xmlns:p="http://schemas.openxmlformats.org/presentationml/2006/main">
+<p:sld xmlns:a="http://schemas.openxmlformats.org/drawingml/2006/main" xmlns:r="http://schemas.openxmlformats.org/officeDocument/2006/relationships" xmlns:p="http://schemas.openxmlformats.org/presentationml/2006/main" show="0">
   <p:cSld>
     <p:spTree>
       <p:nvGrpSpPr>
@@ -13123,7 +13123,7 @@
 </file>
 
 <file path=ppt/slides/slide21.xml><?xml version="1.0" encoding="utf-8"?>
-<p:sld xmlns:a="http://schemas.openxmlformats.org/drawingml/2006/main" xmlns:r="http://schemas.openxmlformats.org/officeDocument/2006/relationships" xmlns:p="http://schemas.openxmlformats.org/presentationml/2006/main">
+<p:sld xmlns:a="http://schemas.openxmlformats.org/drawingml/2006/main" xmlns:r="http://schemas.openxmlformats.org/officeDocument/2006/relationships" xmlns:p="http://schemas.openxmlformats.org/presentationml/2006/main" show="0">
   <p:cSld>
     <p:spTree>
       <p:nvGrpSpPr>
@@ -13446,7 +13446,7 @@
 </file>
 
 <file path=ppt/slides/slide22.xml><?xml version="1.0" encoding="utf-8"?>
-<p:sld xmlns:a="http://schemas.openxmlformats.org/drawingml/2006/main" xmlns:r="http://schemas.openxmlformats.org/officeDocument/2006/relationships" xmlns:p="http://schemas.openxmlformats.org/presentationml/2006/main">
+<p:sld xmlns:a="http://schemas.openxmlformats.org/drawingml/2006/main" xmlns:r="http://schemas.openxmlformats.org/officeDocument/2006/relationships" xmlns:p="http://schemas.openxmlformats.org/presentationml/2006/main" show="0">
   <p:cSld>
     <p:spTree>
       <p:nvGrpSpPr>
@@ -13950,7 +13950,7 @@
 </file>
 
 <file path=ppt/slides/slide23.xml><?xml version="1.0" encoding="utf-8"?>
-<p:sld xmlns:a="http://schemas.openxmlformats.org/drawingml/2006/main" xmlns:r="http://schemas.openxmlformats.org/officeDocument/2006/relationships" xmlns:p="http://schemas.openxmlformats.org/presentationml/2006/main">
+<p:sld xmlns:a="http://schemas.openxmlformats.org/drawingml/2006/main" xmlns:r="http://schemas.openxmlformats.org/officeDocument/2006/relationships" xmlns:p="http://schemas.openxmlformats.org/presentationml/2006/main" show="0">
   <p:cSld>
     <p:spTree>
       <p:nvGrpSpPr>
@@ -14739,7 +14739,7 @@
 </file>
 
 <file path=ppt/slides/slide24.xml><?xml version="1.0" encoding="utf-8"?>
-<p:sld xmlns:a="http://schemas.openxmlformats.org/drawingml/2006/main" xmlns:r="http://schemas.openxmlformats.org/officeDocument/2006/relationships" xmlns:p="http://schemas.openxmlformats.org/presentationml/2006/main">
+<p:sld xmlns:a="http://schemas.openxmlformats.org/drawingml/2006/main" xmlns:r="http://schemas.openxmlformats.org/officeDocument/2006/relationships" xmlns:p="http://schemas.openxmlformats.org/presentationml/2006/main" show="0">
   <p:cSld>
     <p:spTree>
       <p:nvGrpSpPr>
@@ -15690,7 +15690,7 @@
 </file>
 
 <file path=ppt/slides/slide25.xml><?xml version="1.0" encoding="utf-8"?>
-<p:sld xmlns:a="http://schemas.openxmlformats.org/drawingml/2006/main" xmlns:r="http://schemas.openxmlformats.org/officeDocument/2006/relationships" xmlns:p="http://schemas.openxmlformats.org/presentationml/2006/main">
+<p:sld xmlns:a="http://schemas.openxmlformats.org/drawingml/2006/main" xmlns:r="http://schemas.openxmlformats.org/officeDocument/2006/relationships" xmlns:p="http://schemas.openxmlformats.org/presentationml/2006/main" show="0">
   <p:cSld>
     <p:spTree>
       <p:nvGrpSpPr>
@@ -18956,7 +18956,7 @@
 </file>
 
 <file path=ppt/slides/slide9.xml><?xml version="1.0" encoding="utf-8"?>
-<p:sld xmlns:a="http://schemas.openxmlformats.org/drawingml/2006/main" xmlns:r="http://schemas.openxmlformats.org/officeDocument/2006/relationships" xmlns:p="http://schemas.openxmlformats.org/presentationml/2006/main" show="0">
+<p:sld xmlns:a="http://schemas.openxmlformats.org/drawingml/2006/main" xmlns:r="http://schemas.openxmlformats.org/officeDocument/2006/relationships" xmlns:p="http://schemas.openxmlformats.org/presentationml/2006/main">
   <p:cSld>
     <p:spTree>
       <p:nvGrpSpPr>

--- a/PPTs/ProgramacionII_Clase_19.2-2021.pptx
+++ b/PPTs/ProgramacionII_Clase_19.2-2021.pptx
@@ -410,7 +410,7 @@
           <a:p>
             <a:fld id="{78ABE3C1-DBE1-495D-B57B-2849774B866A}" type="datetimeFigureOut">
               <a:rPr lang="en-US" dirty="0"/>
-              <a:t>11/4/2021</a:t>
+              <a:t>11/26/2021</a:t>
             </a:fld>
             <a:endParaRPr lang="en-US" dirty="0"/>
           </a:p>
@@ -819,7 +819,7 @@
           <a:p>
             <a:fld id="{446C117F-5CCF-4837-BE5F-2B92066CAFAF}" type="datetimeFigureOut">
               <a:rPr lang="en-US" dirty="0"/>
-              <a:t>11/4/2021</a:t>
+              <a:t>11/26/2021</a:t>
             </a:fld>
             <a:endParaRPr lang="en-US" dirty="0"/>
           </a:p>
@@ -1150,7 +1150,7 @@
           <a:p>
             <a:fld id="{84EB90BD-B6CE-46B7-997F-7313B992CCDC}" type="datetimeFigureOut">
               <a:rPr lang="en-US" dirty="0"/>
-              <a:t>11/4/2021</a:t>
+              <a:t>11/26/2021</a:t>
             </a:fld>
             <a:endParaRPr lang="en-US" dirty="0"/>
           </a:p>
@@ -1550,7 +1550,7 @@
           <a:p>
             <a:fld id="{CDB9D11F-B188-461D-B23F-39381795C052}" type="datetimeFigureOut">
               <a:rPr lang="en-US" dirty="0"/>
-              <a:t>11/4/2021</a:t>
+              <a:t>11/26/2021</a:t>
             </a:fld>
             <a:endParaRPr lang="en-US" dirty="0"/>
           </a:p>
@@ -2113,7 +2113,7 @@
           <a:p>
             <a:fld id="{52E6D8D9-55A2-4063-B0F3-121F44549695}" type="datetimeFigureOut">
               <a:rPr lang="en-US" dirty="0"/>
-              <a:t>11/4/2021</a:t>
+              <a:t>11/26/2021</a:t>
             </a:fld>
             <a:endParaRPr lang="en-US" dirty="0"/>
           </a:p>
@@ -2789,7 +2789,7 @@
           <a:p>
             <a:fld id="{D4B24536-994D-4021-A283-9F449C0DB509}" type="datetimeFigureOut">
               <a:rPr lang="en-US" dirty="0"/>
-              <a:t>11/4/2021</a:t>
+              <a:t>11/26/2021</a:t>
             </a:fld>
             <a:endParaRPr lang="en-US" dirty="0"/>
           </a:p>
@@ -3697,7 +3697,7 @@
           <a:p>
             <a:fld id="{3CBBBB78-C96F-47B7-AB17-D852CA960AC9}" type="datetimeFigureOut">
               <a:rPr lang="en-US" dirty="0"/>
-              <a:t>11/4/2021</a:t>
+              <a:t>11/26/2021</a:t>
             </a:fld>
             <a:endParaRPr lang="en-US" dirty="0"/>
           </a:p>
@@ -4005,7 +4005,7 @@
           <a:p>
             <a:fld id="{1FA3F48C-C7C6-4055-9F49-3777875E72AE}" type="datetimeFigureOut">
               <a:rPr lang="en-US" dirty="0"/>
-              <a:t>11/4/2021</a:t>
+              <a:t>11/26/2021</a:t>
             </a:fld>
             <a:endParaRPr lang="en-US" dirty="0"/>
           </a:p>
@@ -4264,7 +4264,7 @@
           <a:p>
             <a:fld id="{6178E61D-D431-422C-9764-11DAFE33AB63}" type="datetimeFigureOut">
               <a:rPr lang="en-US" dirty="0"/>
-              <a:t>11/4/2021</a:t>
+              <a:t>11/26/2021</a:t>
             </a:fld>
             <a:endParaRPr lang="en-US" dirty="0"/>
           </a:p>
@@ -4583,7 +4583,7 @@
           <a:p>
             <a:fld id="{12DE42F4-6EEF-4EF7-8ED4-2208F0F89A08}" type="datetimeFigureOut">
               <a:rPr lang="en-US" dirty="0"/>
-              <a:t>11/4/2021</a:t>
+              <a:t>11/26/2021</a:t>
             </a:fld>
             <a:endParaRPr lang="en-US" dirty="0"/>
           </a:p>
@@ -4967,7 +4967,7 @@
           <a:p>
             <a:fld id="{30578ACC-22D6-47C1-A373-4FD133E34F3C}" type="datetimeFigureOut">
               <a:rPr lang="en-US" dirty="0"/>
-              <a:t>11/4/2021</a:t>
+              <a:t>11/26/2021</a:t>
             </a:fld>
             <a:endParaRPr lang="en-US" dirty="0"/>
           </a:p>
@@ -5338,7 +5338,7 @@
           <a:p>
             <a:fld id="{4E5A6C69-6797-4E8A-BF37-F2C3751466E9}" type="datetimeFigureOut">
               <a:rPr lang="en-US" dirty="0"/>
-              <a:t>11/4/2021</a:t>
+              <a:t>11/26/2021</a:t>
             </a:fld>
             <a:endParaRPr lang="en-US" dirty="0"/>
           </a:p>
@@ -5839,7 +5839,7 @@
           <a:p>
             <a:fld id="{D82014A1-A632-4878-A0D3-F52BA7563730}" type="datetimeFigureOut">
               <a:rPr lang="en-US" dirty="0"/>
-              <a:t>11/4/2021</a:t>
+              <a:t>11/26/2021</a:t>
             </a:fld>
             <a:endParaRPr lang="en-US" dirty="0"/>
           </a:p>
@@ -6091,7 +6091,7 @@
           <a:p>
             <a:fld id="{CE99F462-093F-4566-844B-4C71F2739DA5}" type="datetimeFigureOut">
               <a:rPr lang="en-US" dirty="0"/>
-              <a:t>11/4/2021</a:t>
+              <a:t>11/26/2021</a:t>
             </a:fld>
             <a:endParaRPr lang="en-US" dirty="0"/>
           </a:p>
@@ -6249,7 +6249,7 @@
           <a:p>
             <a:fld id="{3D24A7AC-904D-4781-85BA-7D10C17ED021}" type="datetimeFigureOut">
               <a:rPr lang="en-US" dirty="0"/>
-              <a:t>11/4/2021</a:t>
+              <a:t>11/26/2021</a:t>
             </a:fld>
             <a:endParaRPr lang="en-US" dirty="0"/>
           </a:p>
@@ -6634,7 +6634,7 @@
           <a:p>
             <a:fld id="{E331444B-B92B-4E27-8C94-BB93EAF5CB18}" type="datetimeFigureOut">
               <a:rPr lang="en-US" dirty="0"/>
-              <a:t>11/4/2021</a:t>
+              <a:t>11/26/2021</a:t>
             </a:fld>
             <a:endParaRPr lang="en-US" dirty="0"/>
           </a:p>
@@ -7038,7 +7038,7 @@
           <a:p>
             <a:fld id="{363EFA5E-FA76-400D-B3DC-F0BA90E6D107}" type="datetimeFigureOut">
               <a:rPr lang="en-US" dirty="0"/>
-              <a:t>11/4/2021</a:t>
+              <a:t>11/26/2021</a:t>
             </a:fld>
             <a:endParaRPr lang="en-US" dirty="0"/>
           </a:p>
@@ -7277,7 +7277,7 @@
           <a:p>
             <a:fld id="{9D6E9DEC-419B-4CC5-A080-3B06BD5A8291}" type="datetimeFigureOut">
               <a:rPr lang="en-US" dirty="0"/>
-              <a:t>11/4/2021</a:t>
+              <a:t>11/26/2021</a:t>
             </a:fld>
             <a:endParaRPr lang="en-US" dirty="0"/>
           </a:p>
@@ -18428,7 +18428,7 @@
                 </a:solidFill>
                 <a:latin typeface="Consolas" panose="020B0609020204030204" pitchFamily="49" charset="0"/>
               </a:rPr>
-              <a:t>System.Xml</a:t>
+              <a:t>System.Text.Json</a:t>
             </a:r>
             <a:r>
               <a:rPr lang="es-AR" sz="2000" dirty="0">
